--- a/assets/aulas/metabolismo_glicogenio.pptx
+++ b/assets/aulas/metabolismo_glicogenio.pptx
@@ -14,25 +14,29 @@
     <p:sldId id="445" r:id="rId8"/>
     <p:sldId id="472" r:id="rId9"/>
     <p:sldId id="477" r:id="rId10"/>
-    <p:sldId id="473" r:id="rId11"/>
-    <p:sldId id="495" r:id="rId12"/>
-    <p:sldId id="496" r:id="rId13"/>
-    <p:sldId id="497" r:id="rId14"/>
-    <p:sldId id="498" r:id="rId15"/>
-    <p:sldId id="474" r:id="rId16"/>
-    <p:sldId id="475" r:id="rId17"/>
-    <p:sldId id="493" r:id="rId18"/>
-    <p:sldId id="494" r:id="rId19"/>
-    <p:sldId id="492" r:id="rId20"/>
-    <p:sldId id="476" r:id="rId21"/>
-    <p:sldId id="484" r:id="rId22"/>
-    <p:sldId id="491" r:id="rId23"/>
-    <p:sldId id="489" r:id="rId24"/>
-    <p:sldId id="488" r:id="rId25"/>
-    <p:sldId id="499" r:id="rId26"/>
-    <p:sldId id="500" r:id="rId27"/>
-    <p:sldId id="501" r:id="rId28"/>
-    <p:sldId id="502" r:id="rId29"/>
+    <p:sldId id="504" r:id="rId11"/>
+    <p:sldId id="505" r:id="rId12"/>
+    <p:sldId id="473" r:id="rId13"/>
+    <p:sldId id="503" r:id="rId14"/>
+    <p:sldId id="495" r:id="rId15"/>
+    <p:sldId id="496" r:id="rId16"/>
+    <p:sldId id="497" r:id="rId17"/>
+    <p:sldId id="498" r:id="rId18"/>
+    <p:sldId id="474" r:id="rId19"/>
+    <p:sldId id="475" r:id="rId20"/>
+    <p:sldId id="493" r:id="rId21"/>
+    <p:sldId id="494" r:id="rId22"/>
+    <p:sldId id="492" r:id="rId23"/>
+    <p:sldId id="476" r:id="rId24"/>
+    <p:sldId id="484" r:id="rId25"/>
+    <p:sldId id="491" r:id="rId26"/>
+    <p:sldId id="489" r:id="rId27"/>
+    <p:sldId id="488" r:id="rId28"/>
+    <p:sldId id="499" r:id="rId29"/>
+    <p:sldId id="500" r:id="rId30"/>
+    <p:sldId id="501" r:id="rId31"/>
+    <p:sldId id="502" r:id="rId32"/>
+    <p:sldId id="506" r:id="rId33"/>
   </p:sldIdLst>
   <p:sldSz cx="12192000" cy="6858000"/>
   <p:notesSz cx="6858000" cy="9144000"/>
@@ -286,7 +290,7 @@
           <a:p>
             <a:fld id="{E3BCEED8-149E-406E-B91A-7F4F3B181D0A}" type="datetimeFigureOut">
               <a:rPr lang="pt-BR" smtClean="0"/>
-              <a:t>14/06/2023</a:t>
+              <a:t>25/10/2023</a:t>
             </a:fld>
             <a:endParaRPr lang="pt-BR"/>
           </a:p>
@@ -484,7 +488,7 @@
           <a:p>
             <a:fld id="{E3BCEED8-149E-406E-B91A-7F4F3B181D0A}" type="datetimeFigureOut">
               <a:rPr lang="pt-BR" smtClean="0"/>
-              <a:t>14/06/2023</a:t>
+              <a:t>25/10/2023</a:t>
             </a:fld>
             <a:endParaRPr lang="pt-BR"/>
           </a:p>
@@ -692,7 +696,7 @@
           <a:p>
             <a:fld id="{E3BCEED8-149E-406E-B91A-7F4F3B181D0A}" type="datetimeFigureOut">
               <a:rPr lang="pt-BR" smtClean="0"/>
-              <a:t>14/06/2023</a:t>
+              <a:t>25/10/2023</a:t>
             </a:fld>
             <a:endParaRPr lang="pt-BR"/>
           </a:p>
@@ -890,7 +894,7 @@
           <a:p>
             <a:fld id="{E3BCEED8-149E-406E-B91A-7F4F3B181D0A}" type="datetimeFigureOut">
               <a:rPr lang="pt-BR" smtClean="0"/>
-              <a:t>14/06/2023</a:t>
+              <a:t>25/10/2023</a:t>
             </a:fld>
             <a:endParaRPr lang="pt-BR"/>
           </a:p>
@@ -1165,7 +1169,7 @@
           <a:p>
             <a:fld id="{E3BCEED8-149E-406E-B91A-7F4F3B181D0A}" type="datetimeFigureOut">
               <a:rPr lang="pt-BR" smtClean="0"/>
-              <a:t>14/06/2023</a:t>
+              <a:t>25/10/2023</a:t>
             </a:fld>
             <a:endParaRPr lang="pt-BR"/>
           </a:p>
@@ -1430,7 +1434,7 @@
           <a:p>
             <a:fld id="{E3BCEED8-149E-406E-B91A-7F4F3B181D0A}" type="datetimeFigureOut">
               <a:rPr lang="pt-BR" smtClean="0"/>
-              <a:t>14/06/2023</a:t>
+              <a:t>25/10/2023</a:t>
             </a:fld>
             <a:endParaRPr lang="pt-BR"/>
           </a:p>
@@ -1842,7 +1846,7 @@
           <a:p>
             <a:fld id="{E3BCEED8-149E-406E-B91A-7F4F3B181D0A}" type="datetimeFigureOut">
               <a:rPr lang="pt-BR" smtClean="0"/>
-              <a:t>14/06/2023</a:t>
+              <a:t>25/10/2023</a:t>
             </a:fld>
             <a:endParaRPr lang="pt-BR"/>
           </a:p>
@@ -1983,7 +1987,7 @@
           <a:p>
             <a:fld id="{E3BCEED8-149E-406E-B91A-7F4F3B181D0A}" type="datetimeFigureOut">
               <a:rPr lang="pt-BR" smtClean="0"/>
-              <a:t>14/06/2023</a:t>
+              <a:t>25/10/2023</a:t>
             </a:fld>
             <a:endParaRPr lang="pt-BR"/>
           </a:p>
@@ -2096,7 +2100,7 @@
           <a:p>
             <a:fld id="{E3BCEED8-149E-406E-B91A-7F4F3B181D0A}" type="datetimeFigureOut">
               <a:rPr lang="pt-BR" smtClean="0"/>
-              <a:t>14/06/2023</a:t>
+              <a:t>25/10/2023</a:t>
             </a:fld>
             <a:endParaRPr lang="pt-BR"/>
           </a:p>
@@ -2407,7 +2411,7 @@
           <a:p>
             <a:fld id="{E3BCEED8-149E-406E-B91A-7F4F3B181D0A}" type="datetimeFigureOut">
               <a:rPr lang="pt-BR" smtClean="0"/>
-              <a:t>14/06/2023</a:t>
+              <a:t>25/10/2023</a:t>
             </a:fld>
             <a:endParaRPr lang="pt-BR"/>
           </a:p>
@@ -2695,7 +2699,7 @@
           <a:p>
             <a:fld id="{E3BCEED8-149E-406E-B91A-7F4F3B181D0A}" type="datetimeFigureOut">
               <a:rPr lang="pt-BR" smtClean="0"/>
-              <a:t>14/06/2023</a:t>
+              <a:t>25/10/2023</a:t>
             </a:fld>
             <a:endParaRPr lang="pt-BR"/>
           </a:p>
@@ -2956,7 +2960,7 @@
           <a:p>
             <a:fld id="{E3BCEED8-149E-406E-B91A-7F4F3B181D0A}" type="datetimeFigureOut">
               <a:rPr lang="pt-BR" smtClean="0"/>
-              <a:t>14/06/2023</a:t>
+              <a:t>25/10/2023</a:t>
             </a:fld>
             <a:endParaRPr lang="pt-BR"/>
           </a:p>
@@ -4216,6 +4220,126 @@
           <a:chExt cx="0" cy="0"/>
         </a:xfrm>
       </p:grpSpPr>
+      <p:pic>
+        <p:nvPicPr>
+          <p:cNvPr id="4" name="Imagem 3">
+            <a:extLst>
+              <a:ext uri="{FF2B5EF4-FFF2-40B4-BE49-F238E27FC236}">
+                <a16:creationId xmlns:a16="http://schemas.microsoft.com/office/drawing/2014/main" id="{9348803E-888B-479E-BDE7-70D85A9F194E}"/>
+              </a:ext>
+            </a:extLst>
+          </p:cNvPr>
+          <p:cNvPicPr>
+            <a:picLocks noChangeAspect="1"/>
+          </p:cNvPicPr>
+          <p:nvPr/>
+        </p:nvPicPr>
+        <p:blipFill>
+          <a:blip r:embed="rId2"/>
+          <a:stretch>
+            <a:fillRect/>
+          </a:stretch>
+        </p:blipFill>
+        <p:spPr>
+          <a:xfrm>
+            <a:off x="2343011" y="1208582"/>
+            <a:ext cx="7505978" cy="4440836"/>
+          </a:xfrm>
+          <a:prstGeom prst="rect">
+            <a:avLst/>
+          </a:prstGeom>
+        </p:spPr>
+      </p:pic>
+    </p:spTree>
+    <p:extLst>
+      <p:ext uri="{BB962C8B-B14F-4D97-AF65-F5344CB8AC3E}">
+        <p14:creationId xmlns:p14="http://schemas.microsoft.com/office/powerpoint/2010/main" val="3567076698"/>
+      </p:ext>
+    </p:extLst>
+  </p:cSld>
+  <p:clrMapOvr>
+    <a:masterClrMapping/>
+  </p:clrMapOvr>
+</p:sld>
+</file>
+
+<file path=ppt/slides/slide11.xml><?xml version="1.0" encoding="utf-8"?>
+<p:sld xmlns:a="http://schemas.openxmlformats.org/drawingml/2006/main" xmlns:r="http://schemas.openxmlformats.org/officeDocument/2006/relationships" xmlns:p="http://schemas.openxmlformats.org/presentationml/2006/main">
+  <p:cSld>
+    <p:spTree>
+      <p:nvGrpSpPr>
+        <p:cNvPr id="1" name=""/>
+        <p:cNvGrpSpPr/>
+        <p:nvPr/>
+      </p:nvGrpSpPr>
+      <p:grpSpPr>
+        <a:xfrm>
+          <a:off x="0" y="0"/>
+          <a:ext cx="0" cy="0"/>
+          <a:chOff x="0" y="0"/>
+          <a:chExt cx="0" cy="0"/>
+        </a:xfrm>
+      </p:grpSpPr>
+      <p:pic>
+        <p:nvPicPr>
+          <p:cNvPr id="4" name="Imagem 3">
+            <a:extLst>
+              <a:ext uri="{FF2B5EF4-FFF2-40B4-BE49-F238E27FC236}">
+                <a16:creationId xmlns:a16="http://schemas.microsoft.com/office/drawing/2014/main" id="{17BAA9D6-FD11-48E2-8FA5-51F2CFD1A12E}"/>
+              </a:ext>
+            </a:extLst>
+          </p:cNvPr>
+          <p:cNvPicPr>
+            <a:picLocks noChangeAspect="1"/>
+          </p:cNvPicPr>
+          <p:nvPr/>
+        </p:nvPicPr>
+        <p:blipFill>
+          <a:blip r:embed="rId2"/>
+          <a:stretch>
+            <a:fillRect/>
+          </a:stretch>
+        </p:blipFill>
+        <p:spPr>
+          <a:xfrm>
+            <a:off x="2820903" y="252208"/>
+            <a:ext cx="6550193" cy="6353583"/>
+          </a:xfrm>
+          <a:prstGeom prst="rect">
+            <a:avLst/>
+          </a:prstGeom>
+        </p:spPr>
+      </p:pic>
+    </p:spTree>
+    <p:extLst>
+      <p:ext uri="{BB962C8B-B14F-4D97-AF65-F5344CB8AC3E}">
+        <p14:creationId xmlns:p14="http://schemas.microsoft.com/office/powerpoint/2010/main" val="1730488199"/>
+      </p:ext>
+    </p:extLst>
+  </p:cSld>
+  <p:clrMapOvr>
+    <a:masterClrMapping/>
+  </p:clrMapOvr>
+</p:sld>
+</file>
+
+<file path=ppt/slides/slide12.xml><?xml version="1.0" encoding="utf-8"?>
+<p:sld xmlns:a="http://schemas.openxmlformats.org/drawingml/2006/main" xmlns:r="http://schemas.openxmlformats.org/officeDocument/2006/relationships" xmlns:p="http://schemas.openxmlformats.org/presentationml/2006/main">
+  <p:cSld>
+    <p:spTree>
+      <p:nvGrpSpPr>
+        <p:cNvPr id="1" name=""/>
+        <p:cNvGrpSpPr/>
+        <p:nvPr/>
+      </p:nvGrpSpPr>
+      <p:grpSpPr>
+        <a:xfrm>
+          <a:off x="0" y="0"/>
+          <a:ext cx="0" cy="0"/>
+          <a:chOff x="0" y="0"/>
+          <a:chExt cx="0" cy="0"/>
+        </a:xfrm>
+      </p:grpSpPr>
       <p:sp>
         <p:nvSpPr>
           <p:cNvPr id="4" name="Retângulo: Cantos Arredondados 3">
@@ -6215,7 +6339,7 @@
         </p:nvGrpSpPr>
         <p:grpSpPr>
           <a:xfrm>
-            <a:off x="8184061" y="1136457"/>
+            <a:off x="8196885" y="1136457"/>
             <a:ext cx="924738" cy="380007"/>
             <a:chOff x="2865989" y="6251074"/>
             <a:chExt cx="1345739" cy="540000"/>
@@ -6621,7 +6745,191 @@
 </p:sld>
 </file>
 
-<file path=ppt/slides/slide11.xml><?xml version="1.0" encoding="utf-8"?>
+<file path=ppt/slides/slide13.xml><?xml version="1.0" encoding="utf-8"?>
+<p:sld xmlns:a="http://schemas.openxmlformats.org/drawingml/2006/main" xmlns:r="http://schemas.openxmlformats.org/officeDocument/2006/relationships" xmlns:p="http://schemas.openxmlformats.org/presentationml/2006/main">
+  <p:cSld>
+    <p:spTree>
+      <p:nvGrpSpPr>
+        <p:cNvPr id="1" name=""/>
+        <p:cNvGrpSpPr/>
+        <p:nvPr/>
+      </p:nvGrpSpPr>
+      <p:grpSpPr>
+        <a:xfrm>
+          <a:off x="0" y="0"/>
+          <a:ext cx="0" cy="0"/>
+          <a:chOff x="0" y="0"/>
+          <a:chExt cx="0" cy="0"/>
+        </a:xfrm>
+      </p:grpSpPr>
+      <p:pic>
+        <p:nvPicPr>
+          <p:cNvPr id="5" name="Imagem 4">
+            <a:extLst>
+              <a:ext uri="{FF2B5EF4-FFF2-40B4-BE49-F238E27FC236}">
+                <a16:creationId xmlns:a16="http://schemas.microsoft.com/office/drawing/2014/main" id="{413C3567-B1D1-44C8-BCF7-4E90FB97776D}"/>
+              </a:ext>
+            </a:extLst>
+          </p:cNvPr>
+          <p:cNvPicPr>
+            <a:picLocks noChangeAspect="1"/>
+          </p:cNvPicPr>
+          <p:nvPr/>
+        </p:nvPicPr>
+        <p:blipFill>
+          <a:blip r:embed="rId2">
+            <a:extLst>
+              <a:ext uri="{BEBA8EAE-BF5A-486C-A8C5-ECC9F3942E4B}">
+                <a14:imgProps xmlns:a14="http://schemas.microsoft.com/office/drawing/2010/main">
+                  <a14:imgLayer r:embed="rId3">
+                    <a14:imgEffect>
+                      <a14:brightnessContrast bright="100000"/>
+                    </a14:imgEffect>
+                  </a14:imgLayer>
+                </a14:imgProps>
+              </a:ext>
+            </a:extLst>
+          </a:blip>
+          <a:stretch>
+            <a:fillRect/>
+          </a:stretch>
+        </p:blipFill>
+        <p:spPr>
+          <a:xfrm>
+            <a:off x="6711233" y="1955041"/>
+            <a:ext cx="4543231" cy="2640510"/>
+          </a:xfrm>
+          <a:prstGeom prst="rect">
+            <a:avLst/>
+          </a:prstGeom>
+        </p:spPr>
+      </p:pic>
+      <p:pic>
+        <p:nvPicPr>
+          <p:cNvPr id="1030" name="Picture 6" descr="guanosine triphosphate - Wikidata">
+            <a:extLst>
+              <a:ext uri="{FF2B5EF4-FFF2-40B4-BE49-F238E27FC236}">
+                <a16:creationId xmlns:a16="http://schemas.microsoft.com/office/drawing/2014/main" id="{77E47E87-0A6B-4A4E-BE26-F664CDDC4750}"/>
+              </a:ext>
+            </a:extLst>
+          </p:cNvPr>
+          <p:cNvPicPr>
+            <a:picLocks noChangeAspect="1" noChangeArrowheads="1"/>
+          </p:cNvPicPr>
+          <p:nvPr/>
+        </p:nvPicPr>
+        <p:blipFill>
+          <a:blip r:embed="rId4">
+            <a:extLst>
+              <a:ext uri="{BEBA8EAE-BF5A-486C-A8C5-ECC9F3942E4B}">
+                <a14:imgProps xmlns:a14="http://schemas.microsoft.com/office/drawing/2010/main">
+                  <a14:imgLayer r:embed="rId5">
+                    <a14:imgEffect>
+                      <a14:brightnessContrast bright="100000"/>
+                    </a14:imgEffect>
+                  </a14:imgLayer>
+                </a14:imgProps>
+              </a:ext>
+              <a:ext uri="{28A0092B-C50C-407E-A947-70E740481C1C}">
+                <a14:useLocalDpi xmlns:a14="http://schemas.microsoft.com/office/drawing/2010/main" val="0"/>
+              </a:ext>
+            </a:extLst>
+          </a:blip>
+          <a:srcRect/>
+          <a:stretch>
+            <a:fillRect/>
+          </a:stretch>
+        </p:blipFill>
+        <p:spPr bwMode="auto">
+          <a:xfrm>
+            <a:off x="339202" y="559538"/>
+            <a:ext cx="5466920" cy="2400889"/>
+          </a:xfrm>
+          <a:prstGeom prst="rect">
+            <a:avLst/>
+          </a:prstGeom>
+          <a:noFill/>
+          <a:extLst>
+            <a:ext uri="{909E8E84-426E-40DD-AFC4-6F175D3DCCD1}">
+              <a14:hiddenFill xmlns:a14="http://schemas.microsoft.com/office/drawing/2010/main">
+                <a:solidFill>
+                  <a:srgbClr val="FFFFFF"/>
+                </a:solidFill>
+              </a14:hiddenFill>
+            </a:ext>
+          </a:extLst>
+        </p:spPr>
+      </p:pic>
+      <p:pic>
+        <p:nvPicPr>
+          <p:cNvPr id="1034" name="Picture 10" descr="Adenosina trifosfato (ATP) - Bioquímica - InfoEscola">
+            <a:extLst>
+              <a:ext uri="{FF2B5EF4-FFF2-40B4-BE49-F238E27FC236}">
+                <a16:creationId xmlns:a16="http://schemas.microsoft.com/office/drawing/2014/main" id="{4A48D530-F02C-4B38-AAC8-782F63AF3F32}"/>
+              </a:ext>
+            </a:extLst>
+          </p:cNvPr>
+          <p:cNvPicPr>
+            <a:picLocks noChangeAspect="1" noChangeArrowheads="1"/>
+          </p:cNvPicPr>
+          <p:nvPr/>
+        </p:nvPicPr>
+        <p:blipFill>
+          <a:blip r:embed="rId6">
+            <a:extLst>
+              <a:ext uri="{BEBA8EAE-BF5A-486C-A8C5-ECC9F3942E4B}">
+                <a14:imgProps xmlns:a14="http://schemas.microsoft.com/office/drawing/2010/main">
+                  <a14:imgLayer r:embed="rId7">
+                    <a14:imgEffect>
+                      <a14:brightnessContrast bright="100000"/>
+                    </a14:imgEffect>
+                  </a14:imgLayer>
+                </a14:imgProps>
+              </a:ext>
+              <a:ext uri="{28A0092B-C50C-407E-A947-70E740481C1C}">
+                <a14:useLocalDpi xmlns:a14="http://schemas.microsoft.com/office/drawing/2010/main" val="0"/>
+              </a:ext>
+            </a:extLst>
+          </a:blip>
+          <a:srcRect/>
+          <a:stretch>
+            <a:fillRect/>
+          </a:stretch>
+        </p:blipFill>
+        <p:spPr bwMode="auto">
+          <a:xfrm>
+            <a:off x="339202" y="3897573"/>
+            <a:ext cx="4666061" cy="2301923"/>
+          </a:xfrm>
+          <a:prstGeom prst="rect">
+            <a:avLst/>
+          </a:prstGeom>
+          <a:noFill/>
+          <a:extLst>
+            <a:ext uri="{909E8E84-426E-40DD-AFC4-6F175D3DCCD1}">
+              <a14:hiddenFill xmlns:a14="http://schemas.microsoft.com/office/drawing/2010/main">
+                <a:solidFill>
+                  <a:srgbClr val="FFFFFF"/>
+                </a:solidFill>
+              </a14:hiddenFill>
+            </a:ext>
+          </a:extLst>
+        </p:spPr>
+      </p:pic>
+    </p:spTree>
+    <p:extLst>
+      <p:ext uri="{BB962C8B-B14F-4D97-AF65-F5344CB8AC3E}">
+        <p14:creationId xmlns:p14="http://schemas.microsoft.com/office/powerpoint/2010/main" val="2354336200"/>
+      </p:ext>
+    </p:extLst>
+  </p:cSld>
+  <p:clrMapOvr>
+    <a:masterClrMapping/>
+  </p:clrMapOvr>
+</p:sld>
+</file>
+
+<file path=ppt/slides/slide14.xml><?xml version="1.0" encoding="utf-8"?>
 <p:sld xmlns:a="http://schemas.openxmlformats.org/drawingml/2006/main" xmlns:r="http://schemas.openxmlformats.org/officeDocument/2006/relationships" xmlns:p="http://schemas.openxmlformats.org/presentationml/2006/main">
   <p:cSld>
     <p:spTree>
@@ -6787,7 +7095,7 @@
 </p:sld>
 </file>
 
-<file path=ppt/slides/slide12.xml><?xml version="1.0" encoding="utf-8"?>
+<file path=ppt/slides/slide15.xml><?xml version="1.0" encoding="utf-8"?>
 <p:sld xmlns:a="http://schemas.openxmlformats.org/drawingml/2006/main" xmlns:r="http://schemas.openxmlformats.org/officeDocument/2006/relationships" xmlns:p="http://schemas.openxmlformats.org/presentationml/2006/main">
   <p:cSld>
     <p:spTree>
@@ -6818,8 +7126,8 @@
         </p:nvSpPr>
         <p:spPr>
           <a:xfrm>
-            <a:off x="942372" y="488431"/>
-            <a:ext cx="10668000" cy="1913665"/>
+            <a:off x="1624084" y="820465"/>
+            <a:ext cx="8843750" cy="2496517"/>
           </a:xfrm>
           <a:prstGeom prst="rect">
             <a:avLst/>
@@ -6831,16 +7139,16 @@
           </a:bodyPr>
           <a:lstStyle/>
           <a:p>
-            <a:pPr lvl="0" algn="just">
+            <a:pPr lvl="0" algn="ctr">
               <a:lnSpc>
-                <a:spcPct val="107000"/>
+                <a:spcPct val="150000"/>
               </a:lnSpc>
               <a:spcAft>
                 <a:spcPts val="800"/>
               </a:spcAft>
             </a:pPr>
             <a:r>
-              <a:rPr lang="pt-BR" sz="2800" b="1" i="1" dirty="0">
+              <a:rPr lang="pt-BR" sz="3600" b="1" i="1" dirty="0">
                 <a:solidFill>
                   <a:prstClr val="white"/>
                 </a:solidFill>
@@ -6848,9 +7156,31 @@
                 <a:ea typeface="Calibri" panose="020F0502020204030204" pitchFamily="34" charset="0"/>
                 <a:cs typeface="Times New Roman" panose="02020603050405020304" pitchFamily="18" charset="0"/>
               </a:rPr>
-              <a:t>Qual seria a razão pela qual o organismo usaria um esforço metabólico dessa ordem para usar glicogênio como fonte de energia, quando as gorduras, que são muitíssimos mais abundantes no organismo, aparentemente servem para o mesmo propósito?</a:t>
-            </a:r>
-            <a:endParaRPr kumimoji="0" lang="pt-BR" sz="2000" b="0" i="0" u="none" strike="noStrike" kern="1200" cap="none" spc="0" normalizeH="0" baseline="0" noProof="0" dirty="0">
+              <a:t>Por qual motivo a célula gasta energia produzindo glicogênio se o corpo possui gordura que é </a:t>
+            </a:r>
+            <a:r>
+              <a:rPr lang="pt-BR" sz="3600" b="1" i="1" dirty="0" err="1">
+                <a:solidFill>
+                  <a:prstClr val="white"/>
+                </a:solidFill>
+                <a:latin typeface="Times New Roman" panose="02020603050405020304" pitchFamily="18" charset="0"/>
+                <a:ea typeface="Calibri" panose="020F0502020204030204" pitchFamily="34" charset="0"/>
+                <a:cs typeface="Times New Roman" panose="02020603050405020304" pitchFamily="18" charset="0"/>
+              </a:rPr>
+              <a:t>muuuuuito</a:t>
+            </a:r>
+            <a:r>
+              <a:rPr lang="pt-BR" sz="3600" b="1" i="1" dirty="0">
+                <a:solidFill>
+                  <a:prstClr val="white"/>
+                </a:solidFill>
+                <a:latin typeface="Times New Roman" panose="02020603050405020304" pitchFamily="18" charset="0"/>
+                <a:ea typeface="Calibri" panose="020F0502020204030204" pitchFamily="34" charset="0"/>
+                <a:cs typeface="Times New Roman" panose="02020603050405020304" pitchFamily="18" charset="0"/>
+              </a:rPr>
+              <a:t> mais energética?</a:t>
+            </a:r>
+            <a:endParaRPr kumimoji="0" lang="pt-BR" sz="2800" b="0" i="0" u="none" strike="noStrike" kern="1200" cap="none" spc="0" normalizeH="0" baseline="0" noProof="0" dirty="0">
               <a:ln>
                 <a:noFill/>
               </a:ln>
@@ -6883,8 +7213,8 @@
         </p:nvSpPr>
         <p:spPr>
           <a:xfrm>
-            <a:off x="1018572" y="3254407"/>
-            <a:ext cx="10515600" cy="1131425"/>
+            <a:off x="2242551" y="4346226"/>
+            <a:ext cx="7948007" cy="1131425"/>
           </a:xfrm>
           <a:prstGeom prst="rect">
             <a:avLst/>
@@ -6892,7 +7222,7 @@
         </p:spPr>
         <p:txBody>
           <a:bodyPr vert="horz" lIns="91440" tIns="45720" rIns="91440" bIns="45720" rtlCol="0">
-            <a:normAutofit/>
+            <a:noAutofit/>
           </a:bodyPr>
           <a:lstStyle>
             <a:lvl1pPr marL="228600" indent="-228600" algn="l" defTabSz="914400" rtl="0" eaLnBrk="1" latinLnBrk="0" hangingPunct="1">
@@ -7066,7 +7396,7 @@
               <a:buNone/>
             </a:pPr>
             <a:r>
-              <a:rPr lang="pt-BR" dirty="0">
+              <a:rPr lang="pt-BR" sz="3200" dirty="0">
                 <a:solidFill>
                   <a:schemeClr val="accent4"/>
                 </a:solidFill>
@@ -7076,7 +7406,7 @@
               <a:t>Os resíduos de ácidos graxos das gorduras não podem ser metabolizados </a:t>
             </a:r>
             <a:r>
-              <a:rPr lang="pt-BR" dirty="0" err="1">
+              <a:rPr lang="pt-BR" sz="3200" dirty="0" err="1">
                 <a:solidFill>
                   <a:schemeClr val="accent4"/>
                 </a:solidFill>
@@ -7086,7 +7416,7 @@
               <a:t>anaerobicamente</a:t>
             </a:r>
             <a:r>
-              <a:rPr lang="pt-BR" dirty="0">
+              <a:rPr lang="pt-BR" sz="3200" dirty="0">
                 <a:solidFill>
                   <a:schemeClr val="accent4"/>
                 </a:solidFill>
@@ -7247,7 +7577,7 @@
 </p:sld>
 </file>
 
-<file path=ppt/slides/slide13.xml><?xml version="1.0" encoding="utf-8"?>
+<file path=ppt/slides/slide16.xml><?xml version="1.0" encoding="utf-8"?>
 <p:sld xmlns:a="http://schemas.openxmlformats.org/drawingml/2006/main" xmlns:r="http://schemas.openxmlformats.org/officeDocument/2006/relationships" xmlns:p="http://schemas.openxmlformats.org/presentationml/2006/main">
   <p:cSld>
     <p:spTree>
@@ -7266,10 +7596,57 @@
       </p:grpSpPr>
       <p:sp>
         <p:nvSpPr>
-          <p:cNvPr id="2" name="Retângulo 1">
-            <a:extLst>
-              <a:ext uri="{FF2B5EF4-FFF2-40B4-BE49-F238E27FC236}">
-                <a16:creationId xmlns:a16="http://schemas.microsoft.com/office/drawing/2014/main" id="{C70A2D4E-AA3C-48A2-9248-0DF969278203}"/>
+          <p:cNvPr id="6" name="Espaço Reservado para Conteúdo 2">
+            <a:extLst>
+              <a:ext uri="{FF2B5EF4-FFF2-40B4-BE49-F238E27FC236}">
+                <a16:creationId xmlns:a16="http://schemas.microsoft.com/office/drawing/2014/main" id="{19397C2B-4AD6-4820-89F1-9A2757DA9B0D}"/>
+              </a:ext>
+            </a:extLst>
+          </p:cNvPr>
+          <p:cNvSpPr>
+            <a:spLocks noGrp="1"/>
+          </p:cNvSpPr>
+          <p:nvPr>
+            <p:ph idx="1"/>
+          </p:nvPr>
+        </p:nvSpPr>
+        <p:spPr>
+          <a:xfrm>
+            <a:off x="1708244" y="4408318"/>
+            <a:ext cx="8775509" cy="1131425"/>
+          </a:xfrm>
+        </p:spPr>
+        <p:txBody>
+          <a:bodyPr>
+            <a:noAutofit/>
+          </a:bodyPr>
+          <a:lstStyle/>
+          <a:p>
+            <a:pPr marL="0" indent="0" algn="ctr">
+              <a:lnSpc>
+                <a:spcPct val="114000"/>
+              </a:lnSpc>
+              <a:buNone/>
+            </a:pPr>
+            <a:r>
+              <a:rPr lang="pt-BR" sz="3200" dirty="0">
+                <a:solidFill>
+                  <a:schemeClr val="accent4"/>
+                </a:solidFill>
+                <a:latin typeface="Times New Roman" panose="02020603050405020304" pitchFamily="18" charset="0"/>
+                <a:cs typeface="Times New Roman" panose="02020603050405020304" pitchFamily="18" charset="0"/>
+              </a:rPr>
+              <a:t>Os músculos não podem mobilizar as gorduras tão rapidamente quanto o fazem com o glicogênio.</a:t>
+            </a:r>
+          </a:p>
+        </p:txBody>
+      </p:sp>
+      <p:sp>
+        <p:nvSpPr>
+          <p:cNvPr id="4" name="Retângulo 3">
+            <a:extLst>
+              <a:ext uri="{FF2B5EF4-FFF2-40B4-BE49-F238E27FC236}">
+                <a16:creationId xmlns:a16="http://schemas.microsoft.com/office/drawing/2014/main" id="{EF479100-F58D-4C97-A2DD-9444ED0E0BE7}"/>
               </a:ext>
             </a:extLst>
           </p:cNvPr>
@@ -7278,8 +7655,8 @@
         </p:nvSpPr>
         <p:spPr>
           <a:xfrm>
-            <a:off x="942372" y="488431"/>
-            <a:ext cx="10668000" cy="1913665"/>
+            <a:off x="623247" y="820465"/>
+            <a:ext cx="10945505" cy="2608535"/>
           </a:xfrm>
           <a:prstGeom prst="rect">
             <a:avLst/>
@@ -7291,34 +7668,19 @@
           </a:bodyPr>
           <a:lstStyle/>
           <a:p>
-            <a:pPr marL="0" marR="0" lvl="0" indent="0" algn="just" defTabSz="914400" rtl="0" eaLnBrk="1" fontAlgn="auto" latinLnBrk="0" hangingPunct="1">
+            <a:pPr lvl="0" algn="ctr">
               <a:lnSpc>
-                <a:spcPct val="107000"/>
+                <a:spcPct val="150000"/>
               </a:lnSpc>
-              <a:spcBef>
-                <a:spcPts val="0"/>
-              </a:spcBef>
               <a:spcAft>
                 <a:spcPts val="800"/>
               </a:spcAft>
-              <a:buClrTx/>
-              <a:buSzTx/>
-              <a:buFontTx/>
-              <a:buNone/>
-              <a:tabLst/>
-              <a:defRPr/>
             </a:pPr>
             <a:r>
-              <a:rPr kumimoji="0" lang="pt-BR" sz="2800" b="1" i="1" u="none" strike="noStrike" kern="1200" cap="none" spc="0" normalizeH="0" baseline="0" noProof="0" dirty="0">
-                <a:ln>
-                  <a:noFill/>
-                </a:ln>
+              <a:rPr lang="pt-BR" sz="2800" b="1" i="1" dirty="0">
                 <a:solidFill>
                   <a:prstClr val="white"/>
                 </a:solidFill>
-                <a:effectLst/>
-                <a:uLnTx/>
-                <a:uFillTx/>
                 <a:latin typeface="Times New Roman" panose="02020603050405020304" pitchFamily="18" charset="0"/>
                 <a:ea typeface="Calibri" panose="020F0502020204030204" pitchFamily="34" charset="0"/>
                 <a:cs typeface="Times New Roman" panose="02020603050405020304" pitchFamily="18" charset="0"/>
@@ -7339,53 +7701,6 @@
               <a:ea typeface="Calibri" panose="020F0502020204030204" pitchFamily="34" charset="0"/>
               <a:cs typeface="Times New Roman" panose="02020603050405020304" pitchFamily="18" charset="0"/>
             </a:endParaRPr>
-          </a:p>
-        </p:txBody>
-      </p:sp>
-      <p:sp>
-        <p:nvSpPr>
-          <p:cNvPr id="6" name="Espaço Reservado para Conteúdo 2">
-            <a:extLst>
-              <a:ext uri="{FF2B5EF4-FFF2-40B4-BE49-F238E27FC236}">
-                <a16:creationId xmlns:a16="http://schemas.microsoft.com/office/drawing/2014/main" id="{19397C2B-4AD6-4820-89F1-9A2757DA9B0D}"/>
-              </a:ext>
-            </a:extLst>
-          </p:cNvPr>
-          <p:cNvSpPr>
-            <a:spLocks noGrp="1"/>
-          </p:cNvSpPr>
-          <p:nvPr>
-            <p:ph idx="1"/>
-          </p:nvPr>
-        </p:nvSpPr>
-        <p:spPr>
-          <a:xfrm>
-            <a:off x="942372" y="3753225"/>
-            <a:ext cx="10515600" cy="1131425"/>
-          </a:xfrm>
-        </p:spPr>
-        <p:txBody>
-          <a:bodyPr>
-            <a:normAutofit/>
-          </a:bodyPr>
-          <a:lstStyle/>
-          <a:p>
-            <a:pPr marL="0" indent="0" algn="ctr">
-              <a:lnSpc>
-                <a:spcPct val="114000"/>
-              </a:lnSpc>
-              <a:buNone/>
-            </a:pPr>
-            <a:r>
-              <a:rPr lang="pt-BR" dirty="0">
-                <a:solidFill>
-                  <a:schemeClr val="accent4"/>
-                </a:solidFill>
-                <a:latin typeface="Times New Roman" panose="02020603050405020304" pitchFamily="18" charset="0"/>
-                <a:cs typeface="Times New Roman" panose="02020603050405020304" pitchFamily="18" charset="0"/>
-              </a:rPr>
-              <a:t>Os músculos não podem mobilizar as gorduras tão rapidamente quanto o fazem com o glicogênio.</a:t>
-            </a:r>
           </a:p>
         </p:txBody>
       </p:sp>
@@ -7538,7 +7853,7 @@
 </p:sld>
 </file>
 
-<file path=ppt/slides/slide14.xml><?xml version="1.0" encoding="utf-8"?>
+<file path=ppt/slides/slide17.xml><?xml version="1.0" encoding="utf-8"?>
 <p:sld xmlns:a="http://schemas.openxmlformats.org/drawingml/2006/main" xmlns:r="http://schemas.openxmlformats.org/officeDocument/2006/relationships" xmlns:p="http://schemas.openxmlformats.org/presentationml/2006/main">
   <p:cSld>
     <p:spTree>
@@ -7557,84 +7872,6 @@
       </p:grpSpPr>
       <p:sp>
         <p:nvSpPr>
-          <p:cNvPr id="2" name="Retângulo 1">
-            <a:extLst>
-              <a:ext uri="{FF2B5EF4-FFF2-40B4-BE49-F238E27FC236}">
-                <a16:creationId xmlns:a16="http://schemas.microsoft.com/office/drawing/2014/main" id="{C70A2D4E-AA3C-48A2-9248-0DF969278203}"/>
-              </a:ext>
-            </a:extLst>
-          </p:cNvPr>
-          <p:cNvSpPr/>
-          <p:nvPr/>
-        </p:nvSpPr>
-        <p:spPr>
-          <a:xfrm>
-            <a:off x="942372" y="488431"/>
-            <a:ext cx="10668000" cy="1913665"/>
-          </a:xfrm>
-          <a:prstGeom prst="rect">
-            <a:avLst/>
-          </a:prstGeom>
-        </p:spPr>
-        <p:txBody>
-          <a:bodyPr wrap="square">
-            <a:spAutoFit/>
-          </a:bodyPr>
-          <a:lstStyle/>
-          <a:p>
-            <a:pPr marL="0" marR="0" lvl="0" indent="0" algn="just" defTabSz="914400" rtl="0" eaLnBrk="1" fontAlgn="auto" latinLnBrk="0" hangingPunct="1">
-              <a:lnSpc>
-                <a:spcPct val="107000"/>
-              </a:lnSpc>
-              <a:spcBef>
-                <a:spcPts val="0"/>
-              </a:spcBef>
-              <a:spcAft>
-                <a:spcPts val="800"/>
-              </a:spcAft>
-              <a:buClrTx/>
-              <a:buSzTx/>
-              <a:buFontTx/>
-              <a:buNone/>
-              <a:tabLst/>
-              <a:defRPr/>
-            </a:pPr>
-            <a:r>
-              <a:rPr kumimoji="0" lang="pt-BR" sz="2800" b="1" i="1" u="none" strike="noStrike" kern="1200" cap="none" spc="0" normalizeH="0" baseline="0" noProof="0" dirty="0">
-                <a:ln>
-                  <a:noFill/>
-                </a:ln>
-                <a:solidFill>
-                  <a:prstClr val="white"/>
-                </a:solidFill>
-                <a:effectLst/>
-                <a:uLnTx/>
-                <a:uFillTx/>
-                <a:latin typeface="Times New Roman" panose="02020603050405020304" pitchFamily="18" charset="0"/>
-                <a:ea typeface="Calibri" panose="020F0502020204030204" pitchFamily="34" charset="0"/>
-                <a:cs typeface="Times New Roman" panose="02020603050405020304" pitchFamily="18" charset="0"/>
-              </a:rPr>
-              <a:t>Qual seria a razão pela qual o organismo usaria um esforço metabólico dessa ordem para usar glicogênio como fonte de energia, quando as gorduras, que são muitíssimos mais abundantes no organismo, aparentemente servem para o mesmo propósito?</a:t>
-            </a:r>
-            <a:endParaRPr kumimoji="0" lang="pt-BR" sz="2000" b="0" i="0" u="none" strike="noStrike" kern="1200" cap="none" spc="0" normalizeH="0" baseline="0" noProof="0" dirty="0">
-              <a:ln>
-                <a:noFill/>
-              </a:ln>
-              <a:solidFill>
-                <a:prstClr val="white"/>
-              </a:solidFill>
-              <a:effectLst/>
-              <a:uLnTx/>
-              <a:uFillTx/>
-              <a:latin typeface="Calibri" panose="020F0502020204030204" pitchFamily="34" charset="0"/>
-              <a:ea typeface="Calibri" panose="020F0502020204030204" pitchFamily="34" charset="0"/>
-              <a:cs typeface="Times New Roman" panose="02020603050405020304" pitchFamily="18" charset="0"/>
-            </a:endParaRPr>
-          </a:p>
-        </p:txBody>
-      </p:sp>
-      <p:sp>
-        <p:nvSpPr>
           <p:cNvPr id="8" name="Espaço Reservado para Conteúdo 2">
             <a:extLst>
               <a:ext uri="{FF2B5EF4-FFF2-40B4-BE49-F238E27FC236}">
@@ -7649,8 +7886,8 @@
         </p:nvSpPr>
         <p:spPr>
           <a:xfrm>
-            <a:off x="942372" y="3890192"/>
-            <a:ext cx="10515600" cy="1131425"/>
+            <a:off x="1012208" y="4190443"/>
+            <a:ext cx="10167582" cy="1732686"/>
           </a:xfrm>
           <a:prstGeom prst="rect">
             <a:avLst/>
@@ -7843,7 +8080,7 @@
               <a:defRPr/>
             </a:pPr>
             <a:r>
-              <a:rPr kumimoji="0" lang="pt-BR" b="0" i="0" u="none" strike="noStrike" kern="1200" cap="none" spc="0" normalizeH="0" baseline="0" noProof="0" dirty="0">
+              <a:rPr kumimoji="0" lang="pt-BR" sz="3200" b="0" i="0" u="none" strike="noStrike" kern="1200" cap="none" spc="0" normalizeH="0" baseline="0" noProof="0" dirty="0">
                 <a:ln>
                   <a:noFill/>
                 </a:ln>
@@ -7859,6 +8096,69 @@
               </a:rPr>
               <a:t>Os animais não podem converter ácidos graxos em glicose; desse modo, o metabolismo das gorduras não pode, sozinho, manter adequadamente os níveis de glicose no sangue</a:t>
             </a:r>
+          </a:p>
+        </p:txBody>
+      </p:sp>
+      <p:sp>
+        <p:nvSpPr>
+          <p:cNvPr id="4" name="Retângulo 3">
+            <a:extLst>
+              <a:ext uri="{FF2B5EF4-FFF2-40B4-BE49-F238E27FC236}">
+                <a16:creationId xmlns:a16="http://schemas.microsoft.com/office/drawing/2014/main" id="{EA407D84-D144-4360-9954-E83E50958004}"/>
+              </a:ext>
+            </a:extLst>
+          </p:cNvPr>
+          <p:cNvSpPr/>
+          <p:nvPr/>
+        </p:nvSpPr>
+        <p:spPr>
+          <a:xfrm>
+            <a:off x="623247" y="820465"/>
+            <a:ext cx="10945505" cy="2608535"/>
+          </a:xfrm>
+          <a:prstGeom prst="rect">
+            <a:avLst/>
+          </a:prstGeom>
+        </p:spPr>
+        <p:txBody>
+          <a:bodyPr wrap="square">
+            <a:spAutoFit/>
+          </a:bodyPr>
+          <a:lstStyle/>
+          <a:p>
+            <a:pPr lvl="0" algn="ctr">
+              <a:lnSpc>
+                <a:spcPct val="150000"/>
+              </a:lnSpc>
+              <a:spcAft>
+                <a:spcPts val="800"/>
+              </a:spcAft>
+            </a:pPr>
+            <a:r>
+              <a:rPr lang="pt-BR" sz="2800" b="1" i="1" dirty="0">
+                <a:solidFill>
+                  <a:prstClr val="white"/>
+                </a:solidFill>
+                <a:latin typeface="Times New Roman" panose="02020603050405020304" pitchFamily="18" charset="0"/>
+                <a:ea typeface="Calibri" panose="020F0502020204030204" pitchFamily="34" charset="0"/>
+                <a:cs typeface="Times New Roman" panose="02020603050405020304" pitchFamily="18" charset="0"/>
+              </a:rPr>
+              <a:t>Qual seria a razão pela qual o organismo usaria um esforço metabólico dessa ordem para usar glicogênio como fonte de energia, quando as gorduras, que são muitíssimos mais abundantes no organismo, aparentemente servem para o mesmo propósito?</a:t>
+            </a:r>
+            <a:endParaRPr kumimoji="0" lang="pt-BR" sz="2000" b="0" i="0" u="none" strike="noStrike" kern="1200" cap="none" spc="0" normalizeH="0" baseline="0" noProof="0" dirty="0">
+              <a:ln>
+                <a:noFill/>
+              </a:ln>
+              <a:solidFill>
+                <a:prstClr val="white"/>
+              </a:solidFill>
+              <a:effectLst/>
+              <a:uLnTx/>
+              <a:uFillTx/>
+              <a:latin typeface="Calibri" panose="020F0502020204030204" pitchFamily="34" charset="0"/>
+              <a:ea typeface="Calibri" panose="020F0502020204030204" pitchFamily="34" charset="0"/>
+              <a:cs typeface="Times New Roman" panose="02020603050405020304" pitchFamily="18" charset="0"/>
+            </a:endParaRPr>
           </a:p>
         </p:txBody>
       </p:sp>
@@ -8011,7 +8311,7 @@
 </p:sld>
 </file>
 
-<file path=ppt/slides/slide15.xml><?xml version="1.0" encoding="utf-8"?>
+<file path=ppt/slides/slide18.xml><?xml version="1.0" encoding="utf-8"?>
 <p:sld xmlns:a="http://schemas.openxmlformats.org/drawingml/2006/main" xmlns:r="http://schemas.openxmlformats.org/officeDocument/2006/relationships" xmlns:p="http://schemas.openxmlformats.org/presentationml/2006/main">
   <p:cSld>
     <p:spTree>
@@ -8169,7 +8469,7 @@
 </p:sld>
 </file>
 
-<file path=ppt/slides/slide16.xml><?xml version="1.0" encoding="utf-8"?>
+<file path=ppt/slides/slide19.xml><?xml version="1.0" encoding="utf-8"?>
 <p:sld xmlns:a="http://schemas.openxmlformats.org/drawingml/2006/main" xmlns:r="http://schemas.openxmlformats.org/officeDocument/2006/relationships" xmlns:p="http://schemas.openxmlformats.org/presentationml/2006/main">
   <p:cSld>
     <p:spTree>
@@ -9512,1586 +9812,6 @@
   <p:transition spd="slow">
     <p:push dir="u"/>
   </p:transition>
-</p:sld>
-</file>
-
-<file path=ppt/slides/slide17.xml><?xml version="1.0" encoding="utf-8"?>
-<p:sld xmlns:a="http://schemas.openxmlformats.org/drawingml/2006/main" xmlns:r="http://schemas.openxmlformats.org/officeDocument/2006/relationships" xmlns:p="http://schemas.openxmlformats.org/presentationml/2006/main">
-  <p:cSld>
-    <p:spTree>
-      <p:nvGrpSpPr>
-        <p:cNvPr id="1" name=""/>
-        <p:cNvGrpSpPr/>
-        <p:nvPr/>
-      </p:nvGrpSpPr>
-      <p:grpSpPr>
-        <a:xfrm>
-          <a:off x="0" y="0"/>
-          <a:ext cx="0" cy="0"/>
-          <a:chOff x="0" y="0"/>
-          <a:chExt cx="0" cy="0"/>
-        </a:xfrm>
-      </p:grpSpPr>
-      <p:sp>
-        <p:nvSpPr>
-          <p:cNvPr id="2" name="Retângulo 1">
-            <a:extLst>
-              <a:ext uri="{FF2B5EF4-FFF2-40B4-BE49-F238E27FC236}">
-                <a16:creationId xmlns:a16="http://schemas.microsoft.com/office/drawing/2014/main" id="{C70A2D4E-AA3C-48A2-9248-0DF969278203}"/>
-              </a:ext>
-            </a:extLst>
-          </p:cNvPr>
-          <p:cNvSpPr/>
-          <p:nvPr/>
-        </p:nvSpPr>
-        <p:spPr>
-          <a:xfrm>
-            <a:off x="1093566" y="2611981"/>
-            <a:ext cx="10004867" cy="1722331"/>
-          </a:xfrm>
-          <a:prstGeom prst="rect">
-            <a:avLst/>
-          </a:prstGeom>
-        </p:spPr>
-        <p:txBody>
-          <a:bodyPr wrap="square">
-            <a:spAutoFit/>
-          </a:bodyPr>
-          <a:lstStyle/>
-          <a:p>
-            <a:pPr marL="0" marR="0" lvl="0" indent="0" algn="ctr" defTabSz="914400" rtl="0" eaLnBrk="1" fontAlgn="auto" latinLnBrk="0" hangingPunct="1">
-              <a:lnSpc>
-                <a:spcPct val="107000"/>
-              </a:lnSpc>
-              <a:spcBef>
-                <a:spcPts val="0"/>
-              </a:spcBef>
-              <a:spcAft>
-                <a:spcPts val="800"/>
-              </a:spcAft>
-              <a:buClrTx/>
-              <a:buSzTx/>
-              <a:buFontTx/>
-              <a:buNone/>
-              <a:tabLst/>
-              <a:defRPr/>
-            </a:pPr>
-            <a:r>
-              <a:rPr kumimoji="0" lang="pt-BR" sz="4800" b="1" i="1" u="none" strike="noStrike" kern="1200" cap="none" spc="0" normalizeH="0" baseline="0" noProof="0" dirty="0">
-                <a:ln>
-                  <a:noFill/>
-                </a:ln>
-                <a:solidFill>
-                  <a:prstClr val="white"/>
-                </a:solidFill>
-                <a:effectLst/>
-                <a:uLnTx/>
-                <a:uFillTx/>
-                <a:latin typeface="Times New Roman" panose="02020603050405020304" pitchFamily="18" charset="0"/>
-                <a:ea typeface="Calibri" panose="020F0502020204030204" pitchFamily="34" charset="0"/>
-                <a:cs typeface="Times New Roman" panose="02020603050405020304" pitchFamily="18" charset="0"/>
-              </a:rPr>
-              <a:t>Prática #03</a:t>
-            </a:r>
-          </a:p>
-          <a:p>
-            <a:pPr marL="0" marR="0" lvl="0" indent="0" algn="ctr" defTabSz="914400" rtl="0" eaLnBrk="1" fontAlgn="auto" latinLnBrk="0" hangingPunct="1">
-              <a:lnSpc>
-                <a:spcPct val="107000"/>
-              </a:lnSpc>
-              <a:spcBef>
-                <a:spcPts val="0"/>
-              </a:spcBef>
-              <a:spcAft>
-                <a:spcPts val="800"/>
-              </a:spcAft>
-              <a:buClrTx/>
-              <a:buSzTx/>
-              <a:buFontTx/>
-              <a:buNone/>
-              <a:tabLst/>
-              <a:defRPr/>
-            </a:pPr>
-            <a:r>
-              <a:rPr kumimoji="0" lang="pt-BR" sz="4800" b="1" i="1" u="none" strike="noStrike" kern="1200" cap="none" spc="0" normalizeH="0" baseline="0" noProof="0" dirty="0">
-                <a:ln>
-                  <a:noFill/>
-                </a:ln>
-                <a:solidFill>
-                  <a:prstClr val="white"/>
-                </a:solidFill>
-                <a:effectLst/>
-                <a:uLnTx/>
-                <a:uFillTx/>
-                <a:latin typeface="Times New Roman" panose="02020603050405020304" pitchFamily="18" charset="0"/>
-                <a:ea typeface="Calibri" panose="020F0502020204030204" pitchFamily="34" charset="0"/>
-                <a:cs typeface="Times New Roman" panose="02020603050405020304" pitchFamily="18" charset="0"/>
-              </a:rPr>
-              <a:t>Resolução de problema</a:t>
-            </a:r>
-          </a:p>
-        </p:txBody>
-      </p:sp>
-    </p:spTree>
-    <p:extLst>
-      <p:ext uri="{BB962C8B-B14F-4D97-AF65-F5344CB8AC3E}">
-        <p14:creationId xmlns:p14="http://schemas.microsoft.com/office/powerpoint/2010/main" val="3086623460"/>
-      </p:ext>
-    </p:extLst>
-  </p:cSld>
-  <p:clrMapOvr>
-    <a:masterClrMapping/>
-  </p:clrMapOvr>
-</p:sld>
-</file>
-
-<file path=ppt/slides/slide18.xml><?xml version="1.0" encoding="utf-8"?>
-<p:sld xmlns:a="http://schemas.openxmlformats.org/drawingml/2006/main" xmlns:r="http://schemas.openxmlformats.org/officeDocument/2006/relationships" xmlns:p="http://schemas.openxmlformats.org/presentationml/2006/main">
-  <p:cSld>
-    <p:spTree>
-      <p:nvGrpSpPr>
-        <p:cNvPr id="1" name=""/>
-        <p:cNvGrpSpPr/>
-        <p:nvPr/>
-      </p:nvGrpSpPr>
-      <p:grpSpPr>
-        <a:xfrm>
-          <a:off x="0" y="0"/>
-          <a:ext cx="0" cy="0"/>
-          <a:chOff x="0" y="0"/>
-          <a:chExt cx="0" cy="0"/>
-        </a:xfrm>
-      </p:grpSpPr>
-      <p:sp>
-        <p:nvSpPr>
-          <p:cNvPr id="4" name="Retângulo: Cantos Arredondados 3">
-            <a:extLst>
-              <a:ext uri="{FF2B5EF4-FFF2-40B4-BE49-F238E27FC236}">
-                <a16:creationId xmlns:a16="http://schemas.microsoft.com/office/drawing/2014/main" id="{C4F95711-53AE-4235-AA18-A2C6D47A01FB}"/>
-              </a:ext>
-            </a:extLst>
-          </p:cNvPr>
-          <p:cNvSpPr/>
-          <p:nvPr/>
-        </p:nvSpPr>
-        <p:spPr>
-          <a:xfrm>
-            <a:off x="8673159" y="5980649"/>
-            <a:ext cx="1809616" cy="574154"/>
-          </a:xfrm>
-          <a:prstGeom prst="roundRect">
-            <a:avLst/>
-          </a:prstGeom>
-          <a:solidFill>
-            <a:schemeClr val="tx1">
-              <a:lumMod val="65000"/>
-              <a:lumOff val="35000"/>
-            </a:schemeClr>
-          </a:solidFill>
-          <a:ln w="76200">
-            <a:solidFill>
-              <a:schemeClr val="bg1"/>
-            </a:solidFill>
-          </a:ln>
-        </p:spPr>
-        <p:style>
-          <a:lnRef idx="2">
-            <a:schemeClr val="accent1">
-              <a:shade val="50000"/>
-            </a:schemeClr>
-          </a:lnRef>
-          <a:fillRef idx="1">
-            <a:schemeClr val="accent1"/>
-          </a:fillRef>
-          <a:effectRef idx="0">
-            <a:schemeClr val="accent1"/>
-          </a:effectRef>
-          <a:fontRef idx="minor">
-            <a:schemeClr val="lt1"/>
-          </a:fontRef>
-        </p:style>
-        <p:txBody>
-          <a:bodyPr rtlCol="0" anchor="ctr"/>
-          <a:lstStyle/>
-          <a:p>
-            <a:pPr marL="0" marR="0" lvl="0" indent="0" algn="ctr" defTabSz="914400" rtl="0" eaLnBrk="1" fontAlgn="auto" latinLnBrk="0" hangingPunct="1">
-              <a:lnSpc>
-                <a:spcPct val="100000"/>
-              </a:lnSpc>
-              <a:spcBef>
-                <a:spcPts val="0"/>
-              </a:spcBef>
-              <a:spcAft>
-                <a:spcPts val="0"/>
-              </a:spcAft>
-              <a:buClrTx/>
-              <a:buSzTx/>
-              <a:buFontTx/>
-              <a:buNone/>
-              <a:tabLst/>
-              <a:defRPr/>
-            </a:pPr>
-            <a:r>
-              <a:rPr kumimoji="0" lang="pt-BR" sz="3600" b="1" i="0" u="none" strike="noStrike" kern="1200" cap="none" spc="0" normalizeH="0" baseline="0" noProof="0" dirty="0">
-                <a:ln>
-                  <a:noFill/>
-                </a:ln>
-                <a:solidFill>
-                  <a:srgbClr val="FFC000">
-                    <a:lumMod val="40000"/>
-                    <a:lumOff val="60000"/>
-                  </a:srgbClr>
-                </a:solidFill>
-                <a:effectLst/>
-                <a:uLnTx/>
-                <a:uFillTx/>
-                <a:latin typeface="Times New Roman" panose="02020603050405020304" pitchFamily="18" charset="0"/>
-                <a:ea typeface="+mn-ea"/>
-                <a:cs typeface="Times New Roman" panose="02020603050405020304" pitchFamily="18" charset="0"/>
-              </a:rPr>
-              <a:t>Glicose</a:t>
-            </a:r>
-          </a:p>
-        </p:txBody>
-      </p:sp>
-      <p:sp>
-        <p:nvSpPr>
-          <p:cNvPr id="68" name="Retângulo: Cantos Arredondados 67">
-            <a:extLst>
-              <a:ext uri="{FF2B5EF4-FFF2-40B4-BE49-F238E27FC236}">
-                <a16:creationId xmlns:a16="http://schemas.microsoft.com/office/drawing/2014/main" id="{F9349F37-759D-4F9A-B271-AA3E312933F8}"/>
-              </a:ext>
-            </a:extLst>
-          </p:cNvPr>
-          <p:cNvSpPr/>
-          <p:nvPr/>
-        </p:nvSpPr>
-        <p:spPr>
-          <a:xfrm>
-            <a:off x="7721044" y="4088165"/>
-            <a:ext cx="3713847" cy="574154"/>
-          </a:xfrm>
-          <a:prstGeom prst="roundRect">
-            <a:avLst/>
-          </a:prstGeom>
-          <a:solidFill>
-            <a:schemeClr val="tx1">
-              <a:lumMod val="65000"/>
-              <a:lumOff val="35000"/>
-            </a:schemeClr>
-          </a:solidFill>
-          <a:ln w="76200">
-            <a:solidFill>
-              <a:schemeClr val="bg1"/>
-            </a:solidFill>
-          </a:ln>
-        </p:spPr>
-        <p:style>
-          <a:lnRef idx="2">
-            <a:schemeClr val="accent1">
-              <a:shade val="50000"/>
-            </a:schemeClr>
-          </a:lnRef>
-          <a:fillRef idx="1">
-            <a:schemeClr val="accent1"/>
-          </a:fillRef>
-          <a:effectRef idx="0">
-            <a:schemeClr val="accent1"/>
-          </a:effectRef>
-          <a:fontRef idx="minor">
-            <a:schemeClr val="lt1"/>
-          </a:fontRef>
-        </p:style>
-        <p:txBody>
-          <a:bodyPr rtlCol="0" anchor="ctr"/>
-          <a:lstStyle/>
-          <a:p>
-            <a:pPr marL="0" marR="0" lvl="0" indent="0" algn="ctr" defTabSz="914400" rtl="0" eaLnBrk="1" fontAlgn="auto" latinLnBrk="0" hangingPunct="1">
-              <a:lnSpc>
-                <a:spcPct val="100000"/>
-              </a:lnSpc>
-              <a:spcBef>
-                <a:spcPts val="0"/>
-              </a:spcBef>
-              <a:spcAft>
-                <a:spcPts val="0"/>
-              </a:spcAft>
-              <a:buClrTx/>
-              <a:buSzTx/>
-              <a:buFontTx/>
-              <a:buNone/>
-              <a:tabLst/>
-              <a:defRPr/>
-            </a:pPr>
-            <a:r>
-              <a:rPr kumimoji="0" lang="pt-BR" sz="3600" b="1" i="0" u="none" strike="noStrike" kern="1200" cap="none" spc="0" normalizeH="0" baseline="0" noProof="0" dirty="0">
-                <a:ln>
-                  <a:noFill/>
-                </a:ln>
-                <a:solidFill>
-                  <a:srgbClr val="FFC000">
-                    <a:lumMod val="40000"/>
-                    <a:lumOff val="60000"/>
-                  </a:srgbClr>
-                </a:solidFill>
-                <a:effectLst/>
-                <a:uLnTx/>
-                <a:uFillTx/>
-                <a:latin typeface="Times New Roman" panose="02020603050405020304" pitchFamily="18" charset="0"/>
-                <a:ea typeface="+mn-ea"/>
-                <a:cs typeface="Times New Roman" panose="02020603050405020304" pitchFamily="18" charset="0"/>
-              </a:rPr>
-              <a:t>Glicose-6-fosfato</a:t>
-            </a:r>
-          </a:p>
-        </p:txBody>
-      </p:sp>
-      <p:sp>
-        <p:nvSpPr>
-          <p:cNvPr id="34" name="Retângulo: Cantos Arredondados 33">
-            <a:extLst>
-              <a:ext uri="{FF2B5EF4-FFF2-40B4-BE49-F238E27FC236}">
-                <a16:creationId xmlns:a16="http://schemas.microsoft.com/office/drawing/2014/main" id="{4546DFC5-0D01-4906-A9DC-9B3B17B57EF4}"/>
-              </a:ext>
-            </a:extLst>
-          </p:cNvPr>
-          <p:cNvSpPr/>
-          <p:nvPr/>
-        </p:nvSpPr>
-        <p:spPr>
-          <a:xfrm>
-            <a:off x="7721044" y="2015476"/>
-            <a:ext cx="3713847" cy="574154"/>
-          </a:xfrm>
-          <a:prstGeom prst="roundRect">
-            <a:avLst/>
-          </a:prstGeom>
-          <a:solidFill>
-            <a:schemeClr val="tx1">
-              <a:lumMod val="65000"/>
-              <a:lumOff val="35000"/>
-            </a:schemeClr>
-          </a:solidFill>
-          <a:ln w="76200">
-            <a:solidFill>
-              <a:schemeClr val="bg1"/>
-            </a:solidFill>
-          </a:ln>
-        </p:spPr>
-        <p:style>
-          <a:lnRef idx="2">
-            <a:schemeClr val="accent1">
-              <a:shade val="50000"/>
-            </a:schemeClr>
-          </a:lnRef>
-          <a:fillRef idx="1">
-            <a:schemeClr val="accent1"/>
-          </a:fillRef>
-          <a:effectRef idx="0">
-            <a:schemeClr val="accent1"/>
-          </a:effectRef>
-          <a:fontRef idx="minor">
-            <a:schemeClr val="lt1"/>
-          </a:fontRef>
-        </p:style>
-        <p:txBody>
-          <a:bodyPr rtlCol="0" anchor="ctr"/>
-          <a:lstStyle/>
-          <a:p>
-            <a:pPr marL="0" marR="0" lvl="0" indent="0" algn="ctr" defTabSz="914400" rtl="0" eaLnBrk="1" fontAlgn="auto" latinLnBrk="0" hangingPunct="1">
-              <a:lnSpc>
-                <a:spcPct val="100000"/>
-              </a:lnSpc>
-              <a:spcBef>
-                <a:spcPts val="0"/>
-              </a:spcBef>
-              <a:spcAft>
-                <a:spcPts val="0"/>
-              </a:spcAft>
-              <a:buClrTx/>
-              <a:buSzTx/>
-              <a:buFontTx/>
-              <a:buNone/>
-              <a:tabLst/>
-              <a:defRPr/>
-            </a:pPr>
-            <a:r>
-              <a:rPr kumimoji="0" lang="pt-BR" sz="3600" b="1" i="0" u="none" strike="noStrike" kern="1200" cap="none" spc="0" normalizeH="0" baseline="0" noProof="0" dirty="0">
-                <a:ln>
-                  <a:noFill/>
-                </a:ln>
-                <a:solidFill>
-                  <a:srgbClr val="FFC000">
-                    <a:lumMod val="40000"/>
-                    <a:lumOff val="60000"/>
-                  </a:srgbClr>
-                </a:solidFill>
-                <a:effectLst/>
-                <a:uLnTx/>
-                <a:uFillTx/>
-                <a:latin typeface="Times New Roman" panose="02020603050405020304" pitchFamily="18" charset="0"/>
-                <a:ea typeface="+mn-ea"/>
-                <a:cs typeface="Times New Roman" panose="02020603050405020304" pitchFamily="18" charset="0"/>
-              </a:rPr>
-              <a:t>Glicose-1-fosfato</a:t>
-            </a:r>
-          </a:p>
-        </p:txBody>
-      </p:sp>
-      <p:cxnSp>
-        <p:nvCxnSpPr>
-          <p:cNvPr id="35" name="Conector reto 34">
-            <a:extLst>
-              <a:ext uri="{FF2B5EF4-FFF2-40B4-BE49-F238E27FC236}">
-                <a16:creationId xmlns:a16="http://schemas.microsoft.com/office/drawing/2014/main" id="{18C3AC7A-AA72-4408-888E-A1916280A8B9}"/>
-              </a:ext>
-            </a:extLst>
-          </p:cNvPr>
-          <p:cNvCxnSpPr>
-            <a:cxnSpLocks/>
-          </p:cNvCxnSpPr>
-          <p:nvPr/>
-        </p:nvCxnSpPr>
-        <p:spPr>
-          <a:xfrm flipV="1">
-            <a:off x="9360383" y="2933121"/>
-            <a:ext cx="0" cy="998545"/>
-          </a:xfrm>
-          <a:prstGeom prst="line">
-            <a:avLst/>
-          </a:prstGeom>
-          <a:ln w="38100">
-            <a:solidFill>
-              <a:schemeClr val="bg1"/>
-            </a:solidFill>
-            <a:headEnd type="none" w="med" len="med"/>
-            <a:tailEnd type="triangle" w="med" len="med"/>
-          </a:ln>
-        </p:spPr>
-        <p:style>
-          <a:lnRef idx="1">
-            <a:schemeClr val="accent1"/>
-          </a:lnRef>
-          <a:fillRef idx="0">
-            <a:schemeClr val="accent1"/>
-          </a:fillRef>
-          <a:effectRef idx="0">
-            <a:schemeClr val="accent1"/>
-          </a:effectRef>
-          <a:fontRef idx="minor">
-            <a:schemeClr val="tx1"/>
-          </a:fontRef>
-        </p:style>
-      </p:cxnSp>
-      <p:sp>
-        <p:nvSpPr>
-          <p:cNvPr id="45" name="Retângulo: Cantos Arredondados 44">
-            <a:extLst>
-              <a:ext uri="{FF2B5EF4-FFF2-40B4-BE49-F238E27FC236}">
-                <a16:creationId xmlns:a16="http://schemas.microsoft.com/office/drawing/2014/main" id="{7A3DB884-0429-470D-BBB6-36E13BF65408}"/>
-              </a:ext>
-            </a:extLst>
-          </p:cNvPr>
-          <p:cNvSpPr/>
-          <p:nvPr/>
-        </p:nvSpPr>
-        <p:spPr>
-          <a:xfrm>
-            <a:off x="8221009" y="197460"/>
-            <a:ext cx="2713918" cy="706349"/>
-          </a:xfrm>
-          <a:prstGeom prst="roundRect">
-            <a:avLst/>
-          </a:prstGeom>
-          <a:solidFill>
-            <a:schemeClr val="tx1">
-              <a:lumMod val="65000"/>
-              <a:lumOff val="35000"/>
-            </a:schemeClr>
-          </a:solidFill>
-          <a:ln w="76200">
-            <a:solidFill>
-              <a:schemeClr val="bg1"/>
-            </a:solidFill>
-          </a:ln>
-        </p:spPr>
-        <p:style>
-          <a:lnRef idx="2">
-            <a:schemeClr val="accent1">
-              <a:shade val="50000"/>
-            </a:schemeClr>
-          </a:lnRef>
-          <a:fillRef idx="1">
-            <a:schemeClr val="accent1"/>
-          </a:fillRef>
-          <a:effectRef idx="0">
-            <a:schemeClr val="accent1"/>
-          </a:effectRef>
-          <a:fontRef idx="minor">
-            <a:schemeClr val="lt1"/>
-          </a:fontRef>
-        </p:style>
-        <p:txBody>
-          <a:bodyPr rtlCol="0" anchor="ctr"/>
-          <a:lstStyle/>
-          <a:p>
-            <a:pPr marL="0" marR="0" lvl="0" indent="0" algn="ctr" defTabSz="914400" rtl="0" eaLnBrk="1" fontAlgn="auto" latinLnBrk="0" hangingPunct="1">
-              <a:lnSpc>
-                <a:spcPct val="100000"/>
-              </a:lnSpc>
-              <a:spcBef>
-                <a:spcPts val="0"/>
-              </a:spcBef>
-              <a:spcAft>
-                <a:spcPts val="0"/>
-              </a:spcAft>
-              <a:buClrTx/>
-              <a:buSzTx/>
-              <a:buFontTx/>
-              <a:buNone/>
-              <a:tabLst/>
-              <a:defRPr/>
-            </a:pPr>
-            <a:r>
-              <a:rPr kumimoji="0" lang="pt-BR" sz="3600" b="1" i="0" u="none" strike="noStrike" kern="1200" cap="none" spc="0" normalizeH="0" baseline="0" noProof="0" dirty="0">
-                <a:ln>
-                  <a:noFill/>
-                </a:ln>
-                <a:solidFill>
-                  <a:srgbClr val="FFC000">
-                    <a:lumMod val="40000"/>
-                    <a:lumOff val="60000"/>
-                  </a:srgbClr>
-                </a:solidFill>
-                <a:effectLst/>
-                <a:uLnTx/>
-                <a:uFillTx/>
-                <a:latin typeface="Times New Roman" panose="02020603050405020304" pitchFamily="18" charset="0"/>
-                <a:ea typeface="+mn-ea"/>
-                <a:cs typeface="Times New Roman" panose="02020603050405020304" pitchFamily="18" charset="0"/>
-              </a:rPr>
-              <a:t>Glicogênio</a:t>
-            </a:r>
-          </a:p>
-        </p:txBody>
-      </p:sp>
-      <p:cxnSp>
-        <p:nvCxnSpPr>
-          <p:cNvPr id="47" name="Conector reto 46">
-            <a:extLst>
-              <a:ext uri="{FF2B5EF4-FFF2-40B4-BE49-F238E27FC236}">
-                <a16:creationId xmlns:a16="http://schemas.microsoft.com/office/drawing/2014/main" id="{053ADD53-501A-4E67-B207-7CF2C3DF341A}"/>
-              </a:ext>
-            </a:extLst>
-          </p:cNvPr>
-          <p:cNvCxnSpPr>
-            <a:cxnSpLocks/>
-          </p:cNvCxnSpPr>
-          <p:nvPr/>
-        </p:nvCxnSpPr>
-        <p:spPr>
-          <a:xfrm>
-            <a:off x="9766783" y="2933120"/>
-            <a:ext cx="0" cy="998545"/>
-          </a:xfrm>
-          <a:prstGeom prst="line">
-            <a:avLst/>
-          </a:prstGeom>
-          <a:ln w="38100">
-            <a:solidFill>
-              <a:schemeClr val="bg1"/>
-            </a:solidFill>
-            <a:headEnd type="none" w="med" len="med"/>
-            <a:tailEnd type="triangle" w="med" len="med"/>
-          </a:ln>
-        </p:spPr>
-        <p:style>
-          <a:lnRef idx="1">
-            <a:schemeClr val="accent1"/>
-          </a:lnRef>
-          <a:fillRef idx="0">
-            <a:schemeClr val="accent1"/>
-          </a:fillRef>
-          <a:effectRef idx="0">
-            <a:schemeClr val="accent1"/>
-          </a:effectRef>
-          <a:fontRef idx="minor">
-            <a:schemeClr val="tx1"/>
-          </a:fontRef>
-        </p:style>
-      </p:cxnSp>
-      <p:cxnSp>
-        <p:nvCxnSpPr>
-          <p:cNvPr id="12" name="Conector reto 11">
-            <a:extLst>
-              <a:ext uri="{FF2B5EF4-FFF2-40B4-BE49-F238E27FC236}">
-                <a16:creationId xmlns:a16="http://schemas.microsoft.com/office/drawing/2014/main" id="{CE57062F-926A-489F-8194-2652DEB83FE1}"/>
-              </a:ext>
-            </a:extLst>
-          </p:cNvPr>
-          <p:cNvCxnSpPr>
-            <a:cxnSpLocks/>
-          </p:cNvCxnSpPr>
-          <p:nvPr/>
-        </p:nvCxnSpPr>
-        <p:spPr>
-          <a:xfrm>
-            <a:off x="9577968" y="1036696"/>
-            <a:ext cx="0" cy="808198"/>
-          </a:xfrm>
-          <a:prstGeom prst="line">
-            <a:avLst/>
-          </a:prstGeom>
-          <a:ln w="38100">
-            <a:solidFill>
-              <a:schemeClr val="accent2"/>
-            </a:solidFill>
-            <a:headEnd type="none" w="med" len="med"/>
-            <a:tailEnd type="triangle" w="med" len="med"/>
-          </a:ln>
-        </p:spPr>
-        <p:style>
-          <a:lnRef idx="1">
-            <a:schemeClr val="accent1"/>
-          </a:lnRef>
-          <a:fillRef idx="0">
-            <a:schemeClr val="accent1"/>
-          </a:fillRef>
-          <a:effectRef idx="0">
-            <a:schemeClr val="accent1"/>
-          </a:effectRef>
-          <a:fontRef idx="minor">
-            <a:schemeClr val="tx1"/>
-          </a:fontRef>
-        </p:style>
-      </p:cxnSp>
-      <p:cxnSp>
-        <p:nvCxnSpPr>
-          <p:cNvPr id="32" name="Conector reto 31">
-            <a:extLst>
-              <a:ext uri="{FF2B5EF4-FFF2-40B4-BE49-F238E27FC236}">
-                <a16:creationId xmlns:a16="http://schemas.microsoft.com/office/drawing/2014/main" id="{72CF0C4D-E89A-40DF-9BB2-4DDD367A335C}"/>
-              </a:ext>
-            </a:extLst>
-          </p:cNvPr>
-          <p:cNvCxnSpPr>
-            <a:cxnSpLocks/>
-          </p:cNvCxnSpPr>
-          <p:nvPr/>
-        </p:nvCxnSpPr>
-        <p:spPr>
-          <a:xfrm>
-            <a:off x="9577967" y="4892894"/>
-            <a:ext cx="0" cy="876300"/>
-          </a:xfrm>
-          <a:prstGeom prst="line">
-            <a:avLst/>
-          </a:prstGeom>
-          <a:ln w="38100">
-            <a:solidFill>
-              <a:schemeClr val="accent2"/>
-            </a:solidFill>
-            <a:headEnd type="none" w="med" len="med"/>
-            <a:tailEnd type="triangle" w="med" len="med"/>
-          </a:ln>
-        </p:spPr>
-        <p:style>
-          <a:lnRef idx="1">
-            <a:schemeClr val="accent1"/>
-          </a:lnRef>
-          <a:fillRef idx="0">
-            <a:schemeClr val="accent1"/>
-          </a:fillRef>
-          <a:effectRef idx="0">
-            <a:schemeClr val="accent1"/>
-          </a:effectRef>
-          <a:fontRef idx="minor">
-            <a:schemeClr val="tx1"/>
-          </a:fontRef>
-        </p:style>
-      </p:cxnSp>
-      <p:sp>
-        <p:nvSpPr>
-          <p:cNvPr id="39" name="Elipse 38">
-            <a:extLst>
-              <a:ext uri="{FF2B5EF4-FFF2-40B4-BE49-F238E27FC236}">
-                <a16:creationId xmlns:a16="http://schemas.microsoft.com/office/drawing/2014/main" id="{9A926536-F56A-4516-848F-CD4A85BCD9DB}"/>
-              </a:ext>
-            </a:extLst>
-          </p:cNvPr>
-          <p:cNvSpPr/>
-          <p:nvPr/>
-        </p:nvSpPr>
-        <p:spPr>
-          <a:xfrm>
-            <a:off x="10182707" y="1036696"/>
-            <a:ext cx="371067" cy="380007"/>
-          </a:xfrm>
-          <a:prstGeom prst="ellipse">
-            <a:avLst/>
-          </a:prstGeom>
-          <a:solidFill>
-            <a:schemeClr val="accent4">
-              <a:lumMod val="40000"/>
-              <a:lumOff val="60000"/>
-            </a:schemeClr>
-          </a:solidFill>
-          <a:ln>
-            <a:solidFill>
-              <a:schemeClr val="bg1"/>
-            </a:solidFill>
-          </a:ln>
-        </p:spPr>
-        <p:style>
-          <a:lnRef idx="2">
-            <a:schemeClr val="accent1">
-              <a:shade val="50000"/>
-            </a:schemeClr>
-          </a:lnRef>
-          <a:fillRef idx="1">
-            <a:schemeClr val="accent1"/>
-          </a:fillRef>
-          <a:effectRef idx="0">
-            <a:schemeClr val="accent1"/>
-          </a:effectRef>
-          <a:fontRef idx="minor">
-            <a:schemeClr val="lt1"/>
-          </a:fontRef>
-        </p:style>
-        <p:txBody>
-          <a:bodyPr rtlCol="0" anchor="ctr"/>
-          <a:lstStyle/>
-          <a:p>
-            <a:pPr marL="0" marR="0" lvl="0" indent="0" algn="ctr" defTabSz="914400" rtl="0" eaLnBrk="1" fontAlgn="auto" latinLnBrk="0" hangingPunct="1">
-              <a:lnSpc>
-                <a:spcPct val="100000"/>
-              </a:lnSpc>
-              <a:spcBef>
-                <a:spcPts val="0"/>
-              </a:spcBef>
-              <a:spcAft>
-                <a:spcPts val="0"/>
-              </a:spcAft>
-              <a:buClrTx/>
-              <a:buSzTx/>
-              <a:buFontTx/>
-              <a:buNone/>
-              <a:tabLst/>
-              <a:defRPr/>
-            </a:pPr>
-            <a:r>
-              <a:rPr kumimoji="0" lang="pt-BR" b="0" i="0" u="none" strike="noStrike" kern="1200" cap="none" spc="0" normalizeH="0" baseline="0" noProof="0" dirty="0">
-                <a:ln>
-                  <a:noFill/>
-                </a:ln>
-                <a:solidFill>
-                  <a:prstClr val="black"/>
-                </a:solidFill>
-                <a:effectLst/>
-                <a:uLnTx/>
-                <a:uFillTx/>
-                <a:latin typeface="Times New Roman" panose="02020603050405020304" pitchFamily="18" charset="0"/>
-                <a:ea typeface="+mn-ea"/>
-                <a:cs typeface="Times New Roman" panose="02020603050405020304" pitchFamily="18" charset="0"/>
-              </a:rPr>
-              <a:t>P</a:t>
-            </a:r>
-            <a:endParaRPr kumimoji="0" lang="pt-BR" b="0" i="0" u="none" strike="noStrike" kern="1200" cap="none" spc="0" normalizeH="0" baseline="30000" noProof="0" dirty="0">
-              <a:ln>
-                <a:noFill/>
-              </a:ln>
-              <a:solidFill>
-                <a:prstClr val="black"/>
-              </a:solidFill>
-              <a:effectLst/>
-              <a:uLnTx/>
-              <a:uFillTx/>
-              <a:latin typeface="Times New Roman" panose="02020603050405020304" pitchFamily="18" charset="0"/>
-              <a:ea typeface="+mn-ea"/>
-              <a:cs typeface="Times New Roman" panose="02020603050405020304" pitchFamily="18" charset="0"/>
-            </a:endParaRPr>
-          </a:p>
-        </p:txBody>
-      </p:sp>
-      <p:sp>
-        <p:nvSpPr>
-          <p:cNvPr id="40" name="Arco 39">
-            <a:extLst>
-              <a:ext uri="{FF2B5EF4-FFF2-40B4-BE49-F238E27FC236}">
-                <a16:creationId xmlns:a16="http://schemas.microsoft.com/office/drawing/2014/main" id="{93774DB1-9175-4D02-A63B-9569C9403253}"/>
-              </a:ext>
-            </a:extLst>
-          </p:cNvPr>
-          <p:cNvSpPr/>
-          <p:nvPr/>
-        </p:nvSpPr>
-        <p:spPr>
-          <a:xfrm rot="10800000">
-            <a:off x="9577965" y="1244709"/>
-            <a:ext cx="1209483" cy="515483"/>
-          </a:xfrm>
-          <a:prstGeom prst="arc">
-            <a:avLst>
-              <a:gd name="adj1" fmla="val 15760211"/>
-              <a:gd name="adj2" fmla="val 4706251"/>
-            </a:avLst>
-          </a:prstGeom>
-          <a:ln w="38100">
-            <a:solidFill>
-              <a:schemeClr val="bg1"/>
-            </a:solidFill>
-            <a:headEnd type="triangle" w="med" len="med"/>
-            <a:tailEnd type="none" w="med" len="med"/>
-          </a:ln>
-        </p:spPr>
-        <p:style>
-          <a:lnRef idx="1">
-            <a:schemeClr val="accent1"/>
-          </a:lnRef>
-          <a:fillRef idx="0">
-            <a:schemeClr val="accent1"/>
-          </a:fillRef>
-          <a:effectRef idx="0">
-            <a:schemeClr val="accent1"/>
-          </a:effectRef>
-          <a:fontRef idx="minor">
-            <a:schemeClr val="tx1"/>
-          </a:fontRef>
-        </p:style>
-        <p:txBody>
-          <a:bodyPr rtlCol="0" anchor="ctr"/>
-          <a:lstStyle/>
-          <a:p>
-            <a:pPr marL="0" marR="0" lvl="0" indent="0" algn="ctr" defTabSz="914400" rtl="0" eaLnBrk="1" fontAlgn="auto" latinLnBrk="0" hangingPunct="1">
-              <a:lnSpc>
-                <a:spcPct val="100000"/>
-              </a:lnSpc>
-              <a:spcBef>
-                <a:spcPts val="0"/>
-              </a:spcBef>
-              <a:spcAft>
-                <a:spcPts val="0"/>
-              </a:spcAft>
-              <a:buClrTx/>
-              <a:buSzTx/>
-              <a:buFontTx/>
-              <a:buNone/>
-              <a:tabLst/>
-              <a:defRPr/>
-            </a:pPr>
-            <a:endParaRPr kumimoji="0" lang="pt-BR" sz="1800" b="0" i="0" u="none" strike="noStrike" kern="1200" cap="none" spc="0" normalizeH="0" baseline="0" noProof="0">
-              <a:ln>
-                <a:noFill/>
-              </a:ln>
-              <a:solidFill>
-                <a:prstClr val="black"/>
-              </a:solidFill>
-              <a:effectLst/>
-              <a:uLnTx/>
-              <a:uFillTx/>
-              <a:latin typeface="Calibri" panose="020F0502020204030204"/>
-              <a:ea typeface="+mn-ea"/>
-              <a:cs typeface="+mn-cs"/>
-            </a:endParaRPr>
-          </a:p>
-        </p:txBody>
-      </p:sp>
-      <p:sp>
-        <p:nvSpPr>
-          <p:cNvPr id="41" name="CaixaDeTexto 40">
-            <a:extLst>
-              <a:ext uri="{FF2B5EF4-FFF2-40B4-BE49-F238E27FC236}">
-                <a16:creationId xmlns:a16="http://schemas.microsoft.com/office/drawing/2014/main" id="{F0000AB0-83BB-4436-B083-163A546ACF70}"/>
-              </a:ext>
-            </a:extLst>
-          </p:cNvPr>
-          <p:cNvSpPr txBox="1"/>
-          <p:nvPr/>
-        </p:nvSpPr>
-        <p:spPr>
-          <a:xfrm>
-            <a:off x="10077713" y="1537937"/>
-            <a:ext cx="1695670" cy="400110"/>
-          </a:xfrm>
-          <a:prstGeom prst="rect">
-            <a:avLst/>
-          </a:prstGeom>
-          <a:noFill/>
-        </p:spPr>
-        <p:txBody>
-          <a:bodyPr wrap="square" rtlCol="0">
-            <a:spAutoFit/>
-          </a:bodyPr>
-          <a:lstStyle/>
-          <a:p>
-            <a:pPr marL="0" marR="0" lvl="0" indent="0" algn="ctr" defTabSz="914400" rtl="0" eaLnBrk="1" fontAlgn="auto" latinLnBrk="0" hangingPunct="1">
-              <a:lnSpc>
-                <a:spcPct val="100000"/>
-              </a:lnSpc>
-              <a:spcBef>
-                <a:spcPts val="0"/>
-              </a:spcBef>
-              <a:spcAft>
-                <a:spcPts val="0"/>
-              </a:spcAft>
-              <a:buClrTx/>
-              <a:buSzTx/>
-              <a:buFontTx/>
-              <a:buNone/>
-              <a:tabLst/>
-              <a:defRPr/>
-            </a:pPr>
-            <a:r>
-              <a:rPr lang="pt-BR" sz="2000" b="1" dirty="0">
-                <a:solidFill>
-                  <a:prstClr val="white"/>
-                </a:solidFill>
-                <a:latin typeface="Bell MT" panose="02020503060305020303" pitchFamily="18" charset="0"/>
-              </a:rPr>
-              <a:t>Glicogênio</a:t>
-            </a:r>
-            <a:endParaRPr kumimoji="0" lang="pt-BR" sz="2000" b="1" i="0" u="none" strike="noStrike" kern="1200" cap="none" spc="0" normalizeH="0" baseline="-25000" noProof="0" dirty="0">
-              <a:ln>
-                <a:noFill/>
-              </a:ln>
-              <a:solidFill>
-                <a:prstClr val="white"/>
-              </a:solidFill>
-              <a:effectLst/>
-              <a:uLnTx/>
-              <a:uFillTx/>
-              <a:latin typeface="Bell MT" panose="02020503060305020303" pitchFamily="18" charset="0"/>
-              <a:ea typeface="+mn-ea"/>
-              <a:cs typeface="+mn-cs"/>
-            </a:endParaRPr>
-          </a:p>
-        </p:txBody>
-      </p:sp>
-      <p:sp>
-        <p:nvSpPr>
-          <p:cNvPr id="44" name="CustomShape 3">
-            <a:extLst>
-              <a:ext uri="{FF2B5EF4-FFF2-40B4-BE49-F238E27FC236}">
-                <a16:creationId xmlns:a16="http://schemas.microsoft.com/office/drawing/2014/main" id="{D88EA69F-50D0-40CA-AEDB-E2556BF9062F}"/>
-              </a:ext>
-            </a:extLst>
-          </p:cNvPr>
-          <p:cNvSpPr/>
-          <p:nvPr/>
-        </p:nvSpPr>
-        <p:spPr>
-          <a:xfrm>
-            <a:off x="5967754" y="1210750"/>
-            <a:ext cx="3502833" cy="460211"/>
-          </a:xfrm>
-          <a:prstGeom prst="rect">
-            <a:avLst/>
-          </a:prstGeom>
-          <a:noFill/>
-          <a:ln>
-            <a:noFill/>
-          </a:ln>
-        </p:spPr>
-        <p:style>
-          <a:lnRef idx="0">
-            <a:scrgbClr r="0" g="0" b="0"/>
-          </a:lnRef>
-          <a:fillRef idx="0">
-            <a:scrgbClr r="0" g="0" b="0"/>
-          </a:fillRef>
-          <a:effectRef idx="0">
-            <a:scrgbClr r="0" g="0" b="0"/>
-          </a:effectRef>
-          <a:fontRef idx="minor"/>
-        </p:style>
-        <p:txBody>
-          <a:bodyPr wrap="square" lIns="90000" tIns="45000" rIns="90000" bIns="45000">
-            <a:spAutoFit/>
-          </a:bodyPr>
-          <a:lstStyle/>
-          <a:p>
-            <a:pPr lvl="0" algn="r">
-              <a:defRPr/>
-            </a:pPr>
-            <a:r>
-              <a:rPr lang="pt-BR" sz="2400" b="1" spc="-1" dirty="0">
-                <a:solidFill>
-                  <a:schemeClr val="bg1"/>
-                </a:solidFill>
-                <a:latin typeface="Bell MT"/>
-              </a:rPr>
-              <a:t>Glicogênio </a:t>
-            </a:r>
-            <a:r>
-              <a:rPr lang="pt-BR" sz="2400" b="1" spc="-1" dirty="0" err="1">
-                <a:solidFill>
-                  <a:schemeClr val="bg1"/>
-                </a:solidFill>
-                <a:latin typeface="Bell MT"/>
-              </a:rPr>
-              <a:t>fosforilase</a:t>
-            </a:r>
-            <a:endParaRPr kumimoji="0" lang="pt-BR" sz="2400" b="1" i="0" strike="noStrike" kern="1200" cap="none" spc="-1" normalizeH="0" baseline="0" noProof="0" dirty="0">
-              <a:ln>
-                <a:noFill/>
-              </a:ln>
-              <a:solidFill>
-                <a:schemeClr val="bg1"/>
-              </a:solidFill>
-              <a:effectLst/>
-              <a:uLnTx/>
-              <a:uFillTx/>
-              <a:latin typeface="Bell MT"/>
-              <a:ea typeface="+mn-ea"/>
-              <a:cs typeface="+mn-cs"/>
-            </a:endParaRPr>
-          </a:p>
-        </p:txBody>
-      </p:sp>
-      <p:sp>
-        <p:nvSpPr>
-          <p:cNvPr id="48" name="CustomShape 3">
-            <a:extLst>
-              <a:ext uri="{FF2B5EF4-FFF2-40B4-BE49-F238E27FC236}">
-                <a16:creationId xmlns:a16="http://schemas.microsoft.com/office/drawing/2014/main" id="{37D8801B-2532-48F2-AAE3-3E8092B9085A}"/>
-              </a:ext>
-            </a:extLst>
-          </p:cNvPr>
-          <p:cNvSpPr/>
-          <p:nvPr/>
-        </p:nvSpPr>
-        <p:spPr>
-          <a:xfrm>
-            <a:off x="6385930" y="3198894"/>
-            <a:ext cx="2974453" cy="460211"/>
-          </a:xfrm>
-          <a:prstGeom prst="rect">
-            <a:avLst/>
-          </a:prstGeom>
-          <a:noFill/>
-          <a:ln>
-            <a:noFill/>
-          </a:ln>
-        </p:spPr>
-        <p:style>
-          <a:lnRef idx="0">
-            <a:scrgbClr r="0" g="0" b="0"/>
-          </a:lnRef>
-          <a:fillRef idx="0">
-            <a:scrgbClr r="0" g="0" b="0"/>
-          </a:fillRef>
-          <a:effectRef idx="0">
-            <a:scrgbClr r="0" g="0" b="0"/>
-          </a:effectRef>
-          <a:fontRef idx="minor"/>
-        </p:style>
-        <p:txBody>
-          <a:bodyPr wrap="square" lIns="90000" tIns="45000" rIns="90000" bIns="45000">
-            <a:spAutoFit/>
-          </a:bodyPr>
-          <a:lstStyle/>
-          <a:p>
-            <a:pPr lvl="0" algn="r">
-              <a:defRPr/>
-            </a:pPr>
-            <a:r>
-              <a:rPr lang="pt-BR" sz="2400" b="1" spc="-1" dirty="0" err="1">
-                <a:solidFill>
-                  <a:schemeClr val="bg1"/>
-                </a:solidFill>
-                <a:latin typeface="Bell MT"/>
-              </a:rPr>
-              <a:t>Fosfoglicomutase</a:t>
-            </a:r>
-            <a:endParaRPr kumimoji="0" lang="pt-BR" sz="2400" b="1" i="0" strike="noStrike" kern="1200" cap="none" spc="-1" normalizeH="0" baseline="0" noProof="0" dirty="0">
-              <a:ln>
-                <a:noFill/>
-              </a:ln>
-              <a:solidFill>
-                <a:schemeClr val="bg1"/>
-              </a:solidFill>
-              <a:effectLst/>
-              <a:uLnTx/>
-              <a:uFillTx/>
-              <a:latin typeface="Bell MT"/>
-              <a:ea typeface="+mn-ea"/>
-              <a:cs typeface="+mn-cs"/>
-            </a:endParaRPr>
-          </a:p>
-        </p:txBody>
-      </p:sp>
-      <p:sp>
-        <p:nvSpPr>
-          <p:cNvPr id="49" name="CustomShape 3">
-            <a:extLst>
-              <a:ext uri="{FF2B5EF4-FFF2-40B4-BE49-F238E27FC236}">
-                <a16:creationId xmlns:a16="http://schemas.microsoft.com/office/drawing/2014/main" id="{84D98671-F96D-40B3-A020-AA36CFC0A804}"/>
-              </a:ext>
-            </a:extLst>
-          </p:cNvPr>
-          <p:cNvSpPr/>
-          <p:nvPr/>
-        </p:nvSpPr>
-        <p:spPr>
-          <a:xfrm>
-            <a:off x="6227180" y="5063388"/>
-            <a:ext cx="2974453" cy="460211"/>
-          </a:xfrm>
-          <a:prstGeom prst="rect">
-            <a:avLst/>
-          </a:prstGeom>
-          <a:noFill/>
-          <a:ln>
-            <a:noFill/>
-          </a:ln>
-        </p:spPr>
-        <p:style>
-          <a:lnRef idx="0">
-            <a:scrgbClr r="0" g="0" b="0"/>
-          </a:lnRef>
-          <a:fillRef idx="0">
-            <a:scrgbClr r="0" g="0" b="0"/>
-          </a:fillRef>
-          <a:effectRef idx="0">
-            <a:scrgbClr r="0" g="0" b="0"/>
-          </a:effectRef>
-          <a:fontRef idx="minor"/>
-        </p:style>
-        <p:txBody>
-          <a:bodyPr wrap="square" lIns="90000" tIns="45000" rIns="90000" bIns="45000">
-            <a:spAutoFit/>
-          </a:bodyPr>
-          <a:lstStyle/>
-          <a:p>
-            <a:pPr lvl="0" algn="r">
-              <a:defRPr/>
-            </a:pPr>
-            <a:r>
-              <a:rPr lang="pt-BR" sz="2400" b="1" spc="-1" dirty="0">
-                <a:solidFill>
-                  <a:schemeClr val="bg1"/>
-                </a:solidFill>
-                <a:latin typeface="Bell MT"/>
-              </a:rPr>
-              <a:t>Glicose-6-fosfatase</a:t>
-            </a:r>
-            <a:endParaRPr kumimoji="0" lang="pt-BR" sz="2400" b="1" i="0" strike="noStrike" kern="1200" cap="none" spc="-1" normalizeH="0" baseline="0" noProof="0" dirty="0">
-              <a:ln>
-                <a:noFill/>
-              </a:ln>
-              <a:solidFill>
-                <a:schemeClr val="bg1"/>
-              </a:solidFill>
-              <a:effectLst/>
-              <a:uLnTx/>
-              <a:uFillTx/>
-              <a:latin typeface="Bell MT"/>
-              <a:ea typeface="+mn-ea"/>
-              <a:cs typeface="+mn-cs"/>
-            </a:endParaRPr>
-          </a:p>
-        </p:txBody>
-      </p:sp>
-      <p:sp>
-        <p:nvSpPr>
-          <p:cNvPr id="2" name="Fluxograma: Somador 1">
-            <a:extLst>
-              <a:ext uri="{FF2B5EF4-FFF2-40B4-BE49-F238E27FC236}">
-                <a16:creationId xmlns:a16="http://schemas.microsoft.com/office/drawing/2014/main" id="{53B1C767-DAEA-4261-A78D-126EAC95C2FF}"/>
-              </a:ext>
-            </a:extLst>
-          </p:cNvPr>
-          <p:cNvSpPr/>
-          <p:nvPr/>
-        </p:nvSpPr>
-        <p:spPr>
-          <a:xfrm>
-            <a:off x="9327078" y="5066549"/>
-            <a:ext cx="501774" cy="460211"/>
-          </a:xfrm>
-          <a:prstGeom prst="flowChartSummingJunction">
-            <a:avLst/>
-          </a:prstGeom>
-          <a:ln w="57150">
-            <a:solidFill>
-              <a:srgbClr val="FF0000"/>
-            </a:solidFill>
-          </a:ln>
-        </p:spPr>
-        <p:style>
-          <a:lnRef idx="2">
-            <a:schemeClr val="accent1">
-              <a:shade val="50000"/>
-            </a:schemeClr>
-          </a:lnRef>
-          <a:fillRef idx="1">
-            <a:schemeClr val="accent1"/>
-          </a:fillRef>
-          <a:effectRef idx="0">
-            <a:schemeClr val="accent1"/>
-          </a:effectRef>
-          <a:fontRef idx="minor">
-            <a:schemeClr val="lt1"/>
-          </a:fontRef>
-        </p:style>
-        <p:txBody>
-          <a:bodyPr rtlCol="0" anchor="ctr"/>
-          <a:lstStyle/>
-          <a:p>
-            <a:pPr algn="ctr"/>
-            <a:endParaRPr lang="pt-BR"/>
-          </a:p>
-        </p:txBody>
-      </p:sp>
-      <p:sp>
-        <p:nvSpPr>
-          <p:cNvPr id="3" name="Retângulo 2">
-            <a:extLst>
-              <a:ext uri="{FF2B5EF4-FFF2-40B4-BE49-F238E27FC236}">
-                <a16:creationId xmlns:a16="http://schemas.microsoft.com/office/drawing/2014/main" id="{DB7FFEEE-4D1C-4AF8-9312-80DD59E659FF}"/>
-              </a:ext>
-            </a:extLst>
-          </p:cNvPr>
-          <p:cNvSpPr/>
-          <p:nvPr/>
-        </p:nvSpPr>
-        <p:spPr>
-          <a:xfrm>
-            <a:off x="910522" y="1884679"/>
-            <a:ext cx="5057232" cy="863250"/>
-          </a:xfrm>
-          <a:prstGeom prst="rect">
-            <a:avLst/>
-          </a:prstGeom>
-        </p:spPr>
-        <p:txBody>
-          <a:bodyPr wrap="square">
-            <a:spAutoFit/>
-          </a:bodyPr>
-          <a:lstStyle/>
-          <a:p>
-            <a:pPr algn="ctr">
-              <a:lnSpc>
-                <a:spcPct val="107000"/>
-              </a:lnSpc>
-              <a:spcAft>
-                <a:spcPts val="800"/>
-              </a:spcAft>
-            </a:pPr>
-            <a:r>
-              <a:rPr lang="pt-BR" sz="2400" b="1" i="1" dirty="0">
-                <a:solidFill>
-                  <a:schemeClr val="accent4">
-                    <a:lumMod val="40000"/>
-                    <a:lumOff val="60000"/>
-                  </a:schemeClr>
-                </a:solidFill>
-                <a:latin typeface="Times New Roman" panose="02020603050405020304" pitchFamily="18" charset="0"/>
-                <a:ea typeface="Calibri" panose="020F0502020204030204" pitchFamily="34" charset="0"/>
-                <a:cs typeface="Times New Roman" panose="02020603050405020304" pitchFamily="18" charset="0"/>
-              </a:rPr>
-              <a:t>Qual a consequência da inatividade da glicose-6-fosfatase no fígado?</a:t>
-            </a:r>
-            <a:endParaRPr lang="pt-BR" dirty="0">
-              <a:solidFill>
-                <a:schemeClr val="accent4">
-                  <a:lumMod val="40000"/>
-                  <a:lumOff val="60000"/>
-                </a:schemeClr>
-              </a:solidFill>
-              <a:effectLst/>
-              <a:latin typeface="Calibri" panose="020F0502020204030204" pitchFamily="34" charset="0"/>
-              <a:ea typeface="Calibri" panose="020F0502020204030204" pitchFamily="34" charset="0"/>
-              <a:cs typeface="Times New Roman" panose="02020603050405020304" pitchFamily="18" charset="0"/>
-            </a:endParaRPr>
-          </a:p>
-        </p:txBody>
-      </p:sp>
-      <p:sp>
-        <p:nvSpPr>
-          <p:cNvPr id="5" name="Sinal de Multiplicação 4">
-            <a:extLst>
-              <a:ext uri="{FF2B5EF4-FFF2-40B4-BE49-F238E27FC236}">
-                <a16:creationId xmlns:a16="http://schemas.microsoft.com/office/drawing/2014/main" id="{6ACB1976-DA5D-4E8A-A8B2-5DB9D0EE4738}"/>
-              </a:ext>
-            </a:extLst>
-          </p:cNvPr>
-          <p:cNvSpPr/>
-          <p:nvPr/>
-        </p:nvSpPr>
-        <p:spPr>
-          <a:xfrm>
-            <a:off x="8673157" y="5942849"/>
-            <a:ext cx="1809616" cy="687859"/>
-          </a:xfrm>
-          <a:prstGeom prst="mathMultiply">
-            <a:avLst>
-              <a:gd name="adj1" fmla="val 9155"/>
-            </a:avLst>
-          </a:prstGeom>
-          <a:solidFill>
-            <a:srgbClr val="FF0000"/>
-          </a:solidFill>
-          <a:ln>
-            <a:solidFill>
-              <a:srgbClr val="FF0000"/>
-            </a:solidFill>
-          </a:ln>
-        </p:spPr>
-        <p:style>
-          <a:lnRef idx="2">
-            <a:schemeClr val="accent1">
-              <a:shade val="50000"/>
-            </a:schemeClr>
-          </a:lnRef>
-          <a:fillRef idx="1">
-            <a:schemeClr val="accent1"/>
-          </a:fillRef>
-          <a:effectRef idx="0">
-            <a:schemeClr val="accent1"/>
-          </a:effectRef>
-          <a:fontRef idx="minor">
-            <a:schemeClr val="lt1"/>
-          </a:fontRef>
-        </p:style>
-        <p:txBody>
-          <a:bodyPr rtlCol="0" anchor="ctr"/>
-          <a:lstStyle/>
-          <a:p>
-            <a:pPr algn="ctr"/>
-            <a:endParaRPr lang="pt-BR"/>
-          </a:p>
-        </p:txBody>
-      </p:sp>
-      <p:sp>
-        <p:nvSpPr>
-          <p:cNvPr id="19" name="Retângulo 18">
-            <a:extLst>
-              <a:ext uri="{FF2B5EF4-FFF2-40B4-BE49-F238E27FC236}">
-                <a16:creationId xmlns:a16="http://schemas.microsoft.com/office/drawing/2014/main" id="{E246C60C-0C55-4B40-987D-C4288C8EBD60}"/>
-              </a:ext>
-            </a:extLst>
-          </p:cNvPr>
-          <p:cNvSpPr/>
-          <p:nvPr/>
-        </p:nvSpPr>
-        <p:spPr>
-          <a:xfrm>
-            <a:off x="1323520" y="3489231"/>
-            <a:ext cx="3614295" cy="468077"/>
-          </a:xfrm>
-          <a:prstGeom prst="rect">
-            <a:avLst/>
-          </a:prstGeom>
-        </p:spPr>
-        <p:txBody>
-          <a:bodyPr wrap="square">
-            <a:spAutoFit/>
-          </a:bodyPr>
-          <a:lstStyle/>
-          <a:p>
-            <a:pPr algn="ctr">
-              <a:lnSpc>
-                <a:spcPct val="107000"/>
-              </a:lnSpc>
-              <a:spcAft>
-                <a:spcPts val="800"/>
-              </a:spcAft>
-            </a:pPr>
-            <a:r>
-              <a:rPr lang="pt-BR" sz="2400" b="1" i="1" dirty="0">
-                <a:solidFill>
-                  <a:schemeClr val="bg1"/>
-                </a:solidFill>
-                <a:latin typeface="Times New Roman" panose="02020603050405020304" pitchFamily="18" charset="0"/>
-                <a:ea typeface="Calibri" panose="020F0502020204030204" pitchFamily="34" charset="0"/>
-                <a:cs typeface="Times New Roman" panose="02020603050405020304" pitchFamily="18" charset="0"/>
-              </a:rPr>
-              <a:t>Hipoglicemia</a:t>
-            </a:r>
-            <a:endParaRPr lang="pt-BR" dirty="0">
-              <a:solidFill>
-                <a:schemeClr val="bg1"/>
-              </a:solidFill>
-              <a:effectLst/>
-              <a:latin typeface="Calibri" panose="020F0502020204030204" pitchFamily="34" charset="0"/>
-              <a:ea typeface="Calibri" panose="020F0502020204030204" pitchFamily="34" charset="0"/>
-              <a:cs typeface="Times New Roman" panose="02020603050405020304" pitchFamily="18" charset="0"/>
-            </a:endParaRPr>
-          </a:p>
-        </p:txBody>
-      </p:sp>
-      <p:sp>
-        <p:nvSpPr>
-          <p:cNvPr id="20" name="Retângulo 19">
-            <a:extLst>
-              <a:ext uri="{FF2B5EF4-FFF2-40B4-BE49-F238E27FC236}">
-                <a16:creationId xmlns:a16="http://schemas.microsoft.com/office/drawing/2014/main" id="{1900813A-91FF-4037-B226-DEDC666E8E3A}"/>
-              </a:ext>
-            </a:extLst>
-          </p:cNvPr>
-          <p:cNvSpPr/>
-          <p:nvPr/>
-        </p:nvSpPr>
-        <p:spPr>
-          <a:xfrm>
-            <a:off x="1304060" y="4595311"/>
-            <a:ext cx="3614295" cy="468077"/>
-          </a:xfrm>
-          <a:prstGeom prst="rect">
-            <a:avLst/>
-          </a:prstGeom>
-        </p:spPr>
-        <p:txBody>
-          <a:bodyPr wrap="square">
-            <a:spAutoFit/>
-          </a:bodyPr>
-          <a:lstStyle/>
-          <a:p>
-            <a:pPr algn="ctr">
-              <a:lnSpc>
-                <a:spcPct val="107000"/>
-              </a:lnSpc>
-              <a:spcAft>
-                <a:spcPts val="800"/>
-              </a:spcAft>
-            </a:pPr>
-            <a:r>
-              <a:rPr lang="pt-BR" sz="2400" b="1" i="1" dirty="0">
-                <a:solidFill>
-                  <a:schemeClr val="bg1"/>
-                </a:solidFill>
-                <a:latin typeface="Times New Roman" panose="02020603050405020304" pitchFamily="18" charset="0"/>
-                <a:ea typeface="Calibri" panose="020F0502020204030204" pitchFamily="34" charset="0"/>
-                <a:cs typeface="Times New Roman" panose="02020603050405020304" pitchFamily="18" charset="0"/>
-              </a:rPr>
-              <a:t>Acidose Láctica</a:t>
-            </a:r>
-            <a:endParaRPr lang="pt-BR" dirty="0">
-              <a:solidFill>
-                <a:schemeClr val="bg1"/>
-              </a:solidFill>
-              <a:effectLst/>
-              <a:latin typeface="Calibri" panose="020F0502020204030204" pitchFamily="34" charset="0"/>
-              <a:ea typeface="Calibri" panose="020F0502020204030204" pitchFamily="34" charset="0"/>
-              <a:cs typeface="Times New Roman" panose="02020603050405020304" pitchFamily="18" charset="0"/>
-            </a:endParaRPr>
-          </a:p>
-        </p:txBody>
-      </p:sp>
-    </p:spTree>
-    <p:extLst>
-      <p:ext uri="{BB962C8B-B14F-4D97-AF65-F5344CB8AC3E}">
-        <p14:creationId xmlns:p14="http://schemas.microsoft.com/office/powerpoint/2010/main" val="2083529058"/>
-      </p:ext>
-    </p:extLst>
-  </p:cSld>
-  <p:clrMapOvr>
-    <a:masterClrMapping/>
-  </p:clrMapOvr>
-  <p:transition spd="slow">
-    <p:push dir="u"/>
-  </p:transition>
-</p:sld>
-</file>
-
-<file path=ppt/slides/slide19.xml><?xml version="1.0" encoding="utf-8"?>
-<p:sld xmlns:a="http://schemas.openxmlformats.org/drawingml/2006/main" xmlns:r="http://schemas.openxmlformats.org/officeDocument/2006/relationships" xmlns:p="http://schemas.openxmlformats.org/presentationml/2006/main">
-  <p:cSld>
-    <p:spTree>
-      <p:nvGrpSpPr>
-        <p:cNvPr id="1" name=""/>
-        <p:cNvGrpSpPr/>
-        <p:nvPr/>
-      </p:nvGrpSpPr>
-      <p:grpSpPr>
-        <a:xfrm>
-          <a:off x="0" y="0"/>
-          <a:ext cx="0" cy="0"/>
-          <a:chOff x="0" y="0"/>
-          <a:chExt cx="0" cy="0"/>
-        </a:xfrm>
-      </p:grpSpPr>
-      <p:sp>
-        <p:nvSpPr>
-          <p:cNvPr id="2" name="Retângulo 1">
-            <a:extLst>
-              <a:ext uri="{FF2B5EF4-FFF2-40B4-BE49-F238E27FC236}">
-                <a16:creationId xmlns:a16="http://schemas.microsoft.com/office/drawing/2014/main" id="{C70A2D4E-AA3C-48A2-9248-0DF969278203}"/>
-              </a:ext>
-            </a:extLst>
-          </p:cNvPr>
-          <p:cNvSpPr/>
-          <p:nvPr/>
-        </p:nvSpPr>
-        <p:spPr>
-          <a:xfrm>
-            <a:off x="1093566" y="2611981"/>
-            <a:ext cx="10004867" cy="1722331"/>
-          </a:xfrm>
-          <a:prstGeom prst="rect">
-            <a:avLst/>
-          </a:prstGeom>
-        </p:spPr>
-        <p:txBody>
-          <a:bodyPr wrap="square">
-            <a:spAutoFit/>
-          </a:bodyPr>
-          <a:lstStyle/>
-          <a:p>
-            <a:pPr lvl="0" algn="ctr">
-              <a:lnSpc>
-                <a:spcPct val="107000"/>
-              </a:lnSpc>
-              <a:spcAft>
-                <a:spcPts val="800"/>
-              </a:spcAft>
-            </a:pPr>
-            <a:r>
-              <a:rPr lang="pt-BR" sz="4800" b="1" i="1" dirty="0">
-                <a:solidFill>
-                  <a:prstClr val="white"/>
-                </a:solidFill>
-                <a:latin typeface="Times New Roman" panose="02020603050405020304" pitchFamily="18" charset="0"/>
-                <a:ea typeface="Calibri" panose="020F0502020204030204" pitchFamily="34" charset="0"/>
-                <a:cs typeface="Times New Roman" panose="02020603050405020304" pitchFamily="18" charset="0"/>
-              </a:rPr>
-              <a:t>Prática #04</a:t>
-            </a:r>
-          </a:p>
-          <a:p>
-            <a:pPr lvl="0" algn="ctr">
-              <a:lnSpc>
-                <a:spcPct val="107000"/>
-              </a:lnSpc>
-              <a:spcAft>
-                <a:spcPts val="800"/>
-              </a:spcAft>
-            </a:pPr>
-            <a:r>
-              <a:rPr lang="pt-BR" sz="4800" b="1" i="1" dirty="0">
-                <a:solidFill>
-                  <a:prstClr val="white"/>
-                </a:solidFill>
-                <a:latin typeface="Times New Roman" panose="02020603050405020304" pitchFamily="18" charset="0"/>
-                <a:ea typeface="Calibri" panose="020F0502020204030204" pitchFamily="34" charset="0"/>
-                <a:cs typeface="Times New Roman" panose="02020603050405020304" pitchFamily="18" charset="0"/>
-              </a:rPr>
-              <a:t>Resolução de problema</a:t>
-            </a:r>
-          </a:p>
-        </p:txBody>
-      </p:sp>
-    </p:spTree>
-    <p:extLst>
-      <p:ext uri="{BB962C8B-B14F-4D97-AF65-F5344CB8AC3E}">
-        <p14:creationId xmlns:p14="http://schemas.microsoft.com/office/powerpoint/2010/main" val="1810178506"/>
-      </p:ext>
-    </p:extLst>
-  </p:cSld>
-  <p:clrMapOvr>
-    <a:masterClrMapping/>
-  </p:clrMapOvr>
 </p:sld>
 </file>
 
@@ -12702,6 +11422,1920 @@
       </p:grpSpPr>
       <p:sp>
         <p:nvSpPr>
+          <p:cNvPr id="2" name="Retângulo 1">
+            <a:extLst>
+              <a:ext uri="{FF2B5EF4-FFF2-40B4-BE49-F238E27FC236}">
+                <a16:creationId xmlns:a16="http://schemas.microsoft.com/office/drawing/2014/main" id="{C70A2D4E-AA3C-48A2-9248-0DF969278203}"/>
+              </a:ext>
+            </a:extLst>
+          </p:cNvPr>
+          <p:cNvSpPr/>
+          <p:nvPr/>
+        </p:nvSpPr>
+        <p:spPr>
+          <a:xfrm>
+            <a:off x="1093566" y="2611981"/>
+            <a:ext cx="10004867" cy="1722331"/>
+          </a:xfrm>
+          <a:prstGeom prst="rect">
+            <a:avLst/>
+          </a:prstGeom>
+        </p:spPr>
+        <p:txBody>
+          <a:bodyPr wrap="square">
+            <a:spAutoFit/>
+          </a:bodyPr>
+          <a:lstStyle/>
+          <a:p>
+            <a:pPr marL="0" marR="0" lvl="0" indent="0" algn="ctr" defTabSz="914400" rtl="0" eaLnBrk="1" fontAlgn="auto" latinLnBrk="0" hangingPunct="1">
+              <a:lnSpc>
+                <a:spcPct val="107000"/>
+              </a:lnSpc>
+              <a:spcBef>
+                <a:spcPts val="0"/>
+              </a:spcBef>
+              <a:spcAft>
+                <a:spcPts val="800"/>
+              </a:spcAft>
+              <a:buClrTx/>
+              <a:buSzTx/>
+              <a:buFontTx/>
+              <a:buNone/>
+              <a:tabLst/>
+              <a:defRPr/>
+            </a:pPr>
+            <a:r>
+              <a:rPr kumimoji="0" lang="pt-BR" sz="4800" b="1" i="1" u="none" strike="noStrike" kern="1200" cap="none" spc="0" normalizeH="0" baseline="0" noProof="0" dirty="0">
+                <a:ln>
+                  <a:noFill/>
+                </a:ln>
+                <a:solidFill>
+                  <a:prstClr val="white"/>
+                </a:solidFill>
+                <a:effectLst/>
+                <a:uLnTx/>
+                <a:uFillTx/>
+                <a:latin typeface="Times New Roman" panose="02020603050405020304" pitchFamily="18" charset="0"/>
+                <a:ea typeface="Calibri" panose="020F0502020204030204" pitchFamily="34" charset="0"/>
+                <a:cs typeface="Times New Roman" panose="02020603050405020304" pitchFamily="18" charset="0"/>
+              </a:rPr>
+              <a:t>Prática #03</a:t>
+            </a:r>
+          </a:p>
+          <a:p>
+            <a:pPr marL="0" marR="0" lvl="0" indent="0" algn="ctr" defTabSz="914400" rtl="0" eaLnBrk="1" fontAlgn="auto" latinLnBrk="0" hangingPunct="1">
+              <a:lnSpc>
+                <a:spcPct val="107000"/>
+              </a:lnSpc>
+              <a:spcBef>
+                <a:spcPts val="0"/>
+              </a:spcBef>
+              <a:spcAft>
+                <a:spcPts val="800"/>
+              </a:spcAft>
+              <a:buClrTx/>
+              <a:buSzTx/>
+              <a:buFontTx/>
+              <a:buNone/>
+              <a:tabLst/>
+              <a:defRPr/>
+            </a:pPr>
+            <a:r>
+              <a:rPr kumimoji="0" lang="pt-BR" sz="4800" b="1" i="1" u="none" strike="noStrike" kern="1200" cap="none" spc="0" normalizeH="0" baseline="0" noProof="0" dirty="0">
+                <a:ln>
+                  <a:noFill/>
+                </a:ln>
+                <a:solidFill>
+                  <a:prstClr val="white"/>
+                </a:solidFill>
+                <a:effectLst/>
+                <a:uLnTx/>
+                <a:uFillTx/>
+                <a:latin typeface="Times New Roman" panose="02020603050405020304" pitchFamily="18" charset="0"/>
+                <a:ea typeface="Calibri" panose="020F0502020204030204" pitchFamily="34" charset="0"/>
+                <a:cs typeface="Times New Roman" panose="02020603050405020304" pitchFamily="18" charset="0"/>
+              </a:rPr>
+              <a:t>Resolução de problema</a:t>
+            </a:r>
+          </a:p>
+        </p:txBody>
+      </p:sp>
+    </p:spTree>
+    <p:extLst>
+      <p:ext uri="{BB962C8B-B14F-4D97-AF65-F5344CB8AC3E}">
+        <p14:creationId xmlns:p14="http://schemas.microsoft.com/office/powerpoint/2010/main" val="3086623460"/>
+      </p:ext>
+    </p:extLst>
+  </p:cSld>
+  <p:clrMapOvr>
+    <a:masterClrMapping/>
+  </p:clrMapOvr>
+</p:sld>
+</file>
+
+<file path=ppt/slides/slide21.xml><?xml version="1.0" encoding="utf-8"?>
+<p:sld xmlns:a="http://schemas.openxmlformats.org/drawingml/2006/main" xmlns:r="http://schemas.openxmlformats.org/officeDocument/2006/relationships" xmlns:p="http://schemas.openxmlformats.org/presentationml/2006/main">
+  <p:cSld>
+    <p:spTree>
+      <p:nvGrpSpPr>
+        <p:cNvPr id="1" name=""/>
+        <p:cNvGrpSpPr/>
+        <p:nvPr/>
+      </p:nvGrpSpPr>
+      <p:grpSpPr>
+        <a:xfrm>
+          <a:off x="0" y="0"/>
+          <a:ext cx="0" cy="0"/>
+          <a:chOff x="0" y="0"/>
+          <a:chExt cx="0" cy="0"/>
+        </a:xfrm>
+      </p:grpSpPr>
+      <p:sp>
+        <p:nvSpPr>
+          <p:cNvPr id="4" name="Retângulo: Cantos Arredondados 3">
+            <a:extLst>
+              <a:ext uri="{FF2B5EF4-FFF2-40B4-BE49-F238E27FC236}">
+                <a16:creationId xmlns:a16="http://schemas.microsoft.com/office/drawing/2014/main" id="{C4F95711-53AE-4235-AA18-A2C6D47A01FB}"/>
+              </a:ext>
+            </a:extLst>
+          </p:cNvPr>
+          <p:cNvSpPr/>
+          <p:nvPr/>
+        </p:nvSpPr>
+        <p:spPr>
+          <a:xfrm>
+            <a:off x="8673159" y="5980649"/>
+            <a:ext cx="1809616" cy="574154"/>
+          </a:xfrm>
+          <a:prstGeom prst="roundRect">
+            <a:avLst/>
+          </a:prstGeom>
+          <a:solidFill>
+            <a:schemeClr val="tx1">
+              <a:lumMod val="65000"/>
+              <a:lumOff val="35000"/>
+            </a:schemeClr>
+          </a:solidFill>
+          <a:ln w="76200">
+            <a:solidFill>
+              <a:schemeClr val="bg1"/>
+            </a:solidFill>
+          </a:ln>
+        </p:spPr>
+        <p:style>
+          <a:lnRef idx="2">
+            <a:schemeClr val="accent1">
+              <a:shade val="50000"/>
+            </a:schemeClr>
+          </a:lnRef>
+          <a:fillRef idx="1">
+            <a:schemeClr val="accent1"/>
+          </a:fillRef>
+          <a:effectRef idx="0">
+            <a:schemeClr val="accent1"/>
+          </a:effectRef>
+          <a:fontRef idx="minor">
+            <a:schemeClr val="lt1"/>
+          </a:fontRef>
+        </p:style>
+        <p:txBody>
+          <a:bodyPr rtlCol="0" anchor="ctr"/>
+          <a:lstStyle/>
+          <a:p>
+            <a:pPr marL="0" marR="0" lvl="0" indent="0" algn="ctr" defTabSz="914400" rtl="0" eaLnBrk="1" fontAlgn="auto" latinLnBrk="0" hangingPunct="1">
+              <a:lnSpc>
+                <a:spcPct val="100000"/>
+              </a:lnSpc>
+              <a:spcBef>
+                <a:spcPts val="0"/>
+              </a:spcBef>
+              <a:spcAft>
+                <a:spcPts val="0"/>
+              </a:spcAft>
+              <a:buClrTx/>
+              <a:buSzTx/>
+              <a:buFontTx/>
+              <a:buNone/>
+              <a:tabLst/>
+              <a:defRPr/>
+            </a:pPr>
+            <a:r>
+              <a:rPr kumimoji="0" lang="pt-BR" sz="3600" b="1" i="0" u="none" strike="noStrike" kern="1200" cap="none" spc="0" normalizeH="0" baseline="0" noProof="0" dirty="0">
+                <a:ln>
+                  <a:noFill/>
+                </a:ln>
+                <a:solidFill>
+                  <a:srgbClr val="FFC000">
+                    <a:lumMod val="40000"/>
+                    <a:lumOff val="60000"/>
+                  </a:srgbClr>
+                </a:solidFill>
+                <a:effectLst/>
+                <a:uLnTx/>
+                <a:uFillTx/>
+                <a:latin typeface="Times New Roman" panose="02020603050405020304" pitchFamily="18" charset="0"/>
+                <a:ea typeface="+mn-ea"/>
+                <a:cs typeface="Times New Roman" panose="02020603050405020304" pitchFamily="18" charset="0"/>
+              </a:rPr>
+              <a:t>Glicose</a:t>
+            </a:r>
+          </a:p>
+        </p:txBody>
+      </p:sp>
+      <p:sp>
+        <p:nvSpPr>
+          <p:cNvPr id="68" name="Retângulo: Cantos Arredondados 67">
+            <a:extLst>
+              <a:ext uri="{FF2B5EF4-FFF2-40B4-BE49-F238E27FC236}">
+                <a16:creationId xmlns:a16="http://schemas.microsoft.com/office/drawing/2014/main" id="{F9349F37-759D-4F9A-B271-AA3E312933F8}"/>
+              </a:ext>
+            </a:extLst>
+          </p:cNvPr>
+          <p:cNvSpPr/>
+          <p:nvPr/>
+        </p:nvSpPr>
+        <p:spPr>
+          <a:xfrm>
+            <a:off x="7721044" y="4088165"/>
+            <a:ext cx="3713847" cy="574154"/>
+          </a:xfrm>
+          <a:prstGeom prst="roundRect">
+            <a:avLst/>
+          </a:prstGeom>
+          <a:solidFill>
+            <a:schemeClr val="tx1">
+              <a:lumMod val="65000"/>
+              <a:lumOff val="35000"/>
+            </a:schemeClr>
+          </a:solidFill>
+          <a:ln w="76200">
+            <a:solidFill>
+              <a:schemeClr val="bg1"/>
+            </a:solidFill>
+          </a:ln>
+        </p:spPr>
+        <p:style>
+          <a:lnRef idx="2">
+            <a:schemeClr val="accent1">
+              <a:shade val="50000"/>
+            </a:schemeClr>
+          </a:lnRef>
+          <a:fillRef idx="1">
+            <a:schemeClr val="accent1"/>
+          </a:fillRef>
+          <a:effectRef idx="0">
+            <a:schemeClr val="accent1"/>
+          </a:effectRef>
+          <a:fontRef idx="minor">
+            <a:schemeClr val="lt1"/>
+          </a:fontRef>
+        </p:style>
+        <p:txBody>
+          <a:bodyPr rtlCol="0" anchor="ctr"/>
+          <a:lstStyle/>
+          <a:p>
+            <a:pPr marL="0" marR="0" lvl="0" indent="0" algn="ctr" defTabSz="914400" rtl="0" eaLnBrk="1" fontAlgn="auto" latinLnBrk="0" hangingPunct="1">
+              <a:lnSpc>
+                <a:spcPct val="100000"/>
+              </a:lnSpc>
+              <a:spcBef>
+                <a:spcPts val="0"/>
+              </a:spcBef>
+              <a:spcAft>
+                <a:spcPts val="0"/>
+              </a:spcAft>
+              <a:buClrTx/>
+              <a:buSzTx/>
+              <a:buFontTx/>
+              <a:buNone/>
+              <a:tabLst/>
+              <a:defRPr/>
+            </a:pPr>
+            <a:r>
+              <a:rPr kumimoji="0" lang="pt-BR" sz="3600" b="1" i="0" u="none" strike="noStrike" kern="1200" cap="none" spc="0" normalizeH="0" baseline="0" noProof="0" dirty="0">
+                <a:ln>
+                  <a:noFill/>
+                </a:ln>
+                <a:solidFill>
+                  <a:srgbClr val="FFC000">
+                    <a:lumMod val="40000"/>
+                    <a:lumOff val="60000"/>
+                  </a:srgbClr>
+                </a:solidFill>
+                <a:effectLst/>
+                <a:uLnTx/>
+                <a:uFillTx/>
+                <a:latin typeface="Times New Roman" panose="02020603050405020304" pitchFamily="18" charset="0"/>
+                <a:ea typeface="+mn-ea"/>
+                <a:cs typeface="Times New Roman" panose="02020603050405020304" pitchFamily="18" charset="0"/>
+              </a:rPr>
+              <a:t>Glicose-6-fosfato</a:t>
+            </a:r>
+          </a:p>
+        </p:txBody>
+      </p:sp>
+      <p:sp>
+        <p:nvSpPr>
+          <p:cNvPr id="34" name="Retângulo: Cantos Arredondados 33">
+            <a:extLst>
+              <a:ext uri="{FF2B5EF4-FFF2-40B4-BE49-F238E27FC236}">
+                <a16:creationId xmlns:a16="http://schemas.microsoft.com/office/drawing/2014/main" id="{4546DFC5-0D01-4906-A9DC-9B3B17B57EF4}"/>
+              </a:ext>
+            </a:extLst>
+          </p:cNvPr>
+          <p:cNvSpPr/>
+          <p:nvPr/>
+        </p:nvSpPr>
+        <p:spPr>
+          <a:xfrm>
+            <a:off x="7721044" y="2015476"/>
+            <a:ext cx="3713847" cy="574154"/>
+          </a:xfrm>
+          <a:prstGeom prst="roundRect">
+            <a:avLst/>
+          </a:prstGeom>
+          <a:solidFill>
+            <a:schemeClr val="tx1">
+              <a:lumMod val="65000"/>
+              <a:lumOff val="35000"/>
+            </a:schemeClr>
+          </a:solidFill>
+          <a:ln w="76200">
+            <a:solidFill>
+              <a:schemeClr val="bg1"/>
+            </a:solidFill>
+          </a:ln>
+        </p:spPr>
+        <p:style>
+          <a:lnRef idx="2">
+            <a:schemeClr val="accent1">
+              <a:shade val="50000"/>
+            </a:schemeClr>
+          </a:lnRef>
+          <a:fillRef idx="1">
+            <a:schemeClr val="accent1"/>
+          </a:fillRef>
+          <a:effectRef idx="0">
+            <a:schemeClr val="accent1"/>
+          </a:effectRef>
+          <a:fontRef idx="minor">
+            <a:schemeClr val="lt1"/>
+          </a:fontRef>
+        </p:style>
+        <p:txBody>
+          <a:bodyPr rtlCol="0" anchor="ctr"/>
+          <a:lstStyle/>
+          <a:p>
+            <a:pPr marL="0" marR="0" lvl="0" indent="0" algn="ctr" defTabSz="914400" rtl="0" eaLnBrk="1" fontAlgn="auto" latinLnBrk="0" hangingPunct="1">
+              <a:lnSpc>
+                <a:spcPct val="100000"/>
+              </a:lnSpc>
+              <a:spcBef>
+                <a:spcPts val="0"/>
+              </a:spcBef>
+              <a:spcAft>
+                <a:spcPts val="0"/>
+              </a:spcAft>
+              <a:buClrTx/>
+              <a:buSzTx/>
+              <a:buFontTx/>
+              <a:buNone/>
+              <a:tabLst/>
+              <a:defRPr/>
+            </a:pPr>
+            <a:r>
+              <a:rPr kumimoji="0" lang="pt-BR" sz="3600" b="1" i="0" u="none" strike="noStrike" kern="1200" cap="none" spc="0" normalizeH="0" baseline="0" noProof="0" dirty="0">
+                <a:ln>
+                  <a:noFill/>
+                </a:ln>
+                <a:solidFill>
+                  <a:srgbClr val="FFC000">
+                    <a:lumMod val="40000"/>
+                    <a:lumOff val="60000"/>
+                  </a:srgbClr>
+                </a:solidFill>
+                <a:effectLst/>
+                <a:uLnTx/>
+                <a:uFillTx/>
+                <a:latin typeface="Times New Roman" panose="02020603050405020304" pitchFamily="18" charset="0"/>
+                <a:ea typeface="+mn-ea"/>
+                <a:cs typeface="Times New Roman" panose="02020603050405020304" pitchFamily="18" charset="0"/>
+              </a:rPr>
+              <a:t>Glicose-1-fosfato</a:t>
+            </a:r>
+          </a:p>
+        </p:txBody>
+      </p:sp>
+      <p:cxnSp>
+        <p:nvCxnSpPr>
+          <p:cNvPr id="35" name="Conector reto 34">
+            <a:extLst>
+              <a:ext uri="{FF2B5EF4-FFF2-40B4-BE49-F238E27FC236}">
+                <a16:creationId xmlns:a16="http://schemas.microsoft.com/office/drawing/2014/main" id="{18C3AC7A-AA72-4408-888E-A1916280A8B9}"/>
+              </a:ext>
+            </a:extLst>
+          </p:cNvPr>
+          <p:cNvCxnSpPr>
+            <a:cxnSpLocks/>
+          </p:cNvCxnSpPr>
+          <p:nvPr/>
+        </p:nvCxnSpPr>
+        <p:spPr>
+          <a:xfrm flipV="1">
+            <a:off x="9360383" y="2933121"/>
+            <a:ext cx="0" cy="998545"/>
+          </a:xfrm>
+          <a:prstGeom prst="line">
+            <a:avLst/>
+          </a:prstGeom>
+          <a:ln w="38100">
+            <a:solidFill>
+              <a:schemeClr val="bg1"/>
+            </a:solidFill>
+            <a:headEnd type="none" w="med" len="med"/>
+            <a:tailEnd type="triangle" w="med" len="med"/>
+          </a:ln>
+        </p:spPr>
+        <p:style>
+          <a:lnRef idx="1">
+            <a:schemeClr val="accent1"/>
+          </a:lnRef>
+          <a:fillRef idx="0">
+            <a:schemeClr val="accent1"/>
+          </a:fillRef>
+          <a:effectRef idx="0">
+            <a:schemeClr val="accent1"/>
+          </a:effectRef>
+          <a:fontRef idx="minor">
+            <a:schemeClr val="tx1"/>
+          </a:fontRef>
+        </p:style>
+      </p:cxnSp>
+      <p:sp>
+        <p:nvSpPr>
+          <p:cNvPr id="45" name="Retângulo: Cantos Arredondados 44">
+            <a:extLst>
+              <a:ext uri="{FF2B5EF4-FFF2-40B4-BE49-F238E27FC236}">
+                <a16:creationId xmlns:a16="http://schemas.microsoft.com/office/drawing/2014/main" id="{7A3DB884-0429-470D-BBB6-36E13BF65408}"/>
+              </a:ext>
+            </a:extLst>
+          </p:cNvPr>
+          <p:cNvSpPr/>
+          <p:nvPr/>
+        </p:nvSpPr>
+        <p:spPr>
+          <a:xfrm>
+            <a:off x="8221009" y="197460"/>
+            <a:ext cx="2713918" cy="706349"/>
+          </a:xfrm>
+          <a:prstGeom prst="roundRect">
+            <a:avLst/>
+          </a:prstGeom>
+          <a:solidFill>
+            <a:schemeClr val="tx1">
+              <a:lumMod val="65000"/>
+              <a:lumOff val="35000"/>
+            </a:schemeClr>
+          </a:solidFill>
+          <a:ln w="76200">
+            <a:solidFill>
+              <a:schemeClr val="bg1"/>
+            </a:solidFill>
+          </a:ln>
+        </p:spPr>
+        <p:style>
+          <a:lnRef idx="2">
+            <a:schemeClr val="accent1">
+              <a:shade val="50000"/>
+            </a:schemeClr>
+          </a:lnRef>
+          <a:fillRef idx="1">
+            <a:schemeClr val="accent1"/>
+          </a:fillRef>
+          <a:effectRef idx="0">
+            <a:schemeClr val="accent1"/>
+          </a:effectRef>
+          <a:fontRef idx="minor">
+            <a:schemeClr val="lt1"/>
+          </a:fontRef>
+        </p:style>
+        <p:txBody>
+          <a:bodyPr rtlCol="0" anchor="ctr"/>
+          <a:lstStyle/>
+          <a:p>
+            <a:pPr marL="0" marR="0" lvl="0" indent="0" algn="ctr" defTabSz="914400" rtl="0" eaLnBrk="1" fontAlgn="auto" latinLnBrk="0" hangingPunct="1">
+              <a:lnSpc>
+                <a:spcPct val="100000"/>
+              </a:lnSpc>
+              <a:spcBef>
+                <a:spcPts val="0"/>
+              </a:spcBef>
+              <a:spcAft>
+                <a:spcPts val="0"/>
+              </a:spcAft>
+              <a:buClrTx/>
+              <a:buSzTx/>
+              <a:buFontTx/>
+              <a:buNone/>
+              <a:tabLst/>
+              <a:defRPr/>
+            </a:pPr>
+            <a:r>
+              <a:rPr kumimoji="0" lang="pt-BR" sz="3600" b="1" i="0" u="none" strike="noStrike" kern="1200" cap="none" spc="0" normalizeH="0" baseline="0" noProof="0" dirty="0">
+                <a:ln>
+                  <a:noFill/>
+                </a:ln>
+                <a:solidFill>
+                  <a:srgbClr val="FFC000">
+                    <a:lumMod val="40000"/>
+                    <a:lumOff val="60000"/>
+                  </a:srgbClr>
+                </a:solidFill>
+                <a:effectLst/>
+                <a:uLnTx/>
+                <a:uFillTx/>
+                <a:latin typeface="Times New Roman" panose="02020603050405020304" pitchFamily="18" charset="0"/>
+                <a:ea typeface="+mn-ea"/>
+                <a:cs typeface="Times New Roman" panose="02020603050405020304" pitchFamily="18" charset="0"/>
+              </a:rPr>
+              <a:t>Glicogênio</a:t>
+            </a:r>
+          </a:p>
+        </p:txBody>
+      </p:sp>
+      <p:cxnSp>
+        <p:nvCxnSpPr>
+          <p:cNvPr id="47" name="Conector reto 46">
+            <a:extLst>
+              <a:ext uri="{FF2B5EF4-FFF2-40B4-BE49-F238E27FC236}">
+                <a16:creationId xmlns:a16="http://schemas.microsoft.com/office/drawing/2014/main" id="{053ADD53-501A-4E67-B207-7CF2C3DF341A}"/>
+              </a:ext>
+            </a:extLst>
+          </p:cNvPr>
+          <p:cNvCxnSpPr>
+            <a:cxnSpLocks/>
+          </p:cNvCxnSpPr>
+          <p:nvPr/>
+        </p:nvCxnSpPr>
+        <p:spPr>
+          <a:xfrm>
+            <a:off x="9766783" y="2933120"/>
+            <a:ext cx="0" cy="998545"/>
+          </a:xfrm>
+          <a:prstGeom prst="line">
+            <a:avLst/>
+          </a:prstGeom>
+          <a:ln w="38100">
+            <a:solidFill>
+              <a:schemeClr val="bg1"/>
+            </a:solidFill>
+            <a:headEnd type="none" w="med" len="med"/>
+            <a:tailEnd type="triangle" w="med" len="med"/>
+          </a:ln>
+        </p:spPr>
+        <p:style>
+          <a:lnRef idx="1">
+            <a:schemeClr val="accent1"/>
+          </a:lnRef>
+          <a:fillRef idx="0">
+            <a:schemeClr val="accent1"/>
+          </a:fillRef>
+          <a:effectRef idx="0">
+            <a:schemeClr val="accent1"/>
+          </a:effectRef>
+          <a:fontRef idx="minor">
+            <a:schemeClr val="tx1"/>
+          </a:fontRef>
+        </p:style>
+      </p:cxnSp>
+      <p:cxnSp>
+        <p:nvCxnSpPr>
+          <p:cNvPr id="12" name="Conector reto 11">
+            <a:extLst>
+              <a:ext uri="{FF2B5EF4-FFF2-40B4-BE49-F238E27FC236}">
+                <a16:creationId xmlns:a16="http://schemas.microsoft.com/office/drawing/2014/main" id="{CE57062F-926A-489F-8194-2652DEB83FE1}"/>
+              </a:ext>
+            </a:extLst>
+          </p:cNvPr>
+          <p:cNvCxnSpPr>
+            <a:cxnSpLocks/>
+          </p:cNvCxnSpPr>
+          <p:nvPr/>
+        </p:nvCxnSpPr>
+        <p:spPr>
+          <a:xfrm>
+            <a:off x="9577968" y="1036696"/>
+            <a:ext cx="0" cy="808198"/>
+          </a:xfrm>
+          <a:prstGeom prst="line">
+            <a:avLst/>
+          </a:prstGeom>
+          <a:ln w="38100">
+            <a:solidFill>
+              <a:schemeClr val="accent2"/>
+            </a:solidFill>
+            <a:headEnd type="none" w="med" len="med"/>
+            <a:tailEnd type="triangle" w="med" len="med"/>
+          </a:ln>
+        </p:spPr>
+        <p:style>
+          <a:lnRef idx="1">
+            <a:schemeClr val="accent1"/>
+          </a:lnRef>
+          <a:fillRef idx="0">
+            <a:schemeClr val="accent1"/>
+          </a:fillRef>
+          <a:effectRef idx="0">
+            <a:schemeClr val="accent1"/>
+          </a:effectRef>
+          <a:fontRef idx="minor">
+            <a:schemeClr val="tx1"/>
+          </a:fontRef>
+        </p:style>
+      </p:cxnSp>
+      <p:cxnSp>
+        <p:nvCxnSpPr>
+          <p:cNvPr id="32" name="Conector reto 31">
+            <a:extLst>
+              <a:ext uri="{FF2B5EF4-FFF2-40B4-BE49-F238E27FC236}">
+                <a16:creationId xmlns:a16="http://schemas.microsoft.com/office/drawing/2014/main" id="{72CF0C4D-E89A-40DF-9BB2-4DDD367A335C}"/>
+              </a:ext>
+            </a:extLst>
+          </p:cNvPr>
+          <p:cNvCxnSpPr>
+            <a:cxnSpLocks/>
+          </p:cNvCxnSpPr>
+          <p:nvPr/>
+        </p:nvCxnSpPr>
+        <p:spPr>
+          <a:xfrm>
+            <a:off x="9577967" y="4892894"/>
+            <a:ext cx="0" cy="876300"/>
+          </a:xfrm>
+          <a:prstGeom prst="line">
+            <a:avLst/>
+          </a:prstGeom>
+          <a:ln w="38100">
+            <a:solidFill>
+              <a:schemeClr val="accent2"/>
+            </a:solidFill>
+            <a:headEnd type="none" w="med" len="med"/>
+            <a:tailEnd type="triangle" w="med" len="med"/>
+          </a:ln>
+        </p:spPr>
+        <p:style>
+          <a:lnRef idx="1">
+            <a:schemeClr val="accent1"/>
+          </a:lnRef>
+          <a:fillRef idx="0">
+            <a:schemeClr val="accent1"/>
+          </a:fillRef>
+          <a:effectRef idx="0">
+            <a:schemeClr val="accent1"/>
+          </a:effectRef>
+          <a:fontRef idx="minor">
+            <a:schemeClr val="tx1"/>
+          </a:fontRef>
+        </p:style>
+      </p:cxnSp>
+      <p:sp>
+        <p:nvSpPr>
+          <p:cNvPr id="39" name="Elipse 38">
+            <a:extLst>
+              <a:ext uri="{FF2B5EF4-FFF2-40B4-BE49-F238E27FC236}">
+                <a16:creationId xmlns:a16="http://schemas.microsoft.com/office/drawing/2014/main" id="{9A926536-F56A-4516-848F-CD4A85BCD9DB}"/>
+              </a:ext>
+            </a:extLst>
+          </p:cNvPr>
+          <p:cNvSpPr/>
+          <p:nvPr/>
+        </p:nvSpPr>
+        <p:spPr>
+          <a:xfrm>
+            <a:off x="10182707" y="1036696"/>
+            <a:ext cx="371067" cy="380007"/>
+          </a:xfrm>
+          <a:prstGeom prst="ellipse">
+            <a:avLst/>
+          </a:prstGeom>
+          <a:solidFill>
+            <a:schemeClr val="accent4">
+              <a:lumMod val="40000"/>
+              <a:lumOff val="60000"/>
+            </a:schemeClr>
+          </a:solidFill>
+          <a:ln>
+            <a:solidFill>
+              <a:schemeClr val="bg1"/>
+            </a:solidFill>
+          </a:ln>
+        </p:spPr>
+        <p:style>
+          <a:lnRef idx="2">
+            <a:schemeClr val="accent1">
+              <a:shade val="50000"/>
+            </a:schemeClr>
+          </a:lnRef>
+          <a:fillRef idx="1">
+            <a:schemeClr val="accent1"/>
+          </a:fillRef>
+          <a:effectRef idx="0">
+            <a:schemeClr val="accent1"/>
+          </a:effectRef>
+          <a:fontRef idx="minor">
+            <a:schemeClr val="lt1"/>
+          </a:fontRef>
+        </p:style>
+        <p:txBody>
+          <a:bodyPr rtlCol="0" anchor="ctr"/>
+          <a:lstStyle/>
+          <a:p>
+            <a:pPr marL="0" marR="0" lvl="0" indent="0" algn="ctr" defTabSz="914400" rtl="0" eaLnBrk="1" fontAlgn="auto" latinLnBrk="0" hangingPunct="1">
+              <a:lnSpc>
+                <a:spcPct val="100000"/>
+              </a:lnSpc>
+              <a:spcBef>
+                <a:spcPts val="0"/>
+              </a:spcBef>
+              <a:spcAft>
+                <a:spcPts val="0"/>
+              </a:spcAft>
+              <a:buClrTx/>
+              <a:buSzTx/>
+              <a:buFontTx/>
+              <a:buNone/>
+              <a:tabLst/>
+              <a:defRPr/>
+            </a:pPr>
+            <a:r>
+              <a:rPr kumimoji="0" lang="pt-BR" b="0" i="0" u="none" strike="noStrike" kern="1200" cap="none" spc="0" normalizeH="0" baseline="0" noProof="0" dirty="0">
+                <a:ln>
+                  <a:noFill/>
+                </a:ln>
+                <a:solidFill>
+                  <a:prstClr val="black"/>
+                </a:solidFill>
+                <a:effectLst/>
+                <a:uLnTx/>
+                <a:uFillTx/>
+                <a:latin typeface="Times New Roman" panose="02020603050405020304" pitchFamily="18" charset="0"/>
+                <a:ea typeface="+mn-ea"/>
+                <a:cs typeface="Times New Roman" panose="02020603050405020304" pitchFamily="18" charset="0"/>
+              </a:rPr>
+              <a:t>P</a:t>
+            </a:r>
+            <a:endParaRPr kumimoji="0" lang="pt-BR" b="0" i="0" u="none" strike="noStrike" kern="1200" cap="none" spc="0" normalizeH="0" baseline="30000" noProof="0" dirty="0">
+              <a:ln>
+                <a:noFill/>
+              </a:ln>
+              <a:solidFill>
+                <a:prstClr val="black"/>
+              </a:solidFill>
+              <a:effectLst/>
+              <a:uLnTx/>
+              <a:uFillTx/>
+              <a:latin typeface="Times New Roman" panose="02020603050405020304" pitchFamily="18" charset="0"/>
+              <a:ea typeface="+mn-ea"/>
+              <a:cs typeface="Times New Roman" panose="02020603050405020304" pitchFamily="18" charset="0"/>
+            </a:endParaRPr>
+          </a:p>
+        </p:txBody>
+      </p:sp>
+      <p:sp>
+        <p:nvSpPr>
+          <p:cNvPr id="40" name="Arco 39">
+            <a:extLst>
+              <a:ext uri="{FF2B5EF4-FFF2-40B4-BE49-F238E27FC236}">
+                <a16:creationId xmlns:a16="http://schemas.microsoft.com/office/drawing/2014/main" id="{93774DB1-9175-4D02-A63B-9569C9403253}"/>
+              </a:ext>
+            </a:extLst>
+          </p:cNvPr>
+          <p:cNvSpPr/>
+          <p:nvPr/>
+        </p:nvSpPr>
+        <p:spPr>
+          <a:xfrm rot="10800000">
+            <a:off x="9577965" y="1244709"/>
+            <a:ext cx="1209483" cy="515483"/>
+          </a:xfrm>
+          <a:prstGeom prst="arc">
+            <a:avLst>
+              <a:gd name="adj1" fmla="val 15760211"/>
+              <a:gd name="adj2" fmla="val 4706251"/>
+            </a:avLst>
+          </a:prstGeom>
+          <a:ln w="38100">
+            <a:solidFill>
+              <a:schemeClr val="bg1"/>
+            </a:solidFill>
+            <a:headEnd type="triangle" w="med" len="med"/>
+            <a:tailEnd type="none" w="med" len="med"/>
+          </a:ln>
+        </p:spPr>
+        <p:style>
+          <a:lnRef idx="1">
+            <a:schemeClr val="accent1"/>
+          </a:lnRef>
+          <a:fillRef idx="0">
+            <a:schemeClr val="accent1"/>
+          </a:fillRef>
+          <a:effectRef idx="0">
+            <a:schemeClr val="accent1"/>
+          </a:effectRef>
+          <a:fontRef idx="minor">
+            <a:schemeClr val="tx1"/>
+          </a:fontRef>
+        </p:style>
+        <p:txBody>
+          <a:bodyPr rtlCol="0" anchor="ctr"/>
+          <a:lstStyle/>
+          <a:p>
+            <a:pPr marL="0" marR="0" lvl="0" indent="0" algn="ctr" defTabSz="914400" rtl="0" eaLnBrk="1" fontAlgn="auto" latinLnBrk="0" hangingPunct="1">
+              <a:lnSpc>
+                <a:spcPct val="100000"/>
+              </a:lnSpc>
+              <a:spcBef>
+                <a:spcPts val="0"/>
+              </a:spcBef>
+              <a:spcAft>
+                <a:spcPts val="0"/>
+              </a:spcAft>
+              <a:buClrTx/>
+              <a:buSzTx/>
+              <a:buFontTx/>
+              <a:buNone/>
+              <a:tabLst/>
+              <a:defRPr/>
+            </a:pPr>
+            <a:endParaRPr kumimoji="0" lang="pt-BR" sz="1800" b="0" i="0" u="none" strike="noStrike" kern="1200" cap="none" spc="0" normalizeH="0" baseline="0" noProof="0">
+              <a:ln>
+                <a:noFill/>
+              </a:ln>
+              <a:solidFill>
+                <a:prstClr val="black"/>
+              </a:solidFill>
+              <a:effectLst/>
+              <a:uLnTx/>
+              <a:uFillTx/>
+              <a:latin typeface="Calibri" panose="020F0502020204030204"/>
+              <a:ea typeface="+mn-ea"/>
+              <a:cs typeface="+mn-cs"/>
+            </a:endParaRPr>
+          </a:p>
+        </p:txBody>
+      </p:sp>
+      <p:sp>
+        <p:nvSpPr>
+          <p:cNvPr id="41" name="CaixaDeTexto 40">
+            <a:extLst>
+              <a:ext uri="{FF2B5EF4-FFF2-40B4-BE49-F238E27FC236}">
+                <a16:creationId xmlns:a16="http://schemas.microsoft.com/office/drawing/2014/main" id="{F0000AB0-83BB-4436-B083-163A546ACF70}"/>
+              </a:ext>
+            </a:extLst>
+          </p:cNvPr>
+          <p:cNvSpPr txBox="1"/>
+          <p:nvPr/>
+        </p:nvSpPr>
+        <p:spPr>
+          <a:xfrm>
+            <a:off x="10077713" y="1537937"/>
+            <a:ext cx="1695670" cy="400110"/>
+          </a:xfrm>
+          <a:prstGeom prst="rect">
+            <a:avLst/>
+          </a:prstGeom>
+          <a:noFill/>
+        </p:spPr>
+        <p:txBody>
+          <a:bodyPr wrap="square" rtlCol="0">
+            <a:spAutoFit/>
+          </a:bodyPr>
+          <a:lstStyle/>
+          <a:p>
+            <a:pPr marL="0" marR="0" lvl="0" indent="0" algn="ctr" defTabSz="914400" rtl="0" eaLnBrk="1" fontAlgn="auto" latinLnBrk="0" hangingPunct="1">
+              <a:lnSpc>
+                <a:spcPct val="100000"/>
+              </a:lnSpc>
+              <a:spcBef>
+                <a:spcPts val="0"/>
+              </a:spcBef>
+              <a:spcAft>
+                <a:spcPts val="0"/>
+              </a:spcAft>
+              <a:buClrTx/>
+              <a:buSzTx/>
+              <a:buFontTx/>
+              <a:buNone/>
+              <a:tabLst/>
+              <a:defRPr/>
+            </a:pPr>
+            <a:r>
+              <a:rPr lang="pt-BR" sz="2000" b="1" dirty="0">
+                <a:solidFill>
+                  <a:prstClr val="white"/>
+                </a:solidFill>
+                <a:latin typeface="Bell MT" panose="02020503060305020303" pitchFamily="18" charset="0"/>
+              </a:rPr>
+              <a:t>Glicogênio</a:t>
+            </a:r>
+            <a:endParaRPr kumimoji="0" lang="pt-BR" sz="2000" b="1" i="0" u="none" strike="noStrike" kern="1200" cap="none" spc="0" normalizeH="0" baseline="-25000" noProof="0" dirty="0">
+              <a:ln>
+                <a:noFill/>
+              </a:ln>
+              <a:solidFill>
+                <a:prstClr val="white"/>
+              </a:solidFill>
+              <a:effectLst/>
+              <a:uLnTx/>
+              <a:uFillTx/>
+              <a:latin typeface="Bell MT" panose="02020503060305020303" pitchFamily="18" charset="0"/>
+              <a:ea typeface="+mn-ea"/>
+              <a:cs typeface="+mn-cs"/>
+            </a:endParaRPr>
+          </a:p>
+        </p:txBody>
+      </p:sp>
+      <p:sp>
+        <p:nvSpPr>
+          <p:cNvPr id="44" name="CustomShape 3">
+            <a:extLst>
+              <a:ext uri="{FF2B5EF4-FFF2-40B4-BE49-F238E27FC236}">
+                <a16:creationId xmlns:a16="http://schemas.microsoft.com/office/drawing/2014/main" id="{D88EA69F-50D0-40CA-AEDB-E2556BF9062F}"/>
+              </a:ext>
+            </a:extLst>
+          </p:cNvPr>
+          <p:cNvSpPr/>
+          <p:nvPr/>
+        </p:nvSpPr>
+        <p:spPr>
+          <a:xfrm>
+            <a:off x="5967754" y="1210750"/>
+            <a:ext cx="3502833" cy="398655"/>
+          </a:xfrm>
+          <a:prstGeom prst="rect">
+            <a:avLst/>
+          </a:prstGeom>
+          <a:noFill/>
+          <a:ln>
+            <a:noFill/>
+          </a:ln>
+        </p:spPr>
+        <p:style>
+          <a:lnRef idx="0">
+            <a:scrgbClr r="0" g="0" b="0"/>
+          </a:lnRef>
+          <a:fillRef idx="0">
+            <a:scrgbClr r="0" g="0" b="0"/>
+          </a:fillRef>
+          <a:effectRef idx="0">
+            <a:scrgbClr r="0" g="0" b="0"/>
+          </a:effectRef>
+          <a:fontRef idx="minor"/>
+        </p:style>
+        <p:txBody>
+          <a:bodyPr wrap="square" lIns="90000" tIns="45000" rIns="90000" bIns="45000">
+            <a:spAutoFit/>
+          </a:bodyPr>
+          <a:lstStyle/>
+          <a:p>
+            <a:pPr lvl="0" algn="r">
+              <a:defRPr/>
+            </a:pPr>
+            <a:r>
+              <a:rPr lang="pt-BR" sz="2000" b="1" spc="-1" dirty="0">
+                <a:solidFill>
+                  <a:schemeClr val="bg1"/>
+                </a:solidFill>
+                <a:latin typeface="Bell MT"/>
+              </a:rPr>
+              <a:t>Glicogênio </a:t>
+            </a:r>
+            <a:r>
+              <a:rPr lang="pt-BR" sz="2000" b="1" spc="-1" dirty="0" err="1">
+                <a:solidFill>
+                  <a:schemeClr val="bg1"/>
+                </a:solidFill>
+                <a:latin typeface="Bell MT"/>
+              </a:rPr>
+              <a:t>fosforilase</a:t>
+            </a:r>
+            <a:endParaRPr kumimoji="0" lang="pt-BR" sz="2000" b="1" i="0" strike="noStrike" kern="1200" cap="none" spc="-1" normalizeH="0" baseline="0" noProof="0" dirty="0">
+              <a:ln>
+                <a:noFill/>
+              </a:ln>
+              <a:solidFill>
+                <a:schemeClr val="bg1"/>
+              </a:solidFill>
+              <a:effectLst/>
+              <a:uLnTx/>
+              <a:uFillTx/>
+              <a:latin typeface="Bell MT"/>
+              <a:ea typeface="+mn-ea"/>
+              <a:cs typeface="+mn-cs"/>
+            </a:endParaRPr>
+          </a:p>
+        </p:txBody>
+      </p:sp>
+      <p:sp>
+        <p:nvSpPr>
+          <p:cNvPr id="48" name="CustomShape 3">
+            <a:extLst>
+              <a:ext uri="{FF2B5EF4-FFF2-40B4-BE49-F238E27FC236}">
+                <a16:creationId xmlns:a16="http://schemas.microsoft.com/office/drawing/2014/main" id="{37D8801B-2532-48F2-AAE3-3E8092B9085A}"/>
+              </a:ext>
+            </a:extLst>
+          </p:cNvPr>
+          <p:cNvSpPr/>
+          <p:nvPr/>
+        </p:nvSpPr>
+        <p:spPr>
+          <a:xfrm>
+            <a:off x="6385930" y="3198894"/>
+            <a:ext cx="2974453" cy="398655"/>
+          </a:xfrm>
+          <a:prstGeom prst="rect">
+            <a:avLst/>
+          </a:prstGeom>
+          <a:noFill/>
+          <a:ln>
+            <a:noFill/>
+          </a:ln>
+        </p:spPr>
+        <p:style>
+          <a:lnRef idx="0">
+            <a:scrgbClr r="0" g="0" b="0"/>
+          </a:lnRef>
+          <a:fillRef idx="0">
+            <a:scrgbClr r="0" g="0" b="0"/>
+          </a:fillRef>
+          <a:effectRef idx="0">
+            <a:scrgbClr r="0" g="0" b="0"/>
+          </a:effectRef>
+          <a:fontRef idx="minor"/>
+        </p:style>
+        <p:txBody>
+          <a:bodyPr wrap="square" lIns="90000" tIns="45000" rIns="90000" bIns="45000">
+            <a:spAutoFit/>
+          </a:bodyPr>
+          <a:lstStyle/>
+          <a:p>
+            <a:pPr lvl="0" algn="r">
+              <a:defRPr/>
+            </a:pPr>
+            <a:r>
+              <a:rPr lang="pt-BR" sz="2000" b="1" spc="-1" dirty="0" err="1">
+                <a:solidFill>
+                  <a:schemeClr val="bg1"/>
+                </a:solidFill>
+                <a:latin typeface="Bell MT"/>
+              </a:rPr>
+              <a:t>Fosfoglicomutase</a:t>
+            </a:r>
+            <a:endParaRPr kumimoji="0" lang="pt-BR" sz="2000" b="1" i="0" strike="noStrike" kern="1200" cap="none" spc="-1" normalizeH="0" baseline="0" noProof="0" dirty="0">
+              <a:ln>
+                <a:noFill/>
+              </a:ln>
+              <a:solidFill>
+                <a:schemeClr val="bg1"/>
+              </a:solidFill>
+              <a:effectLst/>
+              <a:uLnTx/>
+              <a:uFillTx/>
+              <a:latin typeface="Bell MT"/>
+              <a:ea typeface="+mn-ea"/>
+              <a:cs typeface="+mn-cs"/>
+            </a:endParaRPr>
+          </a:p>
+        </p:txBody>
+      </p:sp>
+      <p:sp>
+        <p:nvSpPr>
+          <p:cNvPr id="49" name="CustomShape 3">
+            <a:extLst>
+              <a:ext uri="{FF2B5EF4-FFF2-40B4-BE49-F238E27FC236}">
+                <a16:creationId xmlns:a16="http://schemas.microsoft.com/office/drawing/2014/main" id="{84D98671-F96D-40B3-A020-AA36CFC0A804}"/>
+              </a:ext>
+            </a:extLst>
+          </p:cNvPr>
+          <p:cNvSpPr/>
+          <p:nvPr/>
+        </p:nvSpPr>
+        <p:spPr>
+          <a:xfrm>
+            <a:off x="5698800" y="5063388"/>
+            <a:ext cx="3502833" cy="521766"/>
+          </a:xfrm>
+          <a:prstGeom prst="rect">
+            <a:avLst/>
+          </a:prstGeom>
+          <a:noFill/>
+          <a:ln>
+            <a:noFill/>
+          </a:ln>
+        </p:spPr>
+        <p:style>
+          <a:lnRef idx="0">
+            <a:scrgbClr r="0" g="0" b="0"/>
+          </a:lnRef>
+          <a:fillRef idx="0">
+            <a:scrgbClr r="0" g="0" b="0"/>
+          </a:fillRef>
+          <a:effectRef idx="0">
+            <a:scrgbClr r="0" g="0" b="0"/>
+          </a:effectRef>
+          <a:fontRef idx="minor"/>
+        </p:style>
+        <p:txBody>
+          <a:bodyPr wrap="square" lIns="90000" tIns="45000" rIns="90000" bIns="45000">
+            <a:spAutoFit/>
+          </a:bodyPr>
+          <a:lstStyle/>
+          <a:p>
+            <a:pPr lvl="0" algn="r">
+              <a:defRPr/>
+            </a:pPr>
+            <a:r>
+              <a:rPr lang="pt-BR" sz="2800" b="1" spc="-1" dirty="0">
+                <a:solidFill>
+                  <a:schemeClr val="accent4">
+                    <a:lumMod val="60000"/>
+                    <a:lumOff val="40000"/>
+                  </a:schemeClr>
+                </a:solidFill>
+                <a:latin typeface="Bell MT"/>
+              </a:rPr>
+              <a:t>Glicose-6-fosfatase</a:t>
+            </a:r>
+            <a:endParaRPr kumimoji="0" lang="pt-BR" sz="2800" b="1" i="0" strike="noStrike" kern="1200" cap="none" spc="-1" normalizeH="0" baseline="0" noProof="0" dirty="0">
+              <a:ln>
+                <a:noFill/>
+              </a:ln>
+              <a:solidFill>
+                <a:schemeClr val="accent4">
+                  <a:lumMod val="60000"/>
+                  <a:lumOff val="40000"/>
+                </a:schemeClr>
+              </a:solidFill>
+              <a:effectLst/>
+              <a:uLnTx/>
+              <a:uFillTx/>
+              <a:latin typeface="Bell MT"/>
+            </a:endParaRPr>
+          </a:p>
+        </p:txBody>
+      </p:sp>
+      <p:sp>
+        <p:nvSpPr>
+          <p:cNvPr id="2" name="Fluxograma: Somador 1">
+            <a:extLst>
+              <a:ext uri="{FF2B5EF4-FFF2-40B4-BE49-F238E27FC236}">
+                <a16:creationId xmlns:a16="http://schemas.microsoft.com/office/drawing/2014/main" id="{53B1C767-DAEA-4261-A78D-126EAC95C2FF}"/>
+              </a:ext>
+            </a:extLst>
+          </p:cNvPr>
+          <p:cNvSpPr/>
+          <p:nvPr/>
+        </p:nvSpPr>
+        <p:spPr>
+          <a:xfrm>
+            <a:off x="9327078" y="5066549"/>
+            <a:ext cx="501774" cy="460211"/>
+          </a:xfrm>
+          <a:prstGeom prst="flowChartSummingJunction">
+            <a:avLst/>
+          </a:prstGeom>
+          <a:ln w="57150">
+            <a:solidFill>
+              <a:srgbClr val="FF0000"/>
+            </a:solidFill>
+          </a:ln>
+        </p:spPr>
+        <p:style>
+          <a:lnRef idx="2">
+            <a:schemeClr val="accent1">
+              <a:shade val="50000"/>
+            </a:schemeClr>
+          </a:lnRef>
+          <a:fillRef idx="1">
+            <a:schemeClr val="accent1"/>
+          </a:fillRef>
+          <a:effectRef idx="0">
+            <a:schemeClr val="accent1"/>
+          </a:effectRef>
+          <a:fontRef idx="minor">
+            <a:schemeClr val="lt1"/>
+          </a:fontRef>
+        </p:style>
+        <p:txBody>
+          <a:bodyPr rtlCol="0" anchor="ctr"/>
+          <a:lstStyle/>
+          <a:p>
+            <a:pPr algn="ctr"/>
+            <a:endParaRPr lang="pt-BR"/>
+          </a:p>
+        </p:txBody>
+      </p:sp>
+      <p:sp>
+        <p:nvSpPr>
+          <p:cNvPr id="3" name="Retângulo 2">
+            <a:extLst>
+              <a:ext uri="{FF2B5EF4-FFF2-40B4-BE49-F238E27FC236}">
+                <a16:creationId xmlns:a16="http://schemas.microsoft.com/office/drawing/2014/main" id="{DB7FFEEE-4D1C-4AF8-9312-80DD59E659FF}"/>
+              </a:ext>
+            </a:extLst>
+          </p:cNvPr>
+          <p:cNvSpPr/>
+          <p:nvPr/>
+        </p:nvSpPr>
+        <p:spPr>
+          <a:xfrm>
+            <a:off x="248724" y="916770"/>
+            <a:ext cx="6017915" cy="1647182"/>
+          </a:xfrm>
+          <a:prstGeom prst="rect">
+            <a:avLst/>
+          </a:prstGeom>
+        </p:spPr>
+        <p:txBody>
+          <a:bodyPr wrap="square">
+            <a:spAutoFit/>
+          </a:bodyPr>
+          <a:lstStyle/>
+          <a:p>
+            <a:pPr algn="ctr">
+              <a:lnSpc>
+                <a:spcPct val="107000"/>
+              </a:lnSpc>
+              <a:spcAft>
+                <a:spcPts val="800"/>
+              </a:spcAft>
+            </a:pPr>
+            <a:r>
+              <a:rPr lang="pt-BR" sz="3200" b="1" i="1" dirty="0">
+                <a:solidFill>
+                  <a:schemeClr val="accent4">
+                    <a:lumMod val="40000"/>
+                    <a:lumOff val="60000"/>
+                  </a:schemeClr>
+                </a:solidFill>
+                <a:latin typeface="Times New Roman" panose="02020603050405020304" pitchFamily="18" charset="0"/>
+                <a:ea typeface="Calibri" panose="020F0502020204030204" pitchFamily="34" charset="0"/>
+                <a:cs typeface="Times New Roman" panose="02020603050405020304" pitchFamily="18" charset="0"/>
+              </a:rPr>
+              <a:t>Qual a consequência da inatividade da glicose-6-fosfatase no fígado?</a:t>
+            </a:r>
+            <a:endParaRPr lang="pt-BR" sz="2400" dirty="0">
+              <a:solidFill>
+                <a:schemeClr val="accent4">
+                  <a:lumMod val="40000"/>
+                  <a:lumOff val="60000"/>
+                </a:schemeClr>
+              </a:solidFill>
+              <a:effectLst/>
+              <a:latin typeface="Calibri" panose="020F0502020204030204" pitchFamily="34" charset="0"/>
+              <a:ea typeface="Calibri" panose="020F0502020204030204" pitchFamily="34" charset="0"/>
+              <a:cs typeface="Times New Roman" panose="02020603050405020304" pitchFamily="18" charset="0"/>
+            </a:endParaRPr>
+          </a:p>
+        </p:txBody>
+      </p:sp>
+      <p:sp>
+        <p:nvSpPr>
+          <p:cNvPr id="5" name="Sinal de Multiplicação 4">
+            <a:extLst>
+              <a:ext uri="{FF2B5EF4-FFF2-40B4-BE49-F238E27FC236}">
+                <a16:creationId xmlns:a16="http://schemas.microsoft.com/office/drawing/2014/main" id="{6ACB1976-DA5D-4E8A-A8B2-5DB9D0EE4738}"/>
+              </a:ext>
+            </a:extLst>
+          </p:cNvPr>
+          <p:cNvSpPr/>
+          <p:nvPr/>
+        </p:nvSpPr>
+        <p:spPr>
+          <a:xfrm>
+            <a:off x="8673157" y="5942849"/>
+            <a:ext cx="1809616" cy="687859"/>
+          </a:xfrm>
+          <a:prstGeom prst="mathMultiply">
+            <a:avLst>
+              <a:gd name="adj1" fmla="val 9155"/>
+            </a:avLst>
+          </a:prstGeom>
+          <a:solidFill>
+            <a:srgbClr val="FF0000"/>
+          </a:solidFill>
+          <a:ln>
+            <a:solidFill>
+              <a:srgbClr val="FF0000"/>
+            </a:solidFill>
+          </a:ln>
+        </p:spPr>
+        <p:style>
+          <a:lnRef idx="2">
+            <a:schemeClr val="accent1">
+              <a:shade val="50000"/>
+            </a:schemeClr>
+          </a:lnRef>
+          <a:fillRef idx="1">
+            <a:schemeClr val="accent1"/>
+          </a:fillRef>
+          <a:effectRef idx="0">
+            <a:schemeClr val="accent1"/>
+          </a:effectRef>
+          <a:fontRef idx="minor">
+            <a:schemeClr val="lt1"/>
+          </a:fontRef>
+        </p:style>
+        <p:txBody>
+          <a:bodyPr rtlCol="0" anchor="ctr"/>
+          <a:lstStyle/>
+          <a:p>
+            <a:pPr algn="ctr"/>
+            <a:endParaRPr lang="pt-BR"/>
+          </a:p>
+        </p:txBody>
+      </p:sp>
+      <p:sp>
+        <p:nvSpPr>
+          <p:cNvPr id="19" name="Retângulo 18">
+            <a:extLst>
+              <a:ext uri="{FF2B5EF4-FFF2-40B4-BE49-F238E27FC236}">
+                <a16:creationId xmlns:a16="http://schemas.microsoft.com/office/drawing/2014/main" id="{E246C60C-0C55-4B40-987D-C4288C8EBD60}"/>
+              </a:ext>
+            </a:extLst>
+          </p:cNvPr>
+          <p:cNvSpPr/>
+          <p:nvPr/>
+        </p:nvSpPr>
+        <p:spPr>
+          <a:xfrm>
+            <a:off x="1391935" y="3103311"/>
+            <a:ext cx="3614295" cy="593304"/>
+          </a:xfrm>
+          <a:prstGeom prst="rect">
+            <a:avLst/>
+          </a:prstGeom>
+        </p:spPr>
+        <p:txBody>
+          <a:bodyPr wrap="square">
+            <a:spAutoFit/>
+          </a:bodyPr>
+          <a:lstStyle/>
+          <a:p>
+            <a:pPr algn="ctr">
+              <a:lnSpc>
+                <a:spcPct val="107000"/>
+              </a:lnSpc>
+              <a:spcAft>
+                <a:spcPts val="800"/>
+              </a:spcAft>
+            </a:pPr>
+            <a:r>
+              <a:rPr lang="pt-BR" sz="3200" b="1" i="1" dirty="0">
+                <a:solidFill>
+                  <a:schemeClr val="bg1"/>
+                </a:solidFill>
+                <a:latin typeface="Times New Roman" panose="02020603050405020304" pitchFamily="18" charset="0"/>
+                <a:ea typeface="Calibri" panose="020F0502020204030204" pitchFamily="34" charset="0"/>
+                <a:cs typeface="Times New Roman" panose="02020603050405020304" pitchFamily="18" charset="0"/>
+              </a:rPr>
+              <a:t>Hipoglicemia</a:t>
+            </a:r>
+            <a:endParaRPr lang="pt-BR" sz="2400" dirty="0">
+              <a:solidFill>
+                <a:schemeClr val="bg1"/>
+              </a:solidFill>
+              <a:effectLst/>
+              <a:latin typeface="Calibri" panose="020F0502020204030204" pitchFamily="34" charset="0"/>
+              <a:ea typeface="Calibri" panose="020F0502020204030204" pitchFamily="34" charset="0"/>
+              <a:cs typeface="Times New Roman" panose="02020603050405020304" pitchFamily="18" charset="0"/>
+            </a:endParaRPr>
+          </a:p>
+        </p:txBody>
+      </p:sp>
+      <p:sp>
+        <p:nvSpPr>
+          <p:cNvPr id="20" name="Retângulo 19">
+            <a:extLst>
+              <a:ext uri="{FF2B5EF4-FFF2-40B4-BE49-F238E27FC236}">
+                <a16:creationId xmlns:a16="http://schemas.microsoft.com/office/drawing/2014/main" id="{1900813A-91FF-4037-B226-DEDC666E8E3A}"/>
+              </a:ext>
+            </a:extLst>
+          </p:cNvPr>
+          <p:cNvSpPr/>
+          <p:nvPr/>
+        </p:nvSpPr>
+        <p:spPr>
+          <a:xfrm>
+            <a:off x="1372475" y="4209391"/>
+            <a:ext cx="3614295" cy="593304"/>
+          </a:xfrm>
+          <a:prstGeom prst="rect">
+            <a:avLst/>
+          </a:prstGeom>
+        </p:spPr>
+        <p:txBody>
+          <a:bodyPr wrap="square">
+            <a:spAutoFit/>
+          </a:bodyPr>
+          <a:lstStyle/>
+          <a:p>
+            <a:pPr algn="ctr">
+              <a:lnSpc>
+                <a:spcPct val="107000"/>
+              </a:lnSpc>
+              <a:spcAft>
+                <a:spcPts val="800"/>
+              </a:spcAft>
+            </a:pPr>
+            <a:r>
+              <a:rPr lang="pt-BR" sz="3200" b="1" i="1" dirty="0">
+                <a:solidFill>
+                  <a:schemeClr val="bg1"/>
+                </a:solidFill>
+                <a:latin typeface="Times New Roman" panose="02020603050405020304" pitchFamily="18" charset="0"/>
+                <a:ea typeface="Calibri" panose="020F0502020204030204" pitchFamily="34" charset="0"/>
+                <a:cs typeface="Times New Roman" panose="02020603050405020304" pitchFamily="18" charset="0"/>
+              </a:rPr>
+              <a:t>Acidose Láctica</a:t>
+            </a:r>
+            <a:endParaRPr lang="pt-BR" sz="2400" dirty="0">
+              <a:solidFill>
+                <a:schemeClr val="bg1"/>
+              </a:solidFill>
+              <a:effectLst/>
+              <a:latin typeface="Calibri" panose="020F0502020204030204" pitchFamily="34" charset="0"/>
+              <a:ea typeface="Calibri" panose="020F0502020204030204" pitchFamily="34" charset="0"/>
+              <a:cs typeface="Times New Roman" panose="02020603050405020304" pitchFamily="18" charset="0"/>
+            </a:endParaRPr>
+          </a:p>
+        </p:txBody>
+      </p:sp>
+      <p:sp>
+        <p:nvSpPr>
+          <p:cNvPr id="21" name="Retângulo 20">
+            <a:extLst>
+              <a:ext uri="{FF2B5EF4-FFF2-40B4-BE49-F238E27FC236}">
+                <a16:creationId xmlns:a16="http://schemas.microsoft.com/office/drawing/2014/main" id="{10CC8D62-AC9B-46CD-B967-48C5FD4B431C}"/>
+              </a:ext>
+            </a:extLst>
+          </p:cNvPr>
+          <p:cNvSpPr/>
+          <p:nvPr/>
+        </p:nvSpPr>
+        <p:spPr>
+          <a:xfrm>
+            <a:off x="1450533" y="5288502"/>
+            <a:ext cx="3614295" cy="593304"/>
+          </a:xfrm>
+          <a:prstGeom prst="rect">
+            <a:avLst/>
+          </a:prstGeom>
+        </p:spPr>
+        <p:txBody>
+          <a:bodyPr wrap="square">
+            <a:spAutoFit/>
+          </a:bodyPr>
+          <a:lstStyle/>
+          <a:p>
+            <a:pPr algn="ctr">
+              <a:lnSpc>
+                <a:spcPct val="107000"/>
+              </a:lnSpc>
+              <a:spcAft>
+                <a:spcPts val="800"/>
+              </a:spcAft>
+            </a:pPr>
+            <a:r>
+              <a:rPr lang="pt-BR" sz="3200" b="1" i="1" dirty="0">
+                <a:solidFill>
+                  <a:schemeClr val="bg1"/>
+                </a:solidFill>
+                <a:latin typeface="Times New Roman" panose="02020603050405020304" pitchFamily="18" charset="0"/>
+                <a:ea typeface="Calibri" panose="020F0502020204030204" pitchFamily="34" charset="0"/>
+                <a:cs typeface="Times New Roman" panose="02020603050405020304" pitchFamily="18" charset="0"/>
+              </a:rPr>
+              <a:t>Hepatomegalia</a:t>
+            </a:r>
+            <a:endParaRPr lang="pt-BR" sz="2400" dirty="0">
+              <a:solidFill>
+                <a:schemeClr val="bg1"/>
+              </a:solidFill>
+              <a:effectLst/>
+              <a:latin typeface="Calibri" panose="020F0502020204030204" pitchFamily="34" charset="0"/>
+              <a:ea typeface="Calibri" panose="020F0502020204030204" pitchFamily="34" charset="0"/>
+              <a:cs typeface="Times New Roman" panose="02020603050405020304" pitchFamily="18" charset="0"/>
+            </a:endParaRPr>
+          </a:p>
+        </p:txBody>
+      </p:sp>
+    </p:spTree>
+    <p:extLst>
+      <p:ext uri="{BB962C8B-B14F-4D97-AF65-F5344CB8AC3E}">
+        <p14:creationId xmlns:p14="http://schemas.microsoft.com/office/powerpoint/2010/main" val="2083529058"/>
+      </p:ext>
+    </p:extLst>
+  </p:cSld>
+  <p:clrMapOvr>
+    <a:masterClrMapping/>
+  </p:clrMapOvr>
+  <p:transition spd="slow">
+    <p:push dir="u"/>
+  </p:transition>
+  <p:timing>
+    <p:tnLst>
+      <p:par>
+        <p:cTn id="1" dur="indefinite" restart="never" nodeType="tmRoot">
+          <p:childTnLst>
+            <p:seq concurrent="1" nextAc="seek">
+              <p:cTn id="2" dur="indefinite" nodeType="mainSeq">
+                <p:childTnLst>
+                  <p:par>
+                    <p:cTn id="3" fill="hold">
+                      <p:stCondLst>
+                        <p:cond delay="indefinite"/>
+                      </p:stCondLst>
+                      <p:childTnLst>
+                        <p:par>
+                          <p:cTn id="4" fill="hold">
+                            <p:stCondLst>
+                              <p:cond delay="0"/>
+                            </p:stCondLst>
+                            <p:childTnLst>
+                              <p:par>
+                                <p:cTn id="5" presetID="2" presetClass="entr" presetSubtype="8" fill="hold" grpId="0" nodeType="clickEffect">
+                                  <p:stCondLst>
+                                    <p:cond delay="0"/>
+                                  </p:stCondLst>
+                                  <p:childTnLst>
+                                    <p:set>
+                                      <p:cBhvr>
+                                        <p:cTn id="6" dur="1" fill="hold">
+                                          <p:stCondLst>
+                                            <p:cond delay="0"/>
+                                          </p:stCondLst>
+                                        </p:cTn>
+                                        <p:tgtEl>
+                                          <p:spTgt spid="19"/>
+                                        </p:tgtEl>
+                                        <p:attrNameLst>
+                                          <p:attrName>style.visibility</p:attrName>
+                                        </p:attrNameLst>
+                                      </p:cBhvr>
+                                      <p:to>
+                                        <p:strVal val="visible"/>
+                                      </p:to>
+                                    </p:set>
+                                    <p:anim calcmode="lin" valueType="num">
+                                      <p:cBhvr additive="base">
+                                        <p:cTn id="7" dur="500" fill="hold"/>
+                                        <p:tgtEl>
+                                          <p:spTgt spid="19"/>
+                                        </p:tgtEl>
+                                        <p:attrNameLst>
+                                          <p:attrName>ppt_x</p:attrName>
+                                        </p:attrNameLst>
+                                      </p:cBhvr>
+                                      <p:tavLst>
+                                        <p:tav tm="0">
+                                          <p:val>
+                                            <p:strVal val="0-#ppt_w/2"/>
+                                          </p:val>
+                                        </p:tav>
+                                        <p:tav tm="100000">
+                                          <p:val>
+                                            <p:strVal val="#ppt_x"/>
+                                          </p:val>
+                                        </p:tav>
+                                      </p:tavLst>
+                                    </p:anim>
+                                    <p:anim calcmode="lin" valueType="num">
+                                      <p:cBhvr additive="base">
+                                        <p:cTn id="8" dur="500" fill="hold"/>
+                                        <p:tgtEl>
+                                          <p:spTgt spid="19"/>
+                                        </p:tgtEl>
+                                        <p:attrNameLst>
+                                          <p:attrName>ppt_y</p:attrName>
+                                        </p:attrNameLst>
+                                      </p:cBhvr>
+                                      <p:tavLst>
+                                        <p:tav tm="0">
+                                          <p:val>
+                                            <p:strVal val="#ppt_y"/>
+                                          </p:val>
+                                        </p:tav>
+                                        <p:tav tm="100000">
+                                          <p:val>
+                                            <p:strVal val="#ppt_y"/>
+                                          </p:val>
+                                        </p:tav>
+                                      </p:tavLst>
+                                    </p:anim>
+                                  </p:childTnLst>
+                                </p:cTn>
+                              </p:par>
+                              <p:par>
+                                <p:cTn id="9" presetID="2" presetClass="entr" presetSubtype="8" fill="hold" grpId="0" nodeType="withEffect">
+                                  <p:stCondLst>
+                                    <p:cond delay="0"/>
+                                  </p:stCondLst>
+                                  <p:childTnLst>
+                                    <p:set>
+                                      <p:cBhvr>
+                                        <p:cTn id="10" dur="1" fill="hold">
+                                          <p:stCondLst>
+                                            <p:cond delay="0"/>
+                                          </p:stCondLst>
+                                        </p:cTn>
+                                        <p:tgtEl>
+                                          <p:spTgt spid="20"/>
+                                        </p:tgtEl>
+                                        <p:attrNameLst>
+                                          <p:attrName>style.visibility</p:attrName>
+                                        </p:attrNameLst>
+                                      </p:cBhvr>
+                                      <p:to>
+                                        <p:strVal val="visible"/>
+                                      </p:to>
+                                    </p:set>
+                                    <p:anim calcmode="lin" valueType="num">
+                                      <p:cBhvr additive="base">
+                                        <p:cTn id="11" dur="500" fill="hold"/>
+                                        <p:tgtEl>
+                                          <p:spTgt spid="20"/>
+                                        </p:tgtEl>
+                                        <p:attrNameLst>
+                                          <p:attrName>ppt_x</p:attrName>
+                                        </p:attrNameLst>
+                                      </p:cBhvr>
+                                      <p:tavLst>
+                                        <p:tav tm="0">
+                                          <p:val>
+                                            <p:strVal val="0-#ppt_w/2"/>
+                                          </p:val>
+                                        </p:tav>
+                                        <p:tav tm="100000">
+                                          <p:val>
+                                            <p:strVal val="#ppt_x"/>
+                                          </p:val>
+                                        </p:tav>
+                                      </p:tavLst>
+                                    </p:anim>
+                                    <p:anim calcmode="lin" valueType="num">
+                                      <p:cBhvr additive="base">
+                                        <p:cTn id="12" dur="500" fill="hold"/>
+                                        <p:tgtEl>
+                                          <p:spTgt spid="20"/>
+                                        </p:tgtEl>
+                                        <p:attrNameLst>
+                                          <p:attrName>ppt_y</p:attrName>
+                                        </p:attrNameLst>
+                                      </p:cBhvr>
+                                      <p:tavLst>
+                                        <p:tav tm="0">
+                                          <p:val>
+                                            <p:strVal val="#ppt_y"/>
+                                          </p:val>
+                                        </p:tav>
+                                        <p:tav tm="100000">
+                                          <p:val>
+                                            <p:strVal val="#ppt_y"/>
+                                          </p:val>
+                                        </p:tav>
+                                      </p:tavLst>
+                                    </p:anim>
+                                  </p:childTnLst>
+                                </p:cTn>
+                              </p:par>
+                              <p:par>
+                                <p:cTn id="13" presetID="2" presetClass="entr" presetSubtype="8" fill="hold" grpId="0" nodeType="withEffect">
+                                  <p:stCondLst>
+                                    <p:cond delay="0"/>
+                                  </p:stCondLst>
+                                  <p:childTnLst>
+                                    <p:set>
+                                      <p:cBhvr>
+                                        <p:cTn id="14" dur="1" fill="hold">
+                                          <p:stCondLst>
+                                            <p:cond delay="0"/>
+                                          </p:stCondLst>
+                                        </p:cTn>
+                                        <p:tgtEl>
+                                          <p:spTgt spid="21"/>
+                                        </p:tgtEl>
+                                        <p:attrNameLst>
+                                          <p:attrName>style.visibility</p:attrName>
+                                        </p:attrNameLst>
+                                      </p:cBhvr>
+                                      <p:to>
+                                        <p:strVal val="visible"/>
+                                      </p:to>
+                                    </p:set>
+                                    <p:anim calcmode="lin" valueType="num">
+                                      <p:cBhvr additive="base">
+                                        <p:cTn id="15" dur="500" fill="hold"/>
+                                        <p:tgtEl>
+                                          <p:spTgt spid="21"/>
+                                        </p:tgtEl>
+                                        <p:attrNameLst>
+                                          <p:attrName>ppt_x</p:attrName>
+                                        </p:attrNameLst>
+                                      </p:cBhvr>
+                                      <p:tavLst>
+                                        <p:tav tm="0">
+                                          <p:val>
+                                            <p:strVal val="0-#ppt_w/2"/>
+                                          </p:val>
+                                        </p:tav>
+                                        <p:tav tm="100000">
+                                          <p:val>
+                                            <p:strVal val="#ppt_x"/>
+                                          </p:val>
+                                        </p:tav>
+                                      </p:tavLst>
+                                    </p:anim>
+                                    <p:anim calcmode="lin" valueType="num">
+                                      <p:cBhvr additive="base">
+                                        <p:cTn id="16" dur="500" fill="hold"/>
+                                        <p:tgtEl>
+                                          <p:spTgt spid="21"/>
+                                        </p:tgtEl>
+                                        <p:attrNameLst>
+                                          <p:attrName>ppt_y</p:attrName>
+                                        </p:attrNameLst>
+                                      </p:cBhvr>
+                                      <p:tavLst>
+                                        <p:tav tm="0">
+                                          <p:val>
+                                            <p:strVal val="#ppt_y"/>
+                                          </p:val>
+                                        </p:tav>
+                                        <p:tav tm="100000">
+                                          <p:val>
+                                            <p:strVal val="#ppt_y"/>
+                                          </p:val>
+                                        </p:tav>
+                                      </p:tavLst>
+                                    </p:anim>
+                                  </p:childTnLst>
+                                </p:cTn>
+                              </p:par>
+                            </p:childTnLst>
+                          </p:cTn>
+                        </p:par>
+                      </p:childTnLst>
+                    </p:cTn>
+                  </p:par>
+                </p:childTnLst>
+              </p:cTn>
+              <p:prevCondLst>
+                <p:cond evt="onPrev" delay="0">
+                  <p:tgtEl>
+                    <p:sldTgt/>
+                  </p:tgtEl>
+                </p:cond>
+              </p:prevCondLst>
+              <p:nextCondLst>
+                <p:cond evt="onNext" delay="0">
+                  <p:tgtEl>
+                    <p:sldTgt/>
+                  </p:tgtEl>
+                </p:cond>
+              </p:nextCondLst>
+            </p:seq>
+          </p:childTnLst>
+        </p:cTn>
+      </p:par>
+    </p:tnLst>
+    <p:bldLst>
+      <p:bldP spid="19" grpId="0"/>
+      <p:bldP spid="20" grpId="0"/>
+      <p:bldP spid="21" grpId="0"/>
+    </p:bldLst>
+  </p:timing>
+</p:sld>
+</file>
+
+<file path=ppt/slides/slide22.xml><?xml version="1.0" encoding="utf-8"?>
+<p:sld xmlns:a="http://schemas.openxmlformats.org/drawingml/2006/main" xmlns:r="http://schemas.openxmlformats.org/officeDocument/2006/relationships" xmlns:p="http://schemas.openxmlformats.org/presentationml/2006/main">
+  <p:cSld>
+    <p:spTree>
+      <p:nvGrpSpPr>
+        <p:cNvPr id="1" name=""/>
+        <p:cNvGrpSpPr/>
+        <p:nvPr/>
+      </p:nvGrpSpPr>
+      <p:grpSpPr>
+        <a:xfrm>
+          <a:off x="0" y="0"/>
+          <a:ext cx="0" cy="0"/>
+          <a:chOff x="0" y="0"/>
+          <a:chExt cx="0" cy="0"/>
+        </a:xfrm>
+      </p:grpSpPr>
+      <p:sp>
+        <p:nvSpPr>
+          <p:cNvPr id="2" name="Retângulo 1">
+            <a:extLst>
+              <a:ext uri="{FF2B5EF4-FFF2-40B4-BE49-F238E27FC236}">
+                <a16:creationId xmlns:a16="http://schemas.microsoft.com/office/drawing/2014/main" id="{C70A2D4E-AA3C-48A2-9248-0DF969278203}"/>
+              </a:ext>
+            </a:extLst>
+          </p:cNvPr>
+          <p:cNvSpPr/>
+          <p:nvPr/>
+        </p:nvSpPr>
+        <p:spPr>
+          <a:xfrm>
+            <a:off x="1093566" y="2611981"/>
+            <a:ext cx="10004867" cy="1722331"/>
+          </a:xfrm>
+          <a:prstGeom prst="rect">
+            <a:avLst/>
+          </a:prstGeom>
+        </p:spPr>
+        <p:txBody>
+          <a:bodyPr wrap="square">
+            <a:spAutoFit/>
+          </a:bodyPr>
+          <a:lstStyle/>
+          <a:p>
+            <a:pPr lvl="0" algn="ctr">
+              <a:lnSpc>
+                <a:spcPct val="107000"/>
+              </a:lnSpc>
+              <a:spcAft>
+                <a:spcPts val="800"/>
+              </a:spcAft>
+            </a:pPr>
+            <a:r>
+              <a:rPr lang="pt-BR" sz="4800" b="1" i="1" dirty="0">
+                <a:solidFill>
+                  <a:prstClr val="white"/>
+                </a:solidFill>
+                <a:latin typeface="Times New Roman" panose="02020603050405020304" pitchFamily="18" charset="0"/>
+                <a:ea typeface="Calibri" panose="020F0502020204030204" pitchFamily="34" charset="0"/>
+                <a:cs typeface="Times New Roman" panose="02020603050405020304" pitchFamily="18" charset="0"/>
+              </a:rPr>
+              <a:t>Prática #04</a:t>
+            </a:r>
+          </a:p>
+          <a:p>
+            <a:pPr lvl="0" algn="ctr">
+              <a:lnSpc>
+                <a:spcPct val="107000"/>
+              </a:lnSpc>
+              <a:spcAft>
+                <a:spcPts val="800"/>
+              </a:spcAft>
+            </a:pPr>
+            <a:r>
+              <a:rPr lang="pt-BR" sz="4800" b="1" i="1" dirty="0">
+                <a:solidFill>
+                  <a:prstClr val="white"/>
+                </a:solidFill>
+                <a:latin typeface="Times New Roman" panose="02020603050405020304" pitchFamily="18" charset="0"/>
+                <a:ea typeface="Calibri" panose="020F0502020204030204" pitchFamily="34" charset="0"/>
+                <a:cs typeface="Times New Roman" panose="02020603050405020304" pitchFamily="18" charset="0"/>
+              </a:rPr>
+              <a:t>Resolução de problema</a:t>
+            </a:r>
+          </a:p>
+        </p:txBody>
+      </p:sp>
+    </p:spTree>
+    <p:extLst>
+      <p:ext uri="{BB962C8B-B14F-4D97-AF65-F5344CB8AC3E}">
+        <p14:creationId xmlns:p14="http://schemas.microsoft.com/office/powerpoint/2010/main" val="1810178506"/>
+      </p:ext>
+    </p:extLst>
+  </p:cSld>
+  <p:clrMapOvr>
+    <a:masterClrMapping/>
+  </p:clrMapOvr>
+</p:sld>
+</file>
+
+<file path=ppt/slides/slide23.xml><?xml version="1.0" encoding="utf-8"?>
+<p:sld xmlns:a="http://schemas.openxmlformats.org/drawingml/2006/main" xmlns:r="http://schemas.openxmlformats.org/officeDocument/2006/relationships" xmlns:p="http://schemas.openxmlformats.org/presentationml/2006/main">
+  <p:cSld>
+    <p:spTree>
+      <p:nvGrpSpPr>
+        <p:cNvPr id="1" name=""/>
+        <p:cNvGrpSpPr/>
+        <p:nvPr/>
+      </p:nvGrpSpPr>
+      <p:grpSpPr>
+        <a:xfrm>
+          <a:off x="0" y="0"/>
+          <a:ext cx="0" cy="0"/>
+          <a:chOff x="0" y="0"/>
+          <a:chExt cx="0" cy="0"/>
+        </a:xfrm>
+      </p:grpSpPr>
+      <p:sp>
+        <p:nvSpPr>
           <p:cNvPr id="4" name="Retângulo: Cantos Arredondados 3">
             <a:extLst>
               <a:ext uri="{FF2B5EF4-FFF2-40B4-BE49-F238E27FC236}">
@@ -14593,7 +15227,7 @@
 </p:sld>
 </file>
 
-<file path=ppt/slides/slide21.xml><?xml version="1.0" encoding="utf-8"?>
+<file path=ppt/slides/slide24.xml><?xml version="1.0" encoding="utf-8"?>
 <p:sld xmlns:a="http://schemas.openxmlformats.org/drawingml/2006/main" xmlns:r="http://schemas.openxmlformats.org/officeDocument/2006/relationships" xmlns:p="http://schemas.openxmlformats.org/presentationml/2006/main">
   <p:cSld>
     <p:spTree>
@@ -15286,7 +15920,7 @@
 </p:sld>
 </file>
 
-<file path=ppt/slides/slide22.xml><?xml version="1.0" encoding="utf-8"?>
+<file path=ppt/slides/slide25.xml><?xml version="1.0" encoding="utf-8"?>
 <p:sld xmlns:a="http://schemas.openxmlformats.org/drawingml/2006/main" xmlns:r="http://schemas.openxmlformats.org/officeDocument/2006/relationships" xmlns:p="http://schemas.openxmlformats.org/presentationml/2006/main">
   <p:cSld>
     <p:spTree>
@@ -15452,7 +16086,7 @@
 </p:sld>
 </file>
 
-<file path=ppt/slides/slide23.xml><?xml version="1.0" encoding="utf-8"?>
+<file path=ppt/slides/slide26.xml><?xml version="1.0" encoding="utf-8"?>
 <p:sld xmlns:a="http://schemas.openxmlformats.org/drawingml/2006/main" xmlns:r="http://schemas.openxmlformats.org/officeDocument/2006/relationships" xmlns:p="http://schemas.openxmlformats.org/presentationml/2006/main">
   <p:cSld>
     <p:spTree>
@@ -15763,7 +16397,7 @@
 </p:sld>
 </file>
 
-<file path=ppt/slides/slide24.xml><?xml version="1.0" encoding="utf-8"?>
+<file path=ppt/slides/slide27.xml><?xml version="1.0" encoding="utf-8"?>
 <p:sld xmlns:a="http://schemas.openxmlformats.org/drawingml/2006/main" xmlns:r="http://schemas.openxmlformats.org/officeDocument/2006/relationships" xmlns:p="http://schemas.openxmlformats.org/presentationml/2006/main">
   <p:cSld>
     <p:spTree>
@@ -15988,333 +16622,6 @@
     <p:extLst>
       <p:ext uri="{BB962C8B-B14F-4D97-AF65-F5344CB8AC3E}">
         <p14:creationId xmlns:p14="http://schemas.microsoft.com/office/powerpoint/2010/main" val="1822828291"/>
-      </p:ext>
-    </p:extLst>
-  </p:cSld>
-  <p:clrMapOvr>
-    <a:masterClrMapping/>
-  </p:clrMapOvr>
-</p:sld>
-</file>
-
-<file path=ppt/slides/slide25.xml><?xml version="1.0" encoding="utf-8"?>
-<p:sld xmlns:a="http://schemas.openxmlformats.org/drawingml/2006/main" xmlns:r="http://schemas.openxmlformats.org/officeDocument/2006/relationships" xmlns:p="http://schemas.openxmlformats.org/presentationml/2006/main">
-  <p:cSld>
-    <p:spTree>
-      <p:nvGrpSpPr>
-        <p:cNvPr id="1" name=""/>
-        <p:cNvGrpSpPr/>
-        <p:nvPr/>
-      </p:nvGrpSpPr>
-      <p:grpSpPr>
-        <a:xfrm>
-          <a:off x="0" y="0"/>
-          <a:ext cx="0" cy="0"/>
-          <a:chOff x="0" y="0"/>
-          <a:chExt cx="0" cy="0"/>
-        </a:xfrm>
-      </p:grpSpPr>
-      <p:sp>
-        <p:nvSpPr>
-          <p:cNvPr id="2" name="Retângulo 1">
-            <a:extLst>
-              <a:ext uri="{FF2B5EF4-FFF2-40B4-BE49-F238E27FC236}">
-                <a16:creationId xmlns:a16="http://schemas.microsoft.com/office/drawing/2014/main" id="{C70A2D4E-AA3C-48A2-9248-0DF969278203}"/>
-              </a:ext>
-            </a:extLst>
-          </p:cNvPr>
-          <p:cNvSpPr/>
-          <p:nvPr/>
-        </p:nvSpPr>
-        <p:spPr>
-          <a:xfrm>
-            <a:off x="1093566" y="2711675"/>
-            <a:ext cx="10004867" cy="829394"/>
-          </a:xfrm>
-          <a:prstGeom prst="rect">
-            <a:avLst/>
-          </a:prstGeom>
-        </p:spPr>
-        <p:txBody>
-          <a:bodyPr wrap="square">
-            <a:spAutoFit/>
-          </a:bodyPr>
-          <a:lstStyle/>
-          <a:p>
-            <a:pPr marL="0" marR="0" lvl="0" indent="0" algn="ctr" defTabSz="914400" rtl="0" eaLnBrk="1" fontAlgn="auto" latinLnBrk="0" hangingPunct="1">
-              <a:lnSpc>
-                <a:spcPct val="107000"/>
-              </a:lnSpc>
-              <a:spcBef>
-                <a:spcPts val="0"/>
-              </a:spcBef>
-              <a:spcAft>
-                <a:spcPts val="800"/>
-              </a:spcAft>
-              <a:buClrTx/>
-              <a:buSzTx/>
-              <a:buFontTx/>
-              <a:buNone/>
-              <a:tabLst/>
-              <a:defRPr/>
-            </a:pPr>
-            <a:r>
-              <a:rPr kumimoji="0" lang="pt-BR" sz="4800" b="1" i="1" u="none" strike="noStrike" kern="1200" cap="none" spc="0" normalizeH="0" baseline="0" noProof="0" dirty="0">
-                <a:ln>
-                  <a:noFill/>
-                </a:ln>
-                <a:solidFill>
-                  <a:prstClr val="white"/>
-                </a:solidFill>
-                <a:effectLst/>
-                <a:uLnTx/>
-                <a:uFillTx/>
-                <a:latin typeface="Times New Roman" panose="02020603050405020304" pitchFamily="18" charset="0"/>
-                <a:ea typeface="Calibri" panose="020F0502020204030204" pitchFamily="34" charset="0"/>
-                <a:cs typeface="Times New Roman" panose="02020603050405020304" pitchFamily="18" charset="0"/>
-              </a:rPr>
-              <a:t>Como a glicose entra e sai da célula?</a:t>
-            </a:r>
-          </a:p>
-        </p:txBody>
-      </p:sp>
-    </p:spTree>
-    <p:extLst>
-      <p:ext uri="{BB962C8B-B14F-4D97-AF65-F5344CB8AC3E}">
-        <p14:creationId xmlns:p14="http://schemas.microsoft.com/office/powerpoint/2010/main" val="1467623235"/>
-      </p:ext>
-    </p:extLst>
-  </p:cSld>
-  <p:clrMapOvr>
-    <a:masterClrMapping/>
-  </p:clrMapOvr>
-</p:sld>
-</file>
-
-<file path=ppt/slides/slide26.xml><?xml version="1.0" encoding="utf-8"?>
-<p:sld xmlns:a="http://schemas.openxmlformats.org/drawingml/2006/main" xmlns:r="http://schemas.openxmlformats.org/officeDocument/2006/relationships" xmlns:p="http://schemas.openxmlformats.org/presentationml/2006/main">
-  <p:cSld>
-    <p:spTree>
-      <p:nvGrpSpPr>
-        <p:cNvPr id="1" name=""/>
-        <p:cNvGrpSpPr/>
-        <p:nvPr/>
-      </p:nvGrpSpPr>
-      <p:grpSpPr>
-        <a:xfrm>
-          <a:off x="0" y="0"/>
-          <a:ext cx="0" cy="0"/>
-          <a:chOff x="0" y="0"/>
-          <a:chExt cx="0" cy="0"/>
-        </a:xfrm>
-      </p:grpSpPr>
-      <p:sp>
-        <p:nvSpPr>
-          <p:cNvPr id="2" name="Retângulo 1">
-            <a:extLst>
-              <a:ext uri="{FF2B5EF4-FFF2-40B4-BE49-F238E27FC236}">
-                <a16:creationId xmlns:a16="http://schemas.microsoft.com/office/drawing/2014/main" id="{C70A2D4E-AA3C-48A2-9248-0DF969278203}"/>
-              </a:ext>
-            </a:extLst>
-          </p:cNvPr>
-          <p:cNvSpPr/>
-          <p:nvPr/>
-        </p:nvSpPr>
-        <p:spPr>
-          <a:xfrm>
-            <a:off x="1093566" y="2619130"/>
-            <a:ext cx="10004867" cy="1619739"/>
-          </a:xfrm>
-          <a:prstGeom prst="rect">
-            <a:avLst/>
-          </a:prstGeom>
-        </p:spPr>
-        <p:txBody>
-          <a:bodyPr wrap="square">
-            <a:spAutoFit/>
-          </a:bodyPr>
-          <a:lstStyle/>
-          <a:p>
-            <a:pPr marL="0" marR="0" lvl="0" indent="0" algn="ctr" defTabSz="914400" rtl="0" eaLnBrk="1" fontAlgn="auto" latinLnBrk="0" hangingPunct="1">
-              <a:lnSpc>
-                <a:spcPct val="107000"/>
-              </a:lnSpc>
-              <a:spcBef>
-                <a:spcPts val="0"/>
-              </a:spcBef>
-              <a:spcAft>
-                <a:spcPts val="800"/>
-              </a:spcAft>
-              <a:buClrTx/>
-              <a:buSzTx/>
-              <a:buFontTx/>
-              <a:buNone/>
-              <a:tabLst/>
-              <a:defRPr/>
-            </a:pPr>
-            <a:r>
-              <a:rPr kumimoji="0" lang="pt-BR" sz="4800" b="1" i="1" u="none" strike="noStrike" kern="1200" cap="none" spc="0" normalizeH="0" baseline="0" noProof="0" dirty="0">
-                <a:ln>
-                  <a:noFill/>
-                </a:ln>
-                <a:solidFill>
-                  <a:prstClr val="white"/>
-                </a:solidFill>
-                <a:effectLst/>
-                <a:uLnTx/>
-                <a:uFillTx/>
-                <a:latin typeface="Times New Roman" panose="02020603050405020304" pitchFamily="18" charset="0"/>
-                <a:ea typeface="Calibri" panose="020F0502020204030204" pitchFamily="34" charset="0"/>
-                <a:cs typeface="Times New Roman" panose="02020603050405020304" pitchFamily="18" charset="0"/>
-              </a:rPr>
-              <a:t>Por que a glicose-6-fosfato não atravessa a membrana celular?</a:t>
-            </a:r>
-          </a:p>
-        </p:txBody>
-      </p:sp>
-    </p:spTree>
-    <p:extLst>
-      <p:ext uri="{BB962C8B-B14F-4D97-AF65-F5344CB8AC3E}">
-        <p14:creationId xmlns:p14="http://schemas.microsoft.com/office/powerpoint/2010/main" val="784886797"/>
-      </p:ext>
-    </p:extLst>
-  </p:cSld>
-  <p:clrMapOvr>
-    <a:masterClrMapping/>
-  </p:clrMapOvr>
-</p:sld>
-</file>
-
-<file path=ppt/slides/slide27.xml><?xml version="1.0" encoding="utf-8"?>
-<p:sld xmlns:a="http://schemas.openxmlformats.org/drawingml/2006/main" xmlns:r="http://schemas.openxmlformats.org/officeDocument/2006/relationships" xmlns:p="http://schemas.openxmlformats.org/presentationml/2006/main">
-  <p:cSld>
-    <p:spTree>
-      <p:nvGrpSpPr>
-        <p:cNvPr id="1" name=""/>
-        <p:cNvGrpSpPr/>
-        <p:nvPr/>
-      </p:nvGrpSpPr>
-      <p:grpSpPr>
-        <a:xfrm>
-          <a:off x="0" y="0"/>
-          <a:ext cx="0" cy="0"/>
-          <a:chOff x="0" y="0"/>
-          <a:chExt cx="0" cy="0"/>
-        </a:xfrm>
-      </p:grpSpPr>
-      <p:sp>
-        <p:nvSpPr>
-          <p:cNvPr id="2" name="Retângulo 1">
-            <a:extLst>
-              <a:ext uri="{FF2B5EF4-FFF2-40B4-BE49-F238E27FC236}">
-                <a16:creationId xmlns:a16="http://schemas.microsoft.com/office/drawing/2014/main" id="{C70A2D4E-AA3C-48A2-9248-0DF969278203}"/>
-              </a:ext>
-            </a:extLst>
-          </p:cNvPr>
-          <p:cNvSpPr/>
-          <p:nvPr/>
-        </p:nvSpPr>
-        <p:spPr>
-          <a:xfrm>
-            <a:off x="1093566" y="1828786"/>
-            <a:ext cx="10004867" cy="3200428"/>
-          </a:xfrm>
-          <a:prstGeom prst="rect">
-            <a:avLst/>
-          </a:prstGeom>
-        </p:spPr>
-        <p:txBody>
-          <a:bodyPr wrap="square">
-            <a:spAutoFit/>
-          </a:bodyPr>
-          <a:lstStyle/>
-          <a:p>
-            <a:pPr marL="0" marR="0" lvl="0" indent="0" algn="ctr" defTabSz="914400" rtl="0" eaLnBrk="1" fontAlgn="auto" latinLnBrk="0" hangingPunct="1">
-              <a:lnSpc>
-                <a:spcPct val="107000"/>
-              </a:lnSpc>
-              <a:spcBef>
-                <a:spcPts val="0"/>
-              </a:spcBef>
-              <a:spcAft>
-                <a:spcPts val="800"/>
-              </a:spcAft>
-              <a:buClrTx/>
-              <a:buSzTx/>
-              <a:buFontTx/>
-              <a:buNone/>
-              <a:tabLst/>
-              <a:defRPr/>
-            </a:pPr>
-            <a:r>
-              <a:rPr kumimoji="0" lang="pt-BR" sz="4800" b="1" i="1" u="none" strike="noStrike" kern="1200" cap="none" spc="0" normalizeH="0" baseline="0" noProof="0" dirty="0">
-                <a:ln>
-                  <a:noFill/>
-                </a:ln>
-                <a:solidFill>
-                  <a:prstClr val="white"/>
-                </a:solidFill>
-                <a:effectLst/>
-                <a:uLnTx/>
-                <a:uFillTx/>
-                <a:latin typeface="Times New Roman" panose="02020603050405020304" pitchFamily="18" charset="0"/>
-                <a:ea typeface="Calibri" panose="020F0502020204030204" pitchFamily="34" charset="0"/>
-                <a:cs typeface="Times New Roman" panose="02020603050405020304" pitchFamily="18" charset="0"/>
-              </a:rPr>
-              <a:t>Por que o piruvato e o lactato não são convertido em glicose via gliconeogênese em casos de </a:t>
-            </a:r>
-            <a:r>
-              <a:rPr kumimoji="0" lang="pt-BR" sz="4800" b="1" i="1" u="none" strike="noStrike" kern="1200" cap="none" spc="0" normalizeH="0" baseline="0" noProof="0" dirty="0" err="1">
-                <a:ln>
-                  <a:noFill/>
-                </a:ln>
-                <a:solidFill>
-                  <a:prstClr val="white"/>
-                </a:solidFill>
-                <a:effectLst/>
-                <a:uLnTx/>
-                <a:uFillTx/>
-                <a:latin typeface="Times New Roman" panose="02020603050405020304" pitchFamily="18" charset="0"/>
-                <a:ea typeface="Calibri" panose="020F0502020204030204" pitchFamily="34" charset="0"/>
-                <a:cs typeface="Times New Roman" panose="02020603050405020304" pitchFamily="18" charset="0"/>
-              </a:rPr>
-              <a:t>glicogeno</a:t>
-            </a:r>
-            <a:r>
-              <a:rPr lang="pt-BR" sz="4800" b="1" i="1" dirty="0">
-                <a:solidFill>
-                  <a:prstClr val="white"/>
-                </a:solidFill>
-                <a:latin typeface="Times New Roman" panose="02020603050405020304" pitchFamily="18" charset="0"/>
-                <a:ea typeface="Calibri" panose="020F0502020204030204" pitchFamily="34" charset="0"/>
-                <a:cs typeface="Times New Roman" panose="02020603050405020304" pitchFamily="18" charset="0"/>
-              </a:rPr>
-              <a:t>lise do tipo 1</a:t>
-            </a:r>
-            <a:r>
-              <a:rPr kumimoji="0" lang="pt-BR" sz="4800" b="1" i="1" u="none" strike="noStrike" kern="1200" cap="none" spc="0" normalizeH="0" baseline="0" noProof="0" dirty="0">
-                <a:ln>
-                  <a:noFill/>
-                </a:ln>
-                <a:solidFill>
-                  <a:prstClr val="white"/>
-                </a:solidFill>
-                <a:effectLst/>
-                <a:uLnTx/>
-                <a:uFillTx/>
-                <a:latin typeface="Times New Roman" panose="02020603050405020304" pitchFamily="18" charset="0"/>
-                <a:ea typeface="Calibri" panose="020F0502020204030204" pitchFamily="34" charset="0"/>
-                <a:cs typeface="Times New Roman" panose="02020603050405020304" pitchFamily="18" charset="0"/>
-              </a:rPr>
-              <a:t>?</a:t>
-            </a:r>
-          </a:p>
-        </p:txBody>
-      </p:sp>
-    </p:spTree>
-    <p:extLst>
-      <p:ext uri="{BB962C8B-B14F-4D97-AF65-F5344CB8AC3E}">
-        <p14:creationId xmlns:p14="http://schemas.microsoft.com/office/powerpoint/2010/main" val="1934001127"/>
       </p:ext>
     </p:extLst>
   </p:cSld>
@@ -16355,8 +16662,8 @@
         </p:nvSpPr>
         <p:spPr>
           <a:xfrm>
-            <a:off x="1093566" y="2223958"/>
-            <a:ext cx="10004867" cy="2410083"/>
+            <a:off x="1093566" y="2711675"/>
+            <a:ext cx="10004867" cy="829394"/>
           </a:xfrm>
           <a:prstGeom prst="rect">
             <a:avLst/>
@@ -16400,7 +16707,7 @@
                 <a:ea typeface="Calibri" panose="020F0502020204030204" pitchFamily="34" charset="0"/>
                 <a:cs typeface="Times New Roman" panose="02020603050405020304" pitchFamily="18" charset="0"/>
               </a:rPr>
-              <a:t>Por que é desvantajoso para célula armazenar glicose em sua forma monomérica dentro da célula?</a:t>
+              <a:t>Como a glicose entra e sai da célula?</a:t>
             </a:r>
           </a:p>
         </p:txBody>
@@ -16408,7 +16715,101 @@
     </p:spTree>
     <p:extLst>
       <p:ext uri="{BB962C8B-B14F-4D97-AF65-F5344CB8AC3E}">
-        <p14:creationId xmlns:p14="http://schemas.microsoft.com/office/powerpoint/2010/main" val="2216507822"/>
+        <p14:creationId xmlns:p14="http://schemas.microsoft.com/office/powerpoint/2010/main" val="1467623235"/>
+      </p:ext>
+    </p:extLst>
+  </p:cSld>
+  <p:clrMapOvr>
+    <a:masterClrMapping/>
+  </p:clrMapOvr>
+</p:sld>
+</file>
+
+<file path=ppt/slides/slide29.xml><?xml version="1.0" encoding="utf-8"?>
+<p:sld xmlns:a="http://schemas.openxmlformats.org/drawingml/2006/main" xmlns:r="http://schemas.openxmlformats.org/officeDocument/2006/relationships" xmlns:p="http://schemas.openxmlformats.org/presentationml/2006/main">
+  <p:cSld>
+    <p:spTree>
+      <p:nvGrpSpPr>
+        <p:cNvPr id="1" name=""/>
+        <p:cNvGrpSpPr/>
+        <p:nvPr/>
+      </p:nvGrpSpPr>
+      <p:grpSpPr>
+        <a:xfrm>
+          <a:off x="0" y="0"/>
+          <a:ext cx="0" cy="0"/>
+          <a:chOff x="0" y="0"/>
+          <a:chExt cx="0" cy="0"/>
+        </a:xfrm>
+      </p:grpSpPr>
+      <p:sp>
+        <p:nvSpPr>
+          <p:cNvPr id="2" name="Retângulo 1">
+            <a:extLst>
+              <a:ext uri="{FF2B5EF4-FFF2-40B4-BE49-F238E27FC236}">
+                <a16:creationId xmlns:a16="http://schemas.microsoft.com/office/drawing/2014/main" id="{C70A2D4E-AA3C-48A2-9248-0DF969278203}"/>
+              </a:ext>
+            </a:extLst>
+          </p:cNvPr>
+          <p:cNvSpPr/>
+          <p:nvPr/>
+        </p:nvSpPr>
+        <p:spPr>
+          <a:xfrm>
+            <a:off x="1093566" y="2619130"/>
+            <a:ext cx="10004867" cy="1619739"/>
+          </a:xfrm>
+          <a:prstGeom prst="rect">
+            <a:avLst/>
+          </a:prstGeom>
+        </p:spPr>
+        <p:txBody>
+          <a:bodyPr wrap="square">
+            <a:spAutoFit/>
+          </a:bodyPr>
+          <a:lstStyle/>
+          <a:p>
+            <a:pPr marL="0" marR="0" lvl="0" indent="0" algn="ctr" defTabSz="914400" rtl="0" eaLnBrk="1" fontAlgn="auto" latinLnBrk="0" hangingPunct="1">
+              <a:lnSpc>
+                <a:spcPct val="107000"/>
+              </a:lnSpc>
+              <a:spcBef>
+                <a:spcPts val="0"/>
+              </a:spcBef>
+              <a:spcAft>
+                <a:spcPts val="800"/>
+              </a:spcAft>
+              <a:buClrTx/>
+              <a:buSzTx/>
+              <a:buFontTx/>
+              <a:buNone/>
+              <a:tabLst/>
+              <a:defRPr/>
+            </a:pPr>
+            <a:r>
+              <a:rPr kumimoji="0" lang="pt-BR" sz="4800" b="1" i="1" u="none" strike="noStrike" kern="1200" cap="none" spc="0" normalizeH="0" baseline="0" noProof="0" dirty="0">
+                <a:ln>
+                  <a:noFill/>
+                </a:ln>
+                <a:solidFill>
+                  <a:prstClr val="white"/>
+                </a:solidFill>
+                <a:effectLst/>
+                <a:uLnTx/>
+                <a:uFillTx/>
+                <a:latin typeface="Times New Roman" panose="02020603050405020304" pitchFamily="18" charset="0"/>
+                <a:ea typeface="Calibri" panose="020F0502020204030204" pitchFamily="34" charset="0"/>
+                <a:cs typeface="Times New Roman" panose="02020603050405020304" pitchFamily="18" charset="0"/>
+              </a:rPr>
+              <a:t>Por que a glicose-6-fosfato não atravessa a membrana celular?</a:t>
+            </a:r>
+          </a:p>
+        </p:txBody>
+      </p:sp>
+    </p:spTree>
+    <p:extLst>
+      <p:ext uri="{BB962C8B-B14F-4D97-AF65-F5344CB8AC3E}">
+        <p14:creationId xmlns:p14="http://schemas.microsoft.com/office/powerpoint/2010/main" val="784886797"/>
       </p:ext>
     </p:extLst>
   </p:cSld>
@@ -16739,6 +17140,269 @@
     <p:extLst>
       <p:ext uri="{BB962C8B-B14F-4D97-AF65-F5344CB8AC3E}">
         <p14:creationId xmlns:p14="http://schemas.microsoft.com/office/powerpoint/2010/main" val="2400275688"/>
+      </p:ext>
+    </p:extLst>
+  </p:cSld>
+  <p:clrMapOvr>
+    <a:masterClrMapping/>
+  </p:clrMapOvr>
+</p:sld>
+</file>
+
+<file path=ppt/slides/slide30.xml><?xml version="1.0" encoding="utf-8"?>
+<p:sld xmlns:a="http://schemas.openxmlformats.org/drawingml/2006/main" xmlns:r="http://schemas.openxmlformats.org/officeDocument/2006/relationships" xmlns:p="http://schemas.openxmlformats.org/presentationml/2006/main">
+  <p:cSld>
+    <p:spTree>
+      <p:nvGrpSpPr>
+        <p:cNvPr id="1" name=""/>
+        <p:cNvGrpSpPr/>
+        <p:nvPr/>
+      </p:nvGrpSpPr>
+      <p:grpSpPr>
+        <a:xfrm>
+          <a:off x="0" y="0"/>
+          <a:ext cx="0" cy="0"/>
+          <a:chOff x="0" y="0"/>
+          <a:chExt cx="0" cy="0"/>
+        </a:xfrm>
+      </p:grpSpPr>
+      <p:sp>
+        <p:nvSpPr>
+          <p:cNvPr id="2" name="Retângulo 1">
+            <a:extLst>
+              <a:ext uri="{FF2B5EF4-FFF2-40B4-BE49-F238E27FC236}">
+                <a16:creationId xmlns:a16="http://schemas.microsoft.com/office/drawing/2014/main" id="{C70A2D4E-AA3C-48A2-9248-0DF969278203}"/>
+              </a:ext>
+            </a:extLst>
+          </p:cNvPr>
+          <p:cNvSpPr/>
+          <p:nvPr/>
+        </p:nvSpPr>
+        <p:spPr>
+          <a:xfrm>
+            <a:off x="1093566" y="1828786"/>
+            <a:ext cx="10004867" cy="3200428"/>
+          </a:xfrm>
+          <a:prstGeom prst="rect">
+            <a:avLst/>
+          </a:prstGeom>
+        </p:spPr>
+        <p:txBody>
+          <a:bodyPr wrap="square">
+            <a:spAutoFit/>
+          </a:bodyPr>
+          <a:lstStyle/>
+          <a:p>
+            <a:pPr marL="0" marR="0" lvl="0" indent="0" algn="ctr" defTabSz="914400" rtl="0" eaLnBrk="1" fontAlgn="auto" latinLnBrk="0" hangingPunct="1">
+              <a:lnSpc>
+                <a:spcPct val="107000"/>
+              </a:lnSpc>
+              <a:spcBef>
+                <a:spcPts val="0"/>
+              </a:spcBef>
+              <a:spcAft>
+                <a:spcPts val="800"/>
+              </a:spcAft>
+              <a:buClrTx/>
+              <a:buSzTx/>
+              <a:buFontTx/>
+              <a:buNone/>
+              <a:tabLst/>
+              <a:defRPr/>
+            </a:pPr>
+            <a:r>
+              <a:rPr kumimoji="0" lang="pt-BR" sz="4800" b="1" i="1" u="none" strike="noStrike" kern="1200" cap="none" spc="0" normalizeH="0" baseline="0" noProof="0" dirty="0">
+                <a:ln>
+                  <a:noFill/>
+                </a:ln>
+                <a:solidFill>
+                  <a:prstClr val="white"/>
+                </a:solidFill>
+                <a:effectLst/>
+                <a:uLnTx/>
+                <a:uFillTx/>
+                <a:latin typeface="Times New Roman" panose="02020603050405020304" pitchFamily="18" charset="0"/>
+                <a:ea typeface="Calibri" panose="020F0502020204030204" pitchFamily="34" charset="0"/>
+                <a:cs typeface="Times New Roman" panose="02020603050405020304" pitchFamily="18" charset="0"/>
+              </a:rPr>
+              <a:t>Por que o piruvato e o lactato não são convertido em glicose via gliconeogênese em casos de </a:t>
+            </a:r>
+            <a:r>
+              <a:rPr kumimoji="0" lang="pt-BR" sz="4800" b="1" i="1" u="none" strike="noStrike" kern="1200" cap="none" spc="0" normalizeH="0" baseline="0" noProof="0" dirty="0" err="1">
+                <a:ln>
+                  <a:noFill/>
+                </a:ln>
+                <a:solidFill>
+                  <a:prstClr val="white"/>
+                </a:solidFill>
+                <a:effectLst/>
+                <a:uLnTx/>
+                <a:uFillTx/>
+                <a:latin typeface="Times New Roman" panose="02020603050405020304" pitchFamily="18" charset="0"/>
+                <a:ea typeface="Calibri" panose="020F0502020204030204" pitchFamily="34" charset="0"/>
+                <a:cs typeface="Times New Roman" panose="02020603050405020304" pitchFamily="18" charset="0"/>
+              </a:rPr>
+              <a:t>glicogeno</a:t>
+            </a:r>
+            <a:r>
+              <a:rPr lang="pt-BR" sz="4800" b="1" i="1" dirty="0">
+                <a:solidFill>
+                  <a:prstClr val="white"/>
+                </a:solidFill>
+                <a:latin typeface="Times New Roman" panose="02020603050405020304" pitchFamily="18" charset="0"/>
+                <a:ea typeface="Calibri" panose="020F0502020204030204" pitchFamily="34" charset="0"/>
+                <a:cs typeface="Times New Roman" panose="02020603050405020304" pitchFamily="18" charset="0"/>
+              </a:rPr>
+              <a:t>lise do tipo 1</a:t>
+            </a:r>
+            <a:r>
+              <a:rPr kumimoji="0" lang="pt-BR" sz="4800" b="1" i="1" u="none" strike="noStrike" kern="1200" cap="none" spc="0" normalizeH="0" baseline="0" noProof="0" dirty="0">
+                <a:ln>
+                  <a:noFill/>
+                </a:ln>
+                <a:solidFill>
+                  <a:prstClr val="white"/>
+                </a:solidFill>
+                <a:effectLst/>
+                <a:uLnTx/>
+                <a:uFillTx/>
+                <a:latin typeface="Times New Roman" panose="02020603050405020304" pitchFamily="18" charset="0"/>
+                <a:ea typeface="Calibri" panose="020F0502020204030204" pitchFamily="34" charset="0"/>
+                <a:cs typeface="Times New Roman" panose="02020603050405020304" pitchFamily="18" charset="0"/>
+              </a:rPr>
+              <a:t>?</a:t>
+            </a:r>
+          </a:p>
+        </p:txBody>
+      </p:sp>
+    </p:spTree>
+    <p:extLst>
+      <p:ext uri="{BB962C8B-B14F-4D97-AF65-F5344CB8AC3E}">
+        <p14:creationId xmlns:p14="http://schemas.microsoft.com/office/powerpoint/2010/main" val="1934001127"/>
+      </p:ext>
+    </p:extLst>
+  </p:cSld>
+  <p:clrMapOvr>
+    <a:masterClrMapping/>
+  </p:clrMapOvr>
+</p:sld>
+</file>
+
+<file path=ppt/slides/slide31.xml><?xml version="1.0" encoding="utf-8"?>
+<p:sld xmlns:a="http://schemas.openxmlformats.org/drawingml/2006/main" xmlns:r="http://schemas.openxmlformats.org/officeDocument/2006/relationships" xmlns:p="http://schemas.openxmlformats.org/presentationml/2006/main">
+  <p:cSld>
+    <p:spTree>
+      <p:nvGrpSpPr>
+        <p:cNvPr id="1" name=""/>
+        <p:cNvGrpSpPr/>
+        <p:nvPr/>
+      </p:nvGrpSpPr>
+      <p:grpSpPr>
+        <a:xfrm>
+          <a:off x="0" y="0"/>
+          <a:ext cx="0" cy="0"/>
+          <a:chOff x="0" y="0"/>
+          <a:chExt cx="0" cy="0"/>
+        </a:xfrm>
+      </p:grpSpPr>
+      <p:sp>
+        <p:nvSpPr>
+          <p:cNvPr id="2" name="Retângulo 1">
+            <a:extLst>
+              <a:ext uri="{FF2B5EF4-FFF2-40B4-BE49-F238E27FC236}">
+                <a16:creationId xmlns:a16="http://schemas.microsoft.com/office/drawing/2014/main" id="{C70A2D4E-AA3C-48A2-9248-0DF969278203}"/>
+              </a:ext>
+            </a:extLst>
+          </p:cNvPr>
+          <p:cNvSpPr/>
+          <p:nvPr/>
+        </p:nvSpPr>
+        <p:spPr>
+          <a:xfrm>
+            <a:off x="1093566" y="2223958"/>
+            <a:ext cx="10004867" cy="2410083"/>
+          </a:xfrm>
+          <a:prstGeom prst="rect">
+            <a:avLst/>
+          </a:prstGeom>
+        </p:spPr>
+        <p:txBody>
+          <a:bodyPr wrap="square">
+            <a:spAutoFit/>
+          </a:bodyPr>
+          <a:lstStyle/>
+          <a:p>
+            <a:pPr marL="0" marR="0" lvl="0" indent="0" algn="ctr" defTabSz="914400" rtl="0" eaLnBrk="1" fontAlgn="auto" latinLnBrk="0" hangingPunct="1">
+              <a:lnSpc>
+                <a:spcPct val="107000"/>
+              </a:lnSpc>
+              <a:spcBef>
+                <a:spcPts val="0"/>
+              </a:spcBef>
+              <a:spcAft>
+                <a:spcPts val="800"/>
+              </a:spcAft>
+              <a:buClrTx/>
+              <a:buSzTx/>
+              <a:buFontTx/>
+              <a:buNone/>
+              <a:tabLst/>
+              <a:defRPr/>
+            </a:pPr>
+            <a:r>
+              <a:rPr kumimoji="0" lang="pt-BR" sz="4800" b="1" i="1" u="none" strike="noStrike" kern="1200" cap="none" spc="0" normalizeH="0" baseline="0" noProof="0" dirty="0">
+                <a:ln>
+                  <a:noFill/>
+                </a:ln>
+                <a:solidFill>
+                  <a:prstClr val="white"/>
+                </a:solidFill>
+                <a:effectLst/>
+                <a:uLnTx/>
+                <a:uFillTx/>
+                <a:latin typeface="Times New Roman" panose="02020603050405020304" pitchFamily="18" charset="0"/>
+                <a:ea typeface="Calibri" panose="020F0502020204030204" pitchFamily="34" charset="0"/>
+                <a:cs typeface="Times New Roman" panose="02020603050405020304" pitchFamily="18" charset="0"/>
+              </a:rPr>
+              <a:t>Por que é desvantajoso para célula armazenar glicose em sua forma monomérica dentro da célula?</a:t>
+            </a:r>
+          </a:p>
+        </p:txBody>
+      </p:sp>
+    </p:spTree>
+    <p:extLst>
+      <p:ext uri="{BB962C8B-B14F-4D97-AF65-F5344CB8AC3E}">
+        <p14:creationId xmlns:p14="http://schemas.microsoft.com/office/powerpoint/2010/main" val="2216507822"/>
+      </p:ext>
+    </p:extLst>
+  </p:cSld>
+  <p:clrMapOvr>
+    <a:masterClrMapping/>
+  </p:clrMapOvr>
+</p:sld>
+</file>
+
+<file path=ppt/slides/slide32.xml><?xml version="1.0" encoding="utf-8"?>
+<p:sld xmlns:a="http://schemas.openxmlformats.org/drawingml/2006/main" xmlns:r="http://schemas.openxmlformats.org/officeDocument/2006/relationships" xmlns:p="http://schemas.openxmlformats.org/presentationml/2006/main">
+  <p:cSld>
+    <p:spTree>
+      <p:nvGrpSpPr>
+        <p:cNvPr id="1" name=""/>
+        <p:cNvGrpSpPr/>
+        <p:nvPr/>
+      </p:nvGrpSpPr>
+      <p:grpSpPr>
+        <a:xfrm>
+          <a:off x="0" y="0"/>
+          <a:ext cx="0" cy="0"/>
+          <a:chOff x="0" y="0"/>
+          <a:chExt cx="0" cy="0"/>
+        </a:xfrm>
+      </p:grpSpPr>
+    </p:spTree>
+    <p:extLst>
+      <p:ext uri="{BB962C8B-B14F-4D97-AF65-F5344CB8AC3E}">
+        <p14:creationId xmlns:p14="http://schemas.microsoft.com/office/powerpoint/2010/main" val="179903182"/>
       </p:ext>
     </p:extLst>
   </p:cSld>
@@ -22092,7 +22756,7 @@
         <p:spPr>
           <a:xfrm>
             <a:off x="1629938" y="5080023"/>
-            <a:ext cx="9723862" cy="461665"/>
+            <a:ext cx="7404880" cy="954107"/>
           </a:xfrm>
           <a:prstGeom prst="rect">
             <a:avLst/>
@@ -22146,7 +22810,7 @@
               <a:defRPr/>
             </a:pPr>
             <a:r>
-              <a:rPr kumimoji="0" lang="pt-BR" sz="2400" b="0" i="0" u="none" strike="noStrike" kern="1200" cap="none" spc="0" normalizeH="0" baseline="0" noProof="0" dirty="0">
+              <a:rPr kumimoji="0" lang="pt-BR" sz="2800" b="0" i="0" u="none" strike="noStrike" kern="1200" cap="none" spc="0" normalizeH="0" baseline="0" noProof="0" dirty="0">
                 <a:ln>
                   <a:noFill/>
                 </a:ln>
@@ -22156,21 +22820,41 @@
                 <a:effectLst/>
                 <a:uLnTx/>
                 <a:uFillTx/>
-                <a:latin typeface="Eras Bold ITC" panose="020B0907030504020204" pitchFamily="34" charset="0"/>
-                <a:ea typeface="+mn-ea"/>
-                <a:cs typeface="+mn-cs"/>
+                <a:latin typeface="Dante" panose="02020502050200020203" pitchFamily="18" charset="0"/>
               </a:rPr>
               <a:t>Via </a:t>
             </a:r>
             <a:r>
-              <a:rPr lang="pt-BR" sz="2400" dirty="0">
+              <a:rPr lang="pt-BR" sz="2800" dirty="0">
                 <a:solidFill>
                   <a:prstClr val="white"/>
                 </a:solidFill>
+                <a:latin typeface="Dante" panose="02020502050200020203" pitchFamily="18" charset="0"/>
               </a:rPr>
-              <a:t>de quebra do glicogênio em glicose-6-fosfato e glicose</a:t>
-            </a:r>
-            <a:endParaRPr kumimoji="0" lang="pt-BR" sz="2400" b="0" i="0" u="none" strike="noStrike" kern="1200" cap="none" spc="0" normalizeH="0" baseline="0" noProof="0" dirty="0">
+              <a:t>de </a:t>
+            </a:r>
+            <a:r>
+              <a:rPr lang="pt-BR" sz="2800" dirty="0">
+                <a:solidFill>
+                  <a:schemeClr val="accent4">
+                    <a:lumMod val="60000"/>
+                    <a:lumOff val="40000"/>
+                  </a:schemeClr>
+                </a:solidFill>
+                <a:latin typeface="Dante" panose="02020502050200020203" pitchFamily="18" charset="0"/>
+              </a:rPr>
+              <a:t>quebra do glicogênio </a:t>
+            </a:r>
+            <a:r>
+              <a:rPr lang="pt-BR" sz="2800" dirty="0">
+                <a:solidFill>
+                  <a:prstClr val="white"/>
+                </a:solidFill>
+                <a:latin typeface="Dante" panose="02020502050200020203" pitchFamily="18" charset="0"/>
+              </a:rPr>
+              <a:t>em glicose-6-fosfato e glicose</a:t>
+            </a:r>
+            <a:endParaRPr kumimoji="0" lang="pt-BR" sz="2800" b="0" i="0" u="none" strike="noStrike" kern="1200" cap="none" spc="0" normalizeH="0" baseline="0" noProof="0" dirty="0">
               <a:ln>
                 <a:noFill/>
               </a:ln>
@@ -22180,9 +22864,7 @@
               <a:effectLst/>
               <a:uLnTx/>
               <a:uFillTx/>
-              <a:latin typeface="Eras Bold ITC" panose="020B0907030504020204" pitchFamily="34" charset="0"/>
-              <a:ea typeface="+mn-ea"/>
-              <a:cs typeface="+mn-cs"/>
+              <a:latin typeface="Dante" panose="02020502050200020203" pitchFamily="18" charset="0"/>
             </a:endParaRPr>
           </a:p>
         </p:txBody>
@@ -22201,8 +22883,8 @@
         </p:nvSpPr>
         <p:spPr>
           <a:xfrm>
-            <a:off x="1629939" y="3141341"/>
-            <a:ext cx="10381197" cy="461665"/>
+            <a:off x="1629939" y="2756735"/>
+            <a:ext cx="7584903" cy="954107"/>
           </a:xfrm>
           <a:prstGeom prst="rect">
             <a:avLst/>
@@ -22256,7 +22938,7 @@
               <a:defRPr/>
             </a:pPr>
             <a:r>
-              <a:rPr kumimoji="0" lang="pt-BR" sz="2400" b="0" i="0" u="none" strike="noStrike" kern="1200" cap="none" spc="0" normalizeH="0" baseline="0" noProof="0" dirty="0">
+              <a:rPr kumimoji="0" lang="pt-BR" sz="2800" b="0" i="0" u="none" strike="noStrike" kern="1200" cap="none" spc="0" normalizeH="0" baseline="0" noProof="0" dirty="0">
                 <a:ln>
                   <a:noFill/>
                 </a:ln>
@@ -22266,11 +22948,60 @@
                 <a:effectLst/>
                 <a:uLnTx/>
                 <a:uFillTx/>
-                <a:latin typeface="Eras Bold ITC" panose="020B0907030504020204" pitchFamily="34" charset="0"/>
-                <a:ea typeface="+mn-ea"/>
-                <a:cs typeface="+mn-cs"/>
+                <a:latin typeface="Dante" panose="02020502050200020203" pitchFamily="18" charset="0"/>
               </a:rPr>
-              <a:t>Via de síntese de estoque de glicose sob a forma de glicogênio</a:t>
+              <a:t>Via de </a:t>
+            </a:r>
+            <a:r>
+              <a:rPr kumimoji="0" lang="pt-BR" sz="2800" b="0" i="0" u="none" strike="noStrike" kern="1200" cap="none" spc="0" normalizeH="0" baseline="0" noProof="0" dirty="0">
+                <a:ln>
+                  <a:noFill/>
+                </a:ln>
+                <a:solidFill>
+                  <a:schemeClr val="accent4">
+                    <a:lumMod val="60000"/>
+                    <a:lumOff val="40000"/>
+                  </a:schemeClr>
+                </a:solidFill>
+                <a:effectLst/>
+                <a:uLnTx/>
+                <a:uFillTx/>
+                <a:latin typeface="Dante" panose="02020502050200020203" pitchFamily="18" charset="0"/>
+              </a:rPr>
+              <a:t>síntese</a:t>
+            </a:r>
+            <a:r>
+              <a:rPr kumimoji="0" lang="pt-BR" sz="2800" b="0" i="0" u="none" strike="noStrike" kern="1200" cap="none" spc="0" normalizeH="0" baseline="0" noProof="0" dirty="0">
+                <a:ln>
+                  <a:noFill/>
+                </a:ln>
+                <a:solidFill>
+                  <a:prstClr val="white"/>
+                </a:solidFill>
+                <a:effectLst/>
+                <a:uLnTx/>
+                <a:uFillTx/>
+                <a:latin typeface="Dante" panose="02020502050200020203" pitchFamily="18" charset="0"/>
+              </a:rPr>
+              <a:t> de estoque de glicose sob a forma </a:t>
+            </a:r>
+            <a:r>
+              <a:rPr kumimoji="0" lang="pt-BR" sz="2800" b="0" i="0" u="none" strike="noStrike" kern="1200" cap="none" spc="0" normalizeH="0" baseline="0" noProof="0" dirty="0">
+                <a:ln>
+                  <a:noFill/>
+                </a:ln>
+                <a:solidFill>
+                  <a:schemeClr val="accent4">
+                    <a:lumMod val="60000"/>
+                    <a:lumOff val="40000"/>
+                  </a:schemeClr>
+                </a:solidFill>
+                <a:effectLst/>
+                <a:uLnTx/>
+                <a:uFillTx/>
+                <a:latin typeface="Dante" panose="02020502050200020203" pitchFamily="18" charset="0"/>
+              </a:rPr>
+              <a:t>de glicogênio</a:t>
             </a:r>
           </a:p>
         </p:txBody>
@@ -22289,8 +23020,8 @@
         </p:nvSpPr>
         <p:spPr>
           <a:xfrm>
-            <a:off x="838200" y="2560601"/>
-            <a:ext cx="5385448" cy="461665"/>
+            <a:off x="838200" y="1930335"/>
+            <a:ext cx="5385448" cy="646331"/>
           </a:xfrm>
           <a:prstGeom prst="rect">
             <a:avLst/>
@@ -22344,7 +23075,7 @@
               <a:defRPr/>
             </a:pPr>
             <a:r>
-              <a:rPr lang="pt-BR" sz="2400" dirty="0">
+              <a:rPr lang="pt-BR" sz="3600" dirty="0">
                 <a:solidFill>
                   <a:schemeClr val="accent4">
                     <a:lumMod val="60000"/>
@@ -22354,7 +23085,7 @@
               </a:rPr>
               <a:t>Glicogênese</a:t>
             </a:r>
-            <a:endParaRPr kumimoji="0" lang="pt-BR" sz="2400" b="0" i="0" u="none" strike="noStrike" kern="1200" cap="none" spc="0" normalizeH="0" baseline="0" noProof="0" dirty="0">
+            <a:endParaRPr kumimoji="0" lang="pt-BR" sz="3600" b="0" i="0" u="none" strike="noStrike" kern="1200" cap="none" spc="0" normalizeH="0" baseline="0" noProof="0" dirty="0">
               <a:ln>
                 <a:noFill/>
               </a:ln>
@@ -22388,8 +23119,8 @@
         </p:nvSpPr>
         <p:spPr>
           <a:xfrm>
-            <a:off x="861775" y="4472919"/>
-            <a:ext cx="5385448" cy="461665"/>
+            <a:off x="861775" y="4227259"/>
+            <a:ext cx="5385448" cy="646331"/>
           </a:xfrm>
           <a:prstGeom prst="rect">
             <a:avLst/>
@@ -22431,7 +23162,7 @@
               <a:defRPr/>
             </a:pPr>
             <a:r>
-              <a:rPr lang="pt-BR" sz="2400" dirty="0">
+              <a:rPr lang="pt-BR" sz="3600" dirty="0">
                 <a:solidFill>
                   <a:schemeClr val="accent4">
                     <a:lumMod val="60000"/>
@@ -22441,7 +23172,7 @@
               </a:rPr>
               <a:t>Glicogenólise</a:t>
             </a:r>
-            <a:endParaRPr kumimoji="0" lang="pt-BR" sz="2400" b="0" i="0" u="none" strike="noStrike" kern="1200" cap="none" spc="0" normalizeH="0" baseline="0" noProof="0" dirty="0">
+            <a:endParaRPr kumimoji="0" lang="pt-BR" sz="3600" b="0" i="0" u="none" strike="noStrike" kern="1200" cap="none" spc="0" normalizeH="0" baseline="0" noProof="0" dirty="0">
               <a:ln>
                 <a:noFill/>
               </a:ln>
@@ -22471,6 +23202,204 @@
   <p:clrMapOvr>
     <a:masterClrMapping/>
   </p:clrMapOvr>
+  <p:timing>
+    <p:tnLst>
+      <p:par>
+        <p:cTn id="1" dur="indefinite" restart="never" nodeType="tmRoot">
+          <p:childTnLst>
+            <p:seq concurrent="1" nextAc="seek">
+              <p:cTn id="2" dur="indefinite" nodeType="mainSeq">
+                <p:childTnLst>
+                  <p:par>
+                    <p:cTn id="3" fill="hold">
+                      <p:stCondLst>
+                        <p:cond delay="indefinite"/>
+                      </p:stCondLst>
+                      <p:childTnLst>
+                        <p:par>
+                          <p:cTn id="4" fill="hold">
+                            <p:stCondLst>
+                              <p:cond delay="0"/>
+                            </p:stCondLst>
+                            <p:childTnLst>
+                              <p:par>
+                                <p:cTn id="5" presetID="2" presetClass="entr" presetSubtype="8" fill="hold" grpId="0" nodeType="clickEffect">
+                                  <p:stCondLst>
+                                    <p:cond delay="0"/>
+                                  </p:stCondLst>
+                                  <p:childTnLst>
+                                    <p:set>
+                                      <p:cBhvr>
+                                        <p:cTn id="6" dur="1" fill="hold">
+                                          <p:stCondLst>
+                                            <p:cond delay="0"/>
+                                          </p:stCondLst>
+                                        </p:cTn>
+                                        <p:tgtEl>
+                                          <p:spTgt spid="12"/>
+                                        </p:tgtEl>
+                                        <p:attrNameLst>
+                                          <p:attrName>style.visibility</p:attrName>
+                                        </p:attrNameLst>
+                                      </p:cBhvr>
+                                      <p:to>
+                                        <p:strVal val="visible"/>
+                                      </p:to>
+                                    </p:set>
+                                    <p:anim calcmode="lin" valueType="num">
+                                      <p:cBhvr additive="base">
+                                        <p:cTn id="7" dur="500" fill="hold"/>
+                                        <p:tgtEl>
+                                          <p:spTgt spid="12"/>
+                                        </p:tgtEl>
+                                        <p:attrNameLst>
+                                          <p:attrName>ppt_x</p:attrName>
+                                        </p:attrNameLst>
+                                      </p:cBhvr>
+                                      <p:tavLst>
+                                        <p:tav tm="0">
+                                          <p:val>
+                                            <p:strVal val="0-#ppt_w/2"/>
+                                          </p:val>
+                                        </p:tav>
+                                        <p:tav tm="100000">
+                                          <p:val>
+                                            <p:strVal val="#ppt_x"/>
+                                          </p:val>
+                                        </p:tav>
+                                      </p:tavLst>
+                                    </p:anim>
+                                    <p:anim calcmode="lin" valueType="num">
+                                      <p:cBhvr additive="base">
+                                        <p:cTn id="8" dur="500" fill="hold"/>
+                                        <p:tgtEl>
+                                          <p:spTgt spid="12"/>
+                                        </p:tgtEl>
+                                        <p:attrNameLst>
+                                          <p:attrName>ppt_y</p:attrName>
+                                        </p:attrNameLst>
+                                      </p:cBhvr>
+                                      <p:tavLst>
+                                        <p:tav tm="0">
+                                          <p:val>
+                                            <p:strVal val="#ppt_y"/>
+                                          </p:val>
+                                        </p:tav>
+                                        <p:tav tm="100000">
+                                          <p:val>
+                                            <p:strVal val="#ppt_y"/>
+                                          </p:val>
+                                        </p:tav>
+                                      </p:tavLst>
+                                    </p:anim>
+                                  </p:childTnLst>
+                                </p:cTn>
+                              </p:par>
+                              <p:par>
+                                <p:cTn id="9" presetID="2" presetClass="entr" presetSubtype="8" fill="hold" grpId="0" nodeType="withEffect">
+                                  <p:stCondLst>
+                                    <p:cond delay="0"/>
+                                  </p:stCondLst>
+                                  <p:childTnLst>
+                                    <p:set>
+                                      <p:cBhvr>
+                                        <p:cTn id="10" dur="1" fill="hold">
+                                          <p:stCondLst>
+                                            <p:cond delay="0"/>
+                                          </p:stCondLst>
+                                        </p:cTn>
+                                        <p:tgtEl>
+                                          <p:spTgt spid="7"/>
+                                        </p:tgtEl>
+                                        <p:attrNameLst>
+                                          <p:attrName>style.visibility</p:attrName>
+                                        </p:attrNameLst>
+                                      </p:cBhvr>
+                                      <p:to>
+                                        <p:strVal val="visible"/>
+                                      </p:to>
+                                    </p:set>
+                                    <p:anim calcmode="lin" valueType="num">
+                                      <p:cBhvr additive="base">
+                                        <p:cTn id="11" dur="500" fill="hold"/>
+                                        <p:tgtEl>
+                                          <p:spTgt spid="7"/>
+                                        </p:tgtEl>
+                                        <p:attrNameLst>
+                                          <p:attrName>ppt_x</p:attrName>
+                                        </p:attrNameLst>
+                                      </p:cBhvr>
+                                      <p:tavLst>
+                                        <p:tav tm="0">
+                                          <p:val>
+                                            <p:strVal val="0-#ppt_w/2"/>
+                                          </p:val>
+                                        </p:tav>
+                                        <p:tav tm="100000">
+                                          <p:val>
+                                            <p:strVal val="#ppt_x"/>
+                                          </p:val>
+                                        </p:tav>
+                                      </p:tavLst>
+                                    </p:anim>
+                                    <p:anim calcmode="lin" valueType="num">
+                                      <p:cBhvr additive="base">
+                                        <p:cTn id="12" dur="500" fill="hold"/>
+                                        <p:tgtEl>
+                                          <p:spTgt spid="7"/>
+                                        </p:tgtEl>
+                                        <p:attrNameLst>
+                                          <p:attrName>ppt_y</p:attrName>
+                                        </p:attrNameLst>
+                                      </p:cBhvr>
+                                      <p:tavLst>
+                                        <p:tav tm="0">
+                                          <p:val>
+                                            <p:strVal val="#ppt_y"/>
+                                          </p:val>
+                                        </p:tav>
+                                        <p:tav tm="100000">
+                                          <p:val>
+                                            <p:strVal val="#ppt_y"/>
+                                          </p:val>
+                                        </p:tav>
+                                      </p:tavLst>
+                                    </p:anim>
+                                  </p:childTnLst>
+                                </p:cTn>
+                              </p:par>
+                            </p:childTnLst>
+                          </p:cTn>
+                        </p:par>
+                      </p:childTnLst>
+                    </p:cTn>
+                  </p:par>
+                </p:childTnLst>
+              </p:cTn>
+              <p:prevCondLst>
+                <p:cond evt="onPrev" delay="0">
+                  <p:tgtEl>
+                    <p:sldTgt/>
+                  </p:tgtEl>
+                </p:cond>
+              </p:prevCondLst>
+              <p:nextCondLst>
+                <p:cond evt="onNext" delay="0">
+                  <p:tgtEl>
+                    <p:sldTgt/>
+                  </p:tgtEl>
+                </p:cond>
+              </p:nextCondLst>
+            </p:seq>
+          </p:childTnLst>
+        </p:cTn>
+      </p:par>
+    </p:tnLst>
+    <p:bldLst>
+      <p:bldP spid="7" grpId="0"/>
+      <p:bldP spid="12" grpId="0"/>
+    </p:bldLst>
+  </p:timing>
 </p:sld>
 </file>
 
